--- a/finalProject/GreenSkills-AI-Case-Study.pptx
+++ b/finalProject/GreenSkills-AI-Case-Study.pptx
@@ -5,16 +5,23 @@
     <p:sldMasterId id="2147483665" r:id="rId4"/>
   </p:sldMasterIdLst>
   <p:notesMasterIdLst>
-    <p:notesMasterId r:id="rId12"/>
+    <p:notesMasterId r:id="rId19"/>
   </p:notesMasterIdLst>
   <p:sldIdLst>
     <p:sldId id="1300" r:id="rId5"/>
     <p:sldId id="1291" r:id="rId6"/>
     <p:sldId id="1301" r:id="rId7"/>
     <p:sldId id="1302" r:id="rId8"/>
-    <p:sldId id="1295" r:id="rId9"/>
-    <p:sldId id="1296" r:id="rId10"/>
-    <p:sldId id="1250" r:id="rId11"/>
+    <p:sldId id="1303" r:id="rId9"/>
+    <p:sldId id="1305" r:id="rId10"/>
+    <p:sldId id="1304" r:id="rId11"/>
+    <p:sldId id="1307" r:id="rId12"/>
+    <p:sldId id="1306" r:id="rId13"/>
+    <p:sldId id="1308" r:id="rId14"/>
+    <p:sldId id="1309" r:id="rId15"/>
+    <p:sldId id="1295" r:id="rId16"/>
+    <p:sldId id="1296" r:id="rId17"/>
+    <p:sldId id="1250" r:id="rId18"/>
   </p:sldIdLst>
   <p:sldSz cx="12192000" cy="6858000"/>
   <p:notesSz cx="6858000" cy="9144000"/>
@@ -268,7 +275,7 @@
       </p15:sldGuideLst>
     </p:ext>
     <p:ext uri="http://customooxmlschemas.google.com/">
-      <go:slidesCustomData xmlns="" xmlns:go="http://customooxmlschemas.google.com/" xmlns:p15="http://schemas.microsoft.com/office/powerpoint/2012/main" xmlns:p14="http://schemas.microsoft.com/office/powerpoint/2010/main" xmlns:com="http://schemas.openxmlformats.org/drawingml/2006/compatibility" xmlns:pvml="urn:schemas-microsoft-com:office:powerpoint" xmlns:v="urn:schemas-microsoft-com:vml" xmlns:o="urn:schemas-microsoft-com:office:office" xmlns:dgm="http://schemas.openxmlformats.org/drawingml/2006/diagram" xmlns:c="http://schemas.openxmlformats.org/drawingml/2006/chart" xmlns:mv="urn:schemas-microsoft-com:mac:vml" xmlns:mc="http://schemas.openxmlformats.org/markup-compatibility/2006" r:id="rId220" roundtripDataSignature="AMtx7miWNY2LB4ETJwrL8F0N+EK9hEhqUQ=="/>
+      <go:slidesCustomData xmlns:mc="http://schemas.openxmlformats.org/markup-compatibility/2006" xmlns:mv="urn:schemas-microsoft-com:mac:vml" xmlns:c="http://schemas.openxmlformats.org/drawingml/2006/chart" xmlns:dgm="http://schemas.openxmlformats.org/drawingml/2006/diagram" xmlns:o="urn:schemas-microsoft-com:office:office" xmlns:v="urn:schemas-microsoft-com:vml" xmlns:pvml="urn:schemas-microsoft-com:office:powerpoint" xmlns:com="http://schemas.openxmlformats.org/drawingml/2006/compatibility" xmlns:p14="http://schemas.microsoft.com/office/powerpoint/2010/main" xmlns:p15="http://schemas.microsoft.com/office/powerpoint/2012/main" xmlns:go="http://customooxmlschemas.google.com/" xmlns="" r:id="rId220" roundtripDataSignature="AMtx7miWNY2LB4ETJwrL8F0N+EK9hEhqUQ=="/>
     </p:ext>
   </p:extLst>
 </p:presentation>
@@ -955,6 +962,591 @@
 </p:notes>
 </file>
 
+<file path=ppt/notesSlides/notesSlide10.xml><?xml version="1.0" encoding="utf-8"?>
+<p:notes xmlns:a="http://schemas.openxmlformats.org/drawingml/2006/main" xmlns:r="http://schemas.openxmlformats.org/officeDocument/2006/relationships" xmlns:p="http://schemas.openxmlformats.org/presentationml/2006/main" showMasterSp="0" showMasterPhAnim="0">
+  <p:cSld>
+    <p:spTree>
+      <p:nvGrpSpPr>
+        <p:cNvPr id="1" name="Shape 57">
+          <a:extLst>
+            <a:ext uri="{FF2B5EF4-FFF2-40B4-BE49-F238E27FC236}">
+              <a16:creationId xmlns:a16="http://schemas.microsoft.com/office/drawing/2014/main" id="{33EA9337-71BE-5E6B-5EE9-6C1A382752E0}"/>
+            </a:ext>
+          </a:extLst>
+        </p:cNvPr>
+        <p:cNvGrpSpPr/>
+        <p:nvPr/>
+      </p:nvGrpSpPr>
+      <p:grpSpPr>
+        <a:xfrm>
+          <a:off x="0" y="0"/>
+          <a:ext cx="0" cy="0"/>
+          <a:chOff x="0" y="0"/>
+          <a:chExt cx="0" cy="0"/>
+        </a:xfrm>
+      </p:grpSpPr>
+      <p:sp>
+        <p:nvSpPr>
+          <p:cNvPr id="58" name="Google Shape;58;g5fab984687_2_0:notes">
+            <a:extLst>
+              <a:ext uri="{FF2B5EF4-FFF2-40B4-BE49-F238E27FC236}">
+                <a16:creationId xmlns:a16="http://schemas.microsoft.com/office/drawing/2014/main" id="{E2DAE3A3-722B-14F5-114F-B650E72233C5}"/>
+              </a:ext>
+            </a:extLst>
+          </p:cNvPr>
+          <p:cNvSpPr txBox="1">
+            <a:spLocks noGrp="1"/>
+          </p:cNvSpPr>
+          <p:nvPr>
+            <p:ph type="body" idx="1"/>
+          </p:nvPr>
+        </p:nvSpPr>
+        <p:spPr>
+          <a:xfrm>
+            <a:off x="685800" y="4343400"/>
+            <a:ext cx="5486400" cy="4114800"/>
+          </a:xfrm>
+          <a:prstGeom prst="rect">
+            <a:avLst/>
+          </a:prstGeom>
+          <a:noFill/>
+          <a:ln>
+            <a:noFill/>
+          </a:ln>
+        </p:spPr>
+        <p:txBody>
+          <a:bodyPr spcFirstLastPara="1" wrap="square" lIns="91425" tIns="91425" rIns="91425" bIns="91425" anchor="t" anchorCtr="0">
+            <a:noAutofit/>
+          </a:bodyPr>
+          <a:lstStyle/>
+          <a:p>
+            <a:pPr marL="0" indent="0">
+              <a:buNone/>
+            </a:pPr>
+            <a:endParaRPr lang="en-US" b="1" dirty="0"/>
+          </a:p>
+        </p:txBody>
+      </p:sp>
+      <p:sp>
+        <p:nvSpPr>
+          <p:cNvPr id="59" name="Google Shape;59;g5fab984687_2_0:notes">
+            <a:extLst>
+              <a:ext uri="{FF2B5EF4-FFF2-40B4-BE49-F238E27FC236}">
+                <a16:creationId xmlns:a16="http://schemas.microsoft.com/office/drawing/2014/main" id="{1959E418-C6B2-1AAB-57D7-FE0EA4656A88}"/>
+              </a:ext>
+            </a:extLst>
+          </p:cNvPr>
+          <p:cNvSpPr>
+            <a:spLocks noGrp="1" noRot="1" noChangeAspect="1"/>
+          </p:cNvSpPr>
+          <p:nvPr>
+            <p:ph type="sldImg" idx="2"/>
+          </p:nvPr>
+        </p:nvSpPr>
+        <p:spPr>
+          <a:xfrm>
+            <a:off x="381000" y="685800"/>
+            <a:ext cx="6096000" cy="3429000"/>
+          </a:xfrm>
+          <a:custGeom>
+            <a:avLst/>
+            <a:gdLst/>
+            <a:ahLst/>
+            <a:cxnLst/>
+            <a:rect l="l" t="t" r="r" b="b"/>
+            <a:pathLst>
+              <a:path w="120000" h="120000" extrusionOk="0">
+                <a:moveTo>
+                  <a:pt x="0" y="0"/>
+                </a:moveTo>
+                <a:lnTo>
+                  <a:pt x="120000" y="0"/>
+                </a:lnTo>
+                <a:lnTo>
+                  <a:pt x="120000" y="120000"/>
+                </a:lnTo>
+                <a:lnTo>
+                  <a:pt x="0" y="120000"/>
+                </a:lnTo>
+                <a:close/>
+              </a:path>
+            </a:pathLst>
+          </a:custGeom>
+          <a:noFill/>
+          <a:ln w="9525" cap="flat" cmpd="sng">
+            <a:solidFill>
+              <a:srgbClr val="000000"/>
+            </a:solidFill>
+            <a:prstDash val="solid"/>
+            <a:round/>
+            <a:headEnd type="none" w="sm" len="sm"/>
+            <a:tailEnd type="none" w="sm" len="sm"/>
+          </a:ln>
+        </p:spPr>
+      </p:sp>
+    </p:spTree>
+    <p:extLst>
+      <p:ext uri="{BB962C8B-B14F-4D97-AF65-F5344CB8AC3E}">
+        <p14:creationId xmlns:p14="http://schemas.microsoft.com/office/powerpoint/2010/main" val="552789559"/>
+      </p:ext>
+    </p:extLst>
+  </p:cSld>
+  <p:clrMapOvr>
+    <a:masterClrMapping/>
+  </p:clrMapOvr>
+</p:notes>
+</file>
+
+<file path=ppt/notesSlides/notesSlide11.xml><?xml version="1.0" encoding="utf-8"?>
+<p:notes xmlns:a="http://schemas.openxmlformats.org/drawingml/2006/main" xmlns:r="http://schemas.openxmlformats.org/officeDocument/2006/relationships" xmlns:p="http://schemas.openxmlformats.org/presentationml/2006/main" showMasterSp="0" showMasterPhAnim="0">
+  <p:cSld>
+    <p:spTree>
+      <p:nvGrpSpPr>
+        <p:cNvPr id="1" name="Shape 57">
+          <a:extLst>
+            <a:ext uri="{FF2B5EF4-FFF2-40B4-BE49-F238E27FC236}">
+              <a16:creationId xmlns:a16="http://schemas.microsoft.com/office/drawing/2014/main" id="{9B8E5094-0E77-C95E-EF9A-1ECDB2C3186F}"/>
+            </a:ext>
+          </a:extLst>
+        </p:cNvPr>
+        <p:cNvGrpSpPr/>
+        <p:nvPr/>
+      </p:nvGrpSpPr>
+      <p:grpSpPr>
+        <a:xfrm>
+          <a:off x="0" y="0"/>
+          <a:ext cx="0" cy="0"/>
+          <a:chOff x="0" y="0"/>
+          <a:chExt cx="0" cy="0"/>
+        </a:xfrm>
+      </p:grpSpPr>
+      <p:sp>
+        <p:nvSpPr>
+          <p:cNvPr id="58" name="Google Shape;58;g5fab984687_2_0:notes">
+            <a:extLst>
+              <a:ext uri="{FF2B5EF4-FFF2-40B4-BE49-F238E27FC236}">
+                <a16:creationId xmlns:a16="http://schemas.microsoft.com/office/drawing/2014/main" id="{A2A91C56-C4FD-7DCE-5640-6765344B813F}"/>
+              </a:ext>
+            </a:extLst>
+          </p:cNvPr>
+          <p:cNvSpPr txBox="1">
+            <a:spLocks noGrp="1"/>
+          </p:cNvSpPr>
+          <p:nvPr>
+            <p:ph type="body" idx="1"/>
+          </p:nvPr>
+        </p:nvSpPr>
+        <p:spPr>
+          <a:xfrm>
+            <a:off x="685800" y="4343400"/>
+            <a:ext cx="5486400" cy="4114800"/>
+          </a:xfrm>
+          <a:prstGeom prst="rect">
+            <a:avLst/>
+          </a:prstGeom>
+          <a:noFill/>
+          <a:ln>
+            <a:noFill/>
+          </a:ln>
+        </p:spPr>
+        <p:txBody>
+          <a:bodyPr spcFirstLastPara="1" wrap="square" lIns="91425" tIns="91425" rIns="91425" bIns="91425" anchor="t" anchorCtr="0">
+            <a:noAutofit/>
+          </a:bodyPr>
+          <a:lstStyle/>
+          <a:p>
+            <a:pPr marL="0" indent="0">
+              <a:buNone/>
+            </a:pPr>
+            <a:endParaRPr lang="en-US" b="1" dirty="0"/>
+          </a:p>
+        </p:txBody>
+      </p:sp>
+      <p:sp>
+        <p:nvSpPr>
+          <p:cNvPr id="59" name="Google Shape;59;g5fab984687_2_0:notes">
+            <a:extLst>
+              <a:ext uri="{FF2B5EF4-FFF2-40B4-BE49-F238E27FC236}">
+                <a16:creationId xmlns:a16="http://schemas.microsoft.com/office/drawing/2014/main" id="{90F5CD08-7A9A-7BFE-B584-640B80440B69}"/>
+              </a:ext>
+            </a:extLst>
+          </p:cNvPr>
+          <p:cNvSpPr>
+            <a:spLocks noGrp="1" noRot="1" noChangeAspect="1"/>
+          </p:cNvSpPr>
+          <p:nvPr>
+            <p:ph type="sldImg" idx="2"/>
+          </p:nvPr>
+        </p:nvSpPr>
+        <p:spPr>
+          <a:xfrm>
+            <a:off x="381000" y="685800"/>
+            <a:ext cx="6096000" cy="3429000"/>
+          </a:xfrm>
+          <a:custGeom>
+            <a:avLst/>
+            <a:gdLst/>
+            <a:ahLst/>
+            <a:cxnLst/>
+            <a:rect l="l" t="t" r="r" b="b"/>
+            <a:pathLst>
+              <a:path w="120000" h="120000" extrusionOk="0">
+                <a:moveTo>
+                  <a:pt x="0" y="0"/>
+                </a:moveTo>
+                <a:lnTo>
+                  <a:pt x="120000" y="0"/>
+                </a:lnTo>
+                <a:lnTo>
+                  <a:pt x="120000" y="120000"/>
+                </a:lnTo>
+                <a:lnTo>
+                  <a:pt x="0" y="120000"/>
+                </a:lnTo>
+                <a:close/>
+              </a:path>
+            </a:pathLst>
+          </a:custGeom>
+          <a:noFill/>
+          <a:ln w="9525" cap="flat" cmpd="sng">
+            <a:solidFill>
+              <a:srgbClr val="000000"/>
+            </a:solidFill>
+            <a:prstDash val="solid"/>
+            <a:round/>
+            <a:headEnd type="none" w="sm" len="sm"/>
+            <a:tailEnd type="none" w="sm" len="sm"/>
+          </a:ln>
+        </p:spPr>
+      </p:sp>
+    </p:spTree>
+    <p:extLst>
+      <p:ext uri="{BB962C8B-B14F-4D97-AF65-F5344CB8AC3E}">
+        <p14:creationId xmlns:p14="http://schemas.microsoft.com/office/powerpoint/2010/main" val="1781427411"/>
+      </p:ext>
+    </p:extLst>
+  </p:cSld>
+  <p:clrMapOvr>
+    <a:masterClrMapping/>
+  </p:clrMapOvr>
+</p:notes>
+</file>
+
+<file path=ppt/notesSlides/notesSlide12.xml><?xml version="1.0" encoding="utf-8"?>
+<p:notes xmlns:a="http://schemas.openxmlformats.org/drawingml/2006/main" xmlns:r="http://schemas.openxmlformats.org/officeDocument/2006/relationships" xmlns:p="http://schemas.openxmlformats.org/presentationml/2006/main" showMasterSp="0" showMasterPhAnim="0">
+  <p:cSld>
+    <p:spTree>
+      <p:nvGrpSpPr>
+        <p:cNvPr id="1" name="Shape 57"/>
+        <p:cNvGrpSpPr/>
+        <p:nvPr/>
+      </p:nvGrpSpPr>
+      <p:grpSpPr>
+        <a:xfrm>
+          <a:off x="0" y="0"/>
+          <a:ext cx="0" cy="0"/>
+          <a:chOff x="0" y="0"/>
+          <a:chExt cx="0" cy="0"/>
+        </a:xfrm>
+      </p:grpSpPr>
+      <p:sp>
+        <p:nvSpPr>
+          <p:cNvPr id="58" name="Google Shape;58;g5fab984687_2_0:notes"/>
+          <p:cNvSpPr txBox="1">
+            <a:spLocks noGrp="1"/>
+          </p:cNvSpPr>
+          <p:nvPr>
+            <p:ph type="body" idx="1"/>
+          </p:nvPr>
+        </p:nvSpPr>
+        <p:spPr>
+          <a:xfrm>
+            <a:off x="685800" y="4343400"/>
+            <a:ext cx="5486400" cy="4114800"/>
+          </a:xfrm>
+          <a:prstGeom prst="rect">
+            <a:avLst/>
+          </a:prstGeom>
+          <a:noFill/>
+          <a:ln>
+            <a:noFill/>
+          </a:ln>
+        </p:spPr>
+        <p:txBody>
+          <a:bodyPr spcFirstLastPara="1" wrap="square" lIns="91425" tIns="91425" rIns="91425" bIns="91425" anchor="t" anchorCtr="0">
+            <a:noAutofit/>
+          </a:bodyPr>
+          <a:lstStyle/>
+          <a:p>
+            <a:pPr marL="0" indent="0">
+              <a:buNone/>
+            </a:pPr>
+            <a:endParaRPr lang="en-US" b="1" dirty="0"/>
+          </a:p>
+        </p:txBody>
+      </p:sp>
+      <p:sp>
+        <p:nvSpPr>
+          <p:cNvPr id="59" name="Google Shape;59;g5fab984687_2_0:notes"/>
+          <p:cNvSpPr>
+            <a:spLocks noGrp="1" noRot="1" noChangeAspect="1"/>
+          </p:cNvSpPr>
+          <p:nvPr>
+            <p:ph type="sldImg" idx="2"/>
+          </p:nvPr>
+        </p:nvSpPr>
+        <p:spPr>
+          <a:xfrm>
+            <a:off x="381000" y="685800"/>
+            <a:ext cx="6096000" cy="3429000"/>
+          </a:xfrm>
+          <a:custGeom>
+            <a:avLst/>
+            <a:gdLst/>
+            <a:ahLst/>
+            <a:cxnLst/>
+            <a:rect l="l" t="t" r="r" b="b"/>
+            <a:pathLst>
+              <a:path w="120000" h="120000" extrusionOk="0">
+                <a:moveTo>
+                  <a:pt x="0" y="0"/>
+                </a:moveTo>
+                <a:lnTo>
+                  <a:pt x="120000" y="0"/>
+                </a:lnTo>
+                <a:lnTo>
+                  <a:pt x="120000" y="120000"/>
+                </a:lnTo>
+                <a:lnTo>
+                  <a:pt x="0" y="120000"/>
+                </a:lnTo>
+                <a:close/>
+              </a:path>
+            </a:pathLst>
+          </a:custGeom>
+          <a:noFill/>
+          <a:ln w="9525" cap="flat" cmpd="sng">
+            <a:solidFill>
+              <a:srgbClr val="000000"/>
+            </a:solidFill>
+            <a:prstDash val="solid"/>
+            <a:round/>
+            <a:headEnd type="none" w="sm" len="sm"/>
+            <a:tailEnd type="none" w="sm" len="sm"/>
+          </a:ln>
+        </p:spPr>
+      </p:sp>
+    </p:spTree>
+    <p:extLst>
+      <p:ext uri="{BB962C8B-B14F-4D97-AF65-F5344CB8AC3E}">
+        <p14:creationId xmlns:p14="http://schemas.microsoft.com/office/powerpoint/2010/main" val="174812337"/>
+      </p:ext>
+    </p:extLst>
+  </p:cSld>
+  <p:clrMapOvr>
+    <a:masterClrMapping/>
+  </p:clrMapOvr>
+</p:notes>
+</file>
+
+<file path=ppt/notesSlides/notesSlide13.xml><?xml version="1.0" encoding="utf-8"?>
+<p:notes xmlns:a="http://schemas.openxmlformats.org/drawingml/2006/main" xmlns:r="http://schemas.openxmlformats.org/officeDocument/2006/relationships" xmlns:p="http://schemas.openxmlformats.org/presentationml/2006/main" showMasterSp="0" showMasterPhAnim="0">
+  <p:cSld>
+    <p:spTree>
+      <p:nvGrpSpPr>
+        <p:cNvPr id="1" name="Shape 57"/>
+        <p:cNvGrpSpPr/>
+        <p:nvPr/>
+      </p:nvGrpSpPr>
+      <p:grpSpPr>
+        <a:xfrm>
+          <a:off x="0" y="0"/>
+          <a:ext cx="0" cy="0"/>
+          <a:chOff x="0" y="0"/>
+          <a:chExt cx="0" cy="0"/>
+        </a:xfrm>
+      </p:grpSpPr>
+      <p:sp>
+        <p:nvSpPr>
+          <p:cNvPr id="58" name="Google Shape;58;g5fab984687_2_0:notes"/>
+          <p:cNvSpPr txBox="1">
+            <a:spLocks noGrp="1"/>
+          </p:cNvSpPr>
+          <p:nvPr>
+            <p:ph type="body" idx="1"/>
+          </p:nvPr>
+        </p:nvSpPr>
+        <p:spPr>
+          <a:xfrm>
+            <a:off x="685800" y="4343400"/>
+            <a:ext cx="5486400" cy="4114800"/>
+          </a:xfrm>
+          <a:prstGeom prst="rect">
+            <a:avLst/>
+          </a:prstGeom>
+          <a:noFill/>
+          <a:ln>
+            <a:noFill/>
+          </a:ln>
+        </p:spPr>
+        <p:txBody>
+          <a:bodyPr spcFirstLastPara="1" wrap="square" lIns="91425" tIns="91425" rIns="91425" bIns="91425" anchor="t" anchorCtr="0">
+            <a:noAutofit/>
+          </a:bodyPr>
+          <a:lstStyle/>
+          <a:p>
+            <a:pPr marL="0" indent="0">
+              <a:buNone/>
+            </a:pPr>
+            <a:endParaRPr lang="en-US" b="1" dirty="0"/>
+          </a:p>
+        </p:txBody>
+      </p:sp>
+      <p:sp>
+        <p:nvSpPr>
+          <p:cNvPr id="59" name="Google Shape;59;g5fab984687_2_0:notes"/>
+          <p:cNvSpPr>
+            <a:spLocks noGrp="1" noRot="1" noChangeAspect="1"/>
+          </p:cNvSpPr>
+          <p:nvPr>
+            <p:ph type="sldImg" idx="2"/>
+          </p:nvPr>
+        </p:nvSpPr>
+        <p:spPr>
+          <a:xfrm>
+            <a:off x="381000" y="685800"/>
+            <a:ext cx="6096000" cy="3429000"/>
+          </a:xfrm>
+          <a:custGeom>
+            <a:avLst/>
+            <a:gdLst/>
+            <a:ahLst/>
+            <a:cxnLst/>
+            <a:rect l="l" t="t" r="r" b="b"/>
+            <a:pathLst>
+              <a:path w="120000" h="120000" extrusionOk="0">
+                <a:moveTo>
+                  <a:pt x="0" y="0"/>
+                </a:moveTo>
+                <a:lnTo>
+                  <a:pt x="120000" y="0"/>
+                </a:lnTo>
+                <a:lnTo>
+                  <a:pt x="120000" y="120000"/>
+                </a:lnTo>
+                <a:lnTo>
+                  <a:pt x="0" y="120000"/>
+                </a:lnTo>
+                <a:close/>
+              </a:path>
+            </a:pathLst>
+          </a:custGeom>
+          <a:noFill/>
+          <a:ln w="9525" cap="flat" cmpd="sng">
+            <a:solidFill>
+              <a:srgbClr val="000000"/>
+            </a:solidFill>
+            <a:prstDash val="solid"/>
+            <a:round/>
+            <a:headEnd type="none" w="sm" len="sm"/>
+            <a:tailEnd type="none" w="sm" len="sm"/>
+          </a:ln>
+        </p:spPr>
+      </p:sp>
+    </p:spTree>
+    <p:extLst>
+      <p:ext uri="{BB962C8B-B14F-4D97-AF65-F5344CB8AC3E}">
+        <p14:creationId xmlns:p14="http://schemas.microsoft.com/office/powerpoint/2010/main" val="2403845579"/>
+      </p:ext>
+    </p:extLst>
+  </p:cSld>
+  <p:clrMapOvr>
+    <a:masterClrMapping/>
+  </p:clrMapOvr>
+</p:notes>
+</file>
+
+<file path=ppt/notesSlides/notesSlide14.xml><?xml version="1.0" encoding="utf-8"?>
+<p:notes xmlns:a="http://schemas.openxmlformats.org/drawingml/2006/main" xmlns:r="http://schemas.openxmlformats.org/officeDocument/2006/relationships" xmlns:p="http://schemas.openxmlformats.org/presentationml/2006/main">
+  <p:cSld>
+    <p:spTree>
+      <p:nvGrpSpPr>
+        <p:cNvPr id="1" name=""/>
+        <p:cNvGrpSpPr/>
+        <p:nvPr/>
+      </p:nvGrpSpPr>
+      <p:grpSpPr>
+        <a:xfrm>
+          <a:off x="0" y="0"/>
+          <a:ext cx="0" cy="0"/>
+          <a:chOff x="0" y="0"/>
+          <a:chExt cx="0" cy="0"/>
+        </a:xfrm>
+      </p:grpSpPr>
+      <p:sp>
+        <p:nvSpPr>
+          <p:cNvPr id="2" name="Slide Image Placeholder 1"/>
+          <p:cNvSpPr>
+            <a:spLocks noGrp="1" noRot="1" noChangeAspect="1"/>
+          </p:cNvSpPr>
+          <p:nvPr>
+            <p:ph type="sldImg"/>
+          </p:nvPr>
+        </p:nvSpPr>
+        <p:spPr>
+          <a:xfrm>
+            <a:off x="381000" y="685800"/>
+            <a:ext cx="6096000" cy="3429000"/>
+          </a:xfrm>
+        </p:spPr>
+      </p:sp>
+      <p:sp>
+        <p:nvSpPr>
+          <p:cNvPr id="3" name="Notes Placeholder 2"/>
+          <p:cNvSpPr>
+            <a:spLocks noGrp="1"/>
+          </p:cNvSpPr>
+          <p:nvPr>
+            <p:ph type="body" idx="1"/>
+          </p:nvPr>
+        </p:nvSpPr>
+        <p:spPr/>
+        <p:txBody>
+          <a:bodyPr/>
+          <a:lstStyle/>
+          <a:p>
+            <a:pPr marL="0" indent="0">
+              <a:buNone/>
+            </a:pPr>
+            <a:r>
+              <a:rPr lang="en-US" b="1" spc="-5">
+                <a:solidFill>
+                  <a:srgbClr val="223366"/>
+                </a:solidFill>
+              </a:rPr>
+              <a:t>Thank You !!</a:t>
+            </a:r>
+            <a:endParaRPr lang="en-US" sz="1100" b="1" spc="-5">
+              <a:solidFill>
+                <a:srgbClr val="223366"/>
+              </a:solidFill>
+            </a:endParaRPr>
+          </a:p>
+        </p:txBody>
+      </p:sp>
+    </p:spTree>
+    <p:extLst>
+      <p:ext uri="{BB962C8B-B14F-4D97-AF65-F5344CB8AC3E}">
+        <p14:creationId xmlns:p14="http://schemas.microsoft.com/office/powerpoint/2010/main" val="254420341"/>
+      </p:ext>
+    </p:extLst>
+  </p:cSld>
+  <p:clrMapOvr>
+    <a:masterClrMapping/>
+  </p:clrMapOvr>
+</p:notes>
+</file>
+
 <file path=ppt/notesSlides/notesSlide2.xml><?xml version="1.0" encoding="utf-8"?>
 <p:notes xmlns:a="http://schemas.openxmlformats.org/drawingml/2006/main" xmlns:r="http://schemas.openxmlformats.org/officeDocument/2006/relationships" xmlns:p="http://schemas.openxmlformats.org/presentationml/2006/main" showMasterSp="0" showMasterPhAnim="0">
   <p:cSld>
@@ -1311,7 +1903,13 @@
   <p:cSld>
     <p:spTree>
       <p:nvGrpSpPr>
-        <p:cNvPr id="1" name="Shape 57"/>
+        <p:cNvPr id="1" name="Shape 57">
+          <a:extLst>
+            <a:ext uri="{FF2B5EF4-FFF2-40B4-BE49-F238E27FC236}">
+              <a16:creationId xmlns:a16="http://schemas.microsoft.com/office/drawing/2014/main" id="{79434E25-1693-E002-B65B-3538399D3F49}"/>
+            </a:ext>
+          </a:extLst>
+        </p:cNvPr>
         <p:cNvGrpSpPr/>
         <p:nvPr/>
       </p:nvGrpSpPr>
@@ -1325,7 +1923,13 @@
       </p:grpSpPr>
       <p:sp>
         <p:nvSpPr>
-          <p:cNvPr id="58" name="Google Shape;58;g5fab984687_2_0:notes"/>
+          <p:cNvPr id="58" name="Google Shape;58;g5fab984687_2_0:notes">
+            <a:extLst>
+              <a:ext uri="{FF2B5EF4-FFF2-40B4-BE49-F238E27FC236}">
+                <a16:creationId xmlns:a16="http://schemas.microsoft.com/office/drawing/2014/main" id="{F8589BFE-AAC2-09E7-33F9-2D0C46883B24}"/>
+              </a:ext>
+            </a:extLst>
+          </p:cNvPr>
           <p:cNvSpPr txBox="1">
             <a:spLocks noGrp="1"/>
           </p:cNvSpPr>
@@ -1361,7 +1965,13 @@
       </p:sp>
       <p:sp>
         <p:nvSpPr>
-          <p:cNvPr id="59" name="Google Shape;59;g5fab984687_2_0:notes"/>
+          <p:cNvPr id="59" name="Google Shape;59;g5fab984687_2_0:notes">
+            <a:extLst>
+              <a:ext uri="{FF2B5EF4-FFF2-40B4-BE49-F238E27FC236}">
+                <a16:creationId xmlns:a16="http://schemas.microsoft.com/office/drawing/2014/main" id="{C6D2839A-3C67-F596-4A45-86CF03AF0517}"/>
+              </a:ext>
+            </a:extLst>
+          </p:cNvPr>
           <p:cNvSpPr>
             <a:spLocks noGrp="1" noRot="1" noChangeAspect="1"/>
           </p:cNvSpPr>
@@ -1413,7 +2023,7 @@
     </p:spTree>
     <p:extLst>
       <p:ext uri="{BB962C8B-B14F-4D97-AF65-F5344CB8AC3E}">
-        <p14:creationId xmlns:p14="http://schemas.microsoft.com/office/powerpoint/2010/main" val="174812337"/>
+        <p14:creationId xmlns:p14="http://schemas.microsoft.com/office/powerpoint/2010/main" val="1756528975"/>
       </p:ext>
     </p:extLst>
   </p:cSld>
@@ -1428,7 +2038,13 @@
   <p:cSld>
     <p:spTree>
       <p:nvGrpSpPr>
-        <p:cNvPr id="1" name="Shape 57"/>
+        <p:cNvPr id="1" name="Shape 57">
+          <a:extLst>
+            <a:ext uri="{FF2B5EF4-FFF2-40B4-BE49-F238E27FC236}">
+              <a16:creationId xmlns:a16="http://schemas.microsoft.com/office/drawing/2014/main" id="{33105BB4-646A-2056-06DC-AB2B5AC7FF85}"/>
+            </a:ext>
+          </a:extLst>
+        </p:cNvPr>
         <p:cNvGrpSpPr/>
         <p:nvPr/>
       </p:nvGrpSpPr>
@@ -1442,7 +2058,13 @@
       </p:grpSpPr>
       <p:sp>
         <p:nvSpPr>
-          <p:cNvPr id="58" name="Google Shape;58;g5fab984687_2_0:notes"/>
+          <p:cNvPr id="58" name="Google Shape;58;g5fab984687_2_0:notes">
+            <a:extLst>
+              <a:ext uri="{FF2B5EF4-FFF2-40B4-BE49-F238E27FC236}">
+                <a16:creationId xmlns:a16="http://schemas.microsoft.com/office/drawing/2014/main" id="{05E4D77E-6186-D1F5-C290-A942CBBDED72}"/>
+              </a:ext>
+            </a:extLst>
+          </p:cNvPr>
           <p:cNvSpPr txBox="1">
             <a:spLocks noGrp="1"/>
           </p:cNvSpPr>
@@ -1478,7 +2100,13 @@
       </p:sp>
       <p:sp>
         <p:nvSpPr>
-          <p:cNvPr id="59" name="Google Shape;59;g5fab984687_2_0:notes"/>
+          <p:cNvPr id="59" name="Google Shape;59;g5fab984687_2_0:notes">
+            <a:extLst>
+              <a:ext uri="{FF2B5EF4-FFF2-40B4-BE49-F238E27FC236}">
+                <a16:creationId xmlns:a16="http://schemas.microsoft.com/office/drawing/2014/main" id="{5ACA37F1-4C1A-6231-7055-0149C87FB5FB}"/>
+              </a:ext>
+            </a:extLst>
+          </p:cNvPr>
           <p:cNvSpPr>
             <a:spLocks noGrp="1" noRot="1" noChangeAspect="1"/>
           </p:cNvSpPr>
@@ -1530,7 +2158,7 @@
     </p:spTree>
     <p:extLst>
       <p:ext uri="{BB962C8B-B14F-4D97-AF65-F5344CB8AC3E}">
-        <p14:creationId xmlns:p14="http://schemas.microsoft.com/office/powerpoint/2010/main" val="2403845579"/>
+        <p14:creationId xmlns:p14="http://schemas.microsoft.com/office/powerpoint/2010/main" val="2607844151"/>
       </p:ext>
     </p:extLst>
   </p:cSld>
@@ -1541,11 +2169,17 @@
 </file>
 
 <file path=ppt/notesSlides/notesSlide7.xml><?xml version="1.0" encoding="utf-8"?>
-<p:notes xmlns:a="http://schemas.openxmlformats.org/drawingml/2006/main" xmlns:r="http://schemas.openxmlformats.org/officeDocument/2006/relationships" xmlns:p="http://schemas.openxmlformats.org/presentationml/2006/main">
+<p:notes xmlns:a="http://schemas.openxmlformats.org/drawingml/2006/main" xmlns:r="http://schemas.openxmlformats.org/officeDocument/2006/relationships" xmlns:p="http://schemas.openxmlformats.org/presentationml/2006/main" showMasterSp="0" showMasterPhAnim="0">
   <p:cSld>
     <p:spTree>
       <p:nvGrpSpPr>
-        <p:cNvPr id="1" name=""/>
+        <p:cNvPr id="1" name="Shape 57">
+          <a:extLst>
+            <a:ext uri="{FF2B5EF4-FFF2-40B4-BE49-F238E27FC236}">
+              <a16:creationId xmlns:a16="http://schemas.microsoft.com/office/drawing/2014/main" id="{83B1391B-75D2-673E-313D-F327C4609820}"/>
+            </a:ext>
+          </a:extLst>
+        </p:cNvPr>
         <p:cNvGrpSpPr/>
         <p:nvPr/>
       </p:nvGrpSpPr>
@@ -1559,12 +2193,60 @@
       </p:grpSpPr>
       <p:sp>
         <p:nvSpPr>
-          <p:cNvPr id="2" name="Slide Image Placeholder 1"/>
+          <p:cNvPr id="58" name="Google Shape;58;g5fab984687_2_0:notes">
+            <a:extLst>
+              <a:ext uri="{FF2B5EF4-FFF2-40B4-BE49-F238E27FC236}">
+                <a16:creationId xmlns:a16="http://schemas.microsoft.com/office/drawing/2014/main" id="{5CDCE909-7F3E-FD0B-89A4-B8CF08A91CC5}"/>
+              </a:ext>
+            </a:extLst>
+          </p:cNvPr>
+          <p:cNvSpPr txBox="1">
+            <a:spLocks noGrp="1"/>
+          </p:cNvSpPr>
+          <p:nvPr>
+            <p:ph type="body" idx="1"/>
+          </p:nvPr>
+        </p:nvSpPr>
+        <p:spPr>
+          <a:xfrm>
+            <a:off x="685800" y="4343400"/>
+            <a:ext cx="5486400" cy="4114800"/>
+          </a:xfrm>
+          <a:prstGeom prst="rect">
+            <a:avLst/>
+          </a:prstGeom>
+          <a:noFill/>
+          <a:ln>
+            <a:noFill/>
+          </a:ln>
+        </p:spPr>
+        <p:txBody>
+          <a:bodyPr spcFirstLastPara="1" wrap="square" lIns="91425" tIns="91425" rIns="91425" bIns="91425" anchor="t" anchorCtr="0">
+            <a:noAutofit/>
+          </a:bodyPr>
+          <a:lstStyle/>
+          <a:p>
+            <a:pPr marL="0" indent="0">
+              <a:buNone/>
+            </a:pPr>
+            <a:endParaRPr lang="en-US" b="1" dirty="0"/>
+          </a:p>
+        </p:txBody>
+      </p:sp>
+      <p:sp>
+        <p:nvSpPr>
+          <p:cNvPr id="59" name="Google Shape;59;g5fab984687_2_0:notes">
+            <a:extLst>
+              <a:ext uri="{FF2B5EF4-FFF2-40B4-BE49-F238E27FC236}">
+                <a16:creationId xmlns:a16="http://schemas.microsoft.com/office/drawing/2014/main" id="{7AF8211A-AED3-159B-ECB2-96590835E972}"/>
+              </a:ext>
+            </a:extLst>
+          </p:cNvPr>
           <p:cNvSpPr>
             <a:spLocks noGrp="1" noRot="1" noChangeAspect="1"/>
           </p:cNvSpPr>
           <p:nvPr>
-            <p:ph type="sldImg"/>
+            <p:ph type="sldImg" idx="2"/>
           </p:nvPr>
         </p:nvSpPr>
         <p:spPr>
@@ -1572,46 +2254,316 @@
             <a:off x="381000" y="685800"/>
             <a:ext cx="6096000" cy="3429000"/>
           </a:xfrm>
+          <a:custGeom>
+            <a:avLst/>
+            <a:gdLst/>
+            <a:ahLst/>
+            <a:cxnLst/>
+            <a:rect l="l" t="t" r="r" b="b"/>
+            <a:pathLst>
+              <a:path w="120000" h="120000" extrusionOk="0">
+                <a:moveTo>
+                  <a:pt x="0" y="0"/>
+                </a:moveTo>
+                <a:lnTo>
+                  <a:pt x="120000" y="0"/>
+                </a:lnTo>
+                <a:lnTo>
+                  <a:pt x="120000" y="120000"/>
+                </a:lnTo>
+                <a:lnTo>
+                  <a:pt x="0" y="120000"/>
+                </a:lnTo>
+                <a:close/>
+              </a:path>
+            </a:pathLst>
+          </a:custGeom>
+          <a:noFill/>
+          <a:ln w="9525" cap="flat" cmpd="sng">
+            <a:solidFill>
+              <a:srgbClr val="000000"/>
+            </a:solidFill>
+            <a:prstDash val="solid"/>
+            <a:round/>
+            <a:headEnd type="none" w="sm" len="sm"/>
+            <a:tailEnd type="none" w="sm" len="sm"/>
+          </a:ln>
         </p:spPr>
       </p:sp>
+    </p:spTree>
+    <p:extLst>
+      <p:ext uri="{BB962C8B-B14F-4D97-AF65-F5344CB8AC3E}">
+        <p14:creationId xmlns:p14="http://schemas.microsoft.com/office/powerpoint/2010/main" val="1865641674"/>
+      </p:ext>
+    </p:extLst>
+  </p:cSld>
+  <p:clrMapOvr>
+    <a:masterClrMapping/>
+  </p:clrMapOvr>
+</p:notes>
+</file>
+
+<file path=ppt/notesSlides/notesSlide8.xml><?xml version="1.0" encoding="utf-8"?>
+<p:notes xmlns:a="http://schemas.openxmlformats.org/drawingml/2006/main" xmlns:r="http://schemas.openxmlformats.org/officeDocument/2006/relationships" xmlns:p="http://schemas.openxmlformats.org/presentationml/2006/main" showMasterSp="0" showMasterPhAnim="0">
+  <p:cSld>
+    <p:spTree>
+      <p:nvGrpSpPr>
+        <p:cNvPr id="1" name="Shape 57">
+          <a:extLst>
+            <a:ext uri="{FF2B5EF4-FFF2-40B4-BE49-F238E27FC236}">
+              <a16:creationId xmlns:a16="http://schemas.microsoft.com/office/drawing/2014/main" id="{A64CD100-9B0F-FCB0-C5A8-250F06C88715}"/>
+            </a:ext>
+          </a:extLst>
+        </p:cNvPr>
+        <p:cNvGrpSpPr/>
+        <p:nvPr/>
+      </p:nvGrpSpPr>
+      <p:grpSpPr>
+        <a:xfrm>
+          <a:off x="0" y="0"/>
+          <a:ext cx="0" cy="0"/>
+          <a:chOff x="0" y="0"/>
+          <a:chExt cx="0" cy="0"/>
+        </a:xfrm>
+      </p:grpSpPr>
       <p:sp>
         <p:nvSpPr>
-          <p:cNvPr id="3" name="Notes Placeholder 2"/>
-          <p:cNvSpPr>
+          <p:cNvPr id="58" name="Google Shape;58;g5fab984687_2_0:notes">
+            <a:extLst>
+              <a:ext uri="{FF2B5EF4-FFF2-40B4-BE49-F238E27FC236}">
+                <a16:creationId xmlns:a16="http://schemas.microsoft.com/office/drawing/2014/main" id="{5D9F91A7-6F30-0BA5-A39B-ACB183155B4C}"/>
+              </a:ext>
+            </a:extLst>
+          </p:cNvPr>
+          <p:cNvSpPr txBox="1">
             <a:spLocks noGrp="1"/>
           </p:cNvSpPr>
           <p:nvPr>
             <p:ph type="body" idx="1"/>
           </p:nvPr>
         </p:nvSpPr>
-        <p:spPr/>
+        <p:spPr>
+          <a:xfrm>
+            <a:off x="685800" y="4343400"/>
+            <a:ext cx="5486400" cy="4114800"/>
+          </a:xfrm>
+          <a:prstGeom prst="rect">
+            <a:avLst/>
+          </a:prstGeom>
+          <a:noFill/>
+          <a:ln>
+            <a:noFill/>
+          </a:ln>
+        </p:spPr>
         <p:txBody>
-          <a:bodyPr/>
+          <a:bodyPr spcFirstLastPara="1" wrap="square" lIns="91425" tIns="91425" rIns="91425" bIns="91425" anchor="t" anchorCtr="0">
+            <a:noAutofit/>
+          </a:bodyPr>
           <a:lstStyle/>
           <a:p>
             <a:pPr marL="0" indent="0">
               <a:buNone/>
             </a:pPr>
-            <a:r>
-              <a:rPr lang="en-US" b="1" spc="-5">
-                <a:solidFill>
-                  <a:srgbClr val="223366"/>
-                </a:solidFill>
-              </a:rPr>
-              <a:t>Thank You !!</a:t>
-            </a:r>
-            <a:endParaRPr lang="en-US" sz="1100" b="1" spc="-5">
-              <a:solidFill>
-                <a:srgbClr val="223366"/>
-              </a:solidFill>
-            </a:endParaRPr>
+            <a:endParaRPr lang="en-US" b="1" dirty="0"/>
           </a:p>
         </p:txBody>
+      </p:sp>
+      <p:sp>
+        <p:nvSpPr>
+          <p:cNvPr id="59" name="Google Shape;59;g5fab984687_2_0:notes">
+            <a:extLst>
+              <a:ext uri="{FF2B5EF4-FFF2-40B4-BE49-F238E27FC236}">
+                <a16:creationId xmlns:a16="http://schemas.microsoft.com/office/drawing/2014/main" id="{F5523BA5-44B3-530B-C438-076D91E44841}"/>
+              </a:ext>
+            </a:extLst>
+          </p:cNvPr>
+          <p:cNvSpPr>
+            <a:spLocks noGrp="1" noRot="1" noChangeAspect="1"/>
+          </p:cNvSpPr>
+          <p:nvPr>
+            <p:ph type="sldImg" idx="2"/>
+          </p:nvPr>
+        </p:nvSpPr>
+        <p:spPr>
+          <a:xfrm>
+            <a:off x="381000" y="685800"/>
+            <a:ext cx="6096000" cy="3429000"/>
+          </a:xfrm>
+          <a:custGeom>
+            <a:avLst/>
+            <a:gdLst/>
+            <a:ahLst/>
+            <a:cxnLst/>
+            <a:rect l="l" t="t" r="r" b="b"/>
+            <a:pathLst>
+              <a:path w="120000" h="120000" extrusionOk="0">
+                <a:moveTo>
+                  <a:pt x="0" y="0"/>
+                </a:moveTo>
+                <a:lnTo>
+                  <a:pt x="120000" y="0"/>
+                </a:lnTo>
+                <a:lnTo>
+                  <a:pt x="120000" y="120000"/>
+                </a:lnTo>
+                <a:lnTo>
+                  <a:pt x="0" y="120000"/>
+                </a:lnTo>
+                <a:close/>
+              </a:path>
+            </a:pathLst>
+          </a:custGeom>
+          <a:noFill/>
+          <a:ln w="9525" cap="flat" cmpd="sng">
+            <a:solidFill>
+              <a:srgbClr val="000000"/>
+            </a:solidFill>
+            <a:prstDash val="solid"/>
+            <a:round/>
+            <a:headEnd type="none" w="sm" len="sm"/>
+            <a:tailEnd type="none" w="sm" len="sm"/>
+          </a:ln>
+        </p:spPr>
       </p:sp>
     </p:spTree>
     <p:extLst>
       <p:ext uri="{BB962C8B-B14F-4D97-AF65-F5344CB8AC3E}">
-        <p14:creationId xmlns:p14="http://schemas.microsoft.com/office/powerpoint/2010/main" val="254420341"/>
+        <p14:creationId xmlns:p14="http://schemas.microsoft.com/office/powerpoint/2010/main" val="4203399397"/>
+      </p:ext>
+    </p:extLst>
+  </p:cSld>
+  <p:clrMapOvr>
+    <a:masterClrMapping/>
+  </p:clrMapOvr>
+</p:notes>
+</file>
+
+<file path=ppt/notesSlides/notesSlide9.xml><?xml version="1.0" encoding="utf-8"?>
+<p:notes xmlns:a="http://schemas.openxmlformats.org/drawingml/2006/main" xmlns:r="http://schemas.openxmlformats.org/officeDocument/2006/relationships" xmlns:p="http://schemas.openxmlformats.org/presentationml/2006/main" showMasterSp="0" showMasterPhAnim="0">
+  <p:cSld>
+    <p:spTree>
+      <p:nvGrpSpPr>
+        <p:cNvPr id="1" name="Shape 57">
+          <a:extLst>
+            <a:ext uri="{FF2B5EF4-FFF2-40B4-BE49-F238E27FC236}">
+              <a16:creationId xmlns:a16="http://schemas.microsoft.com/office/drawing/2014/main" id="{C7C4AC36-C4BE-91D3-94C0-5041734DA01D}"/>
+            </a:ext>
+          </a:extLst>
+        </p:cNvPr>
+        <p:cNvGrpSpPr/>
+        <p:nvPr/>
+      </p:nvGrpSpPr>
+      <p:grpSpPr>
+        <a:xfrm>
+          <a:off x="0" y="0"/>
+          <a:ext cx="0" cy="0"/>
+          <a:chOff x="0" y="0"/>
+          <a:chExt cx="0" cy="0"/>
+        </a:xfrm>
+      </p:grpSpPr>
+      <p:sp>
+        <p:nvSpPr>
+          <p:cNvPr id="58" name="Google Shape;58;g5fab984687_2_0:notes">
+            <a:extLst>
+              <a:ext uri="{FF2B5EF4-FFF2-40B4-BE49-F238E27FC236}">
+                <a16:creationId xmlns:a16="http://schemas.microsoft.com/office/drawing/2014/main" id="{FB577FEC-1936-E7AB-3456-8BE61904B938}"/>
+              </a:ext>
+            </a:extLst>
+          </p:cNvPr>
+          <p:cNvSpPr txBox="1">
+            <a:spLocks noGrp="1"/>
+          </p:cNvSpPr>
+          <p:nvPr>
+            <p:ph type="body" idx="1"/>
+          </p:nvPr>
+        </p:nvSpPr>
+        <p:spPr>
+          <a:xfrm>
+            <a:off x="685800" y="4343400"/>
+            <a:ext cx="5486400" cy="4114800"/>
+          </a:xfrm>
+          <a:prstGeom prst="rect">
+            <a:avLst/>
+          </a:prstGeom>
+          <a:noFill/>
+          <a:ln>
+            <a:noFill/>
+          </a:ln>
+        </p:spPr>
+        <p:txBody>
+          <a:bodyPr spcFirstLastPara="1" wrap="square" lIns="91425" tIns="91425" rIns="91425" bIns="91425" anchor="t" anchorCtr="0">
+            <a:noAutofit/>
+          </a:bodyPr>
+          <a:lstStyle/>
+          <a:p>
+            <a:pPr marL="0" indent="0">
+              <a:buNone/>
+            </a:pPr>
+            <a:endParaRPr lang="en-US" b="1" dirty="0"/>
+          </a:p>
+        </p:txBody>
+      </p:sp>
+      <p:sp>
+        <p:nvSpPr>
+          <p:cNvPr id="59" name="Google Shape;59;g5fab984687_2_0:notes">
+            <a:extLst>
+              <a:ext uri="{FF2B5EF4-FFF2-40B4-BE49-F238E27FC236}">
+                <a16:creationId xmlns:a16="http://schemas.microsoft.com/office/drawing/2014/main" id="{5AE248F5-0C0A-A5CB-DB6A-3B7EFA824455}"/>
+              </a:ext>
+            </a:extLst>
+          </p:cNvPr>
+          <p:cNvSpPr>
+            <a:spLocks noGrp="1" noRot="1" noChangeAspect="1"/>
+          </p:cNvSpPr>
+          <p:nvPr>
+            <p:ph type="sldImg" idx="2"/>
+          </p:nvPr>
+        </p:nvSpPr>
+        <p:spPr>
+          <a:xfrm>
+            <a:off x="381000" y="685800"/>
+            <a:ext cx="6096000" cy="3429000"/>
+          </a:xfrm>
+          <a:custGeom>
+            <a:avLst/>
+            <a:gdLst/>
+            <a:ahLst/>
+            <a:cxnLst/>
+            <a:rect l="l" t="t" r="r" b="b"/>
+            <a:pathLst>
+              <a:path w="120000" h="120000" extrusionOk="0">
+                <a:moveTo>
+                  <a:pt x="0" y="0"/>
+                </a:moveTo>
+                <a:lnTo>
+                  <a:pt x="120000" y="0"/>
+                </a:lnTo>
+                <a:lnTo>
+                  <a:pt x="120000" y="120000"/>
+                </a:lnTo>
+                <a:lnTo>
+                  <a:pt x="0" y="120000"/>
+                </a:lnTo>
+                <a:close/>
+              </a:path>
+            </a:pathLst>
+          </a:custGeom>
+          <a:noFill/>
+          <a:ln w="9525" cap="flat" cmpd="sng">
+            <a:solidFill>
+              <a:srgbClr val="000000"/>
+            </a:solidFill>
+            <a:prstDash val="solid"/>
+            <a:round/>
+            <a:headEnd type="none" w="sm" len="sm"/>
+            <a:tailEnd type="none" w="sm" len="sm"/>
+          </a:ln>
+        </p:spPr>
+      </p:sp>
+    </p:spTree>
+    <p:extLst>
+      <p:ext uri="{BB962C8B-B14F-4D97-AF65-F5344CB8AC3E}">
+        <p14:creationId xmlns:p14="http://schemas.microsoft.com/office/powerpoint/2010/main" val="3227141407"/>
       </p:ext>
     </p:extLst>
   </p:cSld>
@@ -2793,8 +3745,8 @@
         </p:nvSpPr>
         <p:spPr>
           <a:xfrm>
-            <a:off x="6359008" y="3429000"/>
-            <a:ext cx="4663439" cy="707886"/>
+            <a:off x="6359008" y="2032279"/>
+            <a:ext cx="4663439" cy="2554545"/>
           </a:xfrm>
           <a:prstGeom prst="rect">
             <a:avLst/>
@@ -2816,7 +3768,7 @@
                 <a:latin typeface="Arial" panose="020B0604020202020204" pitchFamily="34" charset="0"/>
                 <a:cs typeface="Arial" panose="020B0604020202020204" pitchFamily="34" charset="0"/>
               </a:rPr>
-              <a:t>Case Study Title</a:t>
+              <a:t>SDG 7.1.1 – Trend Analysis on Access To Electricity</a:t>
             </a:r>
           </a:p>
         </p:txBody>
@@ -2923,7 +3875,7 @@
         <p:spPr>
           <a:xfrm>
             <a:off x="6898249" y="4657611"/>
-            <a:ext cx="1792478" cy="666977"/>
+            <a:ext cx="1742785" cy="1241622"/>
           </a:xfrm>
           <a:prstGeom prst="rect">
             <a:avLst/>
@@ -2942,23 +3894,35 @@
                   <a:schemeClr val="bg1"/>
                 </a:solidFill>
               </a:rPr>
-              <a:t>College Name</a:t>
-            </a:r>
-          </a:p>
-          <a:p>
-            <a:r>
-              <a:rPr lang="en-US" dirty="0">
-                <a:solidFill>
-                  <a:schemeClr val="bg1"/>
-                </a:solidFill>
-              </a:rPr>
-              <a:t>Student names</a:t>
-            </a:r>
-            <a:endParaRPr lang="en-IN" dirty="0">
+              <a:t>SIT Nagpur</a:t>
+            </a:r>
+          </a:p>
+          <a:p>
+            <a:endParaRPr lang="en-US" dirty="0">
               <a:solidFill>
                 <a:schemeClr val="bg1"/>
               </a:solidFill>
             </a:endParaRPr>
+          </a:p>
+          <a:p>
+            <a:r>
+              <a:rPr lang="en-US" dirty="0">
+                <a:solidFill>
+                  <a:schemeClr val="bg1"/>
+                </a:solidFill>
+              </a:rPr>
+              <a:t>Aditya Joshi</a:t>
+            </a:r>
+          </a:p>
+          <a:p>
+            <a:r>
+              <a:rPr lang="en-US" dirty="0">
+                <a:solidFill>
+                  <a:schemeClr val="bg1"/>
+                </a:solidFill>
+              </a:rPr>
+              <a:t>Anvesh Khode</a:t>
+            </a:r>
           </a:p>
         </p:txBody>
       </p:sp>
@@ -2966,6 +3930,1790 @@
     <p:extLst>
       <p:ext uri="{BB962C8B-B14F-4D97-AF65-F5344CB8AC3E}">
         <p14:creationId xmlns:p14="http://schemas.microsoft.com/office/powerpoint/2010/main" val="2000950779"/>
+      </p:ext>
+    </p:extLst>
+  </p:cSld>
+  <p:clrMapOvr>
+    <a:masterClrMapping/>
+  </p:clrMapOvr>
+</p:sld>
+</file>
+
+<file path=ppt/slides/slide10.xml><?xml version="1.0" encoding="utf-8"?>
+<p:sld xmlns:a="http://schemas.openxmlformats.org/drawingml/2006/main" xmlns:r="http://schemas.openxmlformats.org/officeDocument/2006/relationships" xmlns:p="http://schemas.openxmlformats.org/presentationml/2006/main">
+  <p:cSld>
+    <p:spTree>
+      <p:nvGrpSpPr>
+        <p:cNvPr id="1" name="Shape 60">
+          <a:extLst>
+            <a:ext uri="{FF2B5EF4-FFF2-40B4-BE49-F238E27FC236}">
+              <a16:creationId xmlns:a16="http://schemas.microsoft.com/office/drawing/2014/main" id="{8A1B7785-BA6B-4A78-0FA8-F0C032D613F4}"/>
+            </a:ext>
+          </a:extLst>
+        </p:cNvPr>
+        <p:cNvGrpSpPr/>
+        <p:nvPr/>
+      </p:nvGrpSpPr>
+      <p:grpSpPr>
+        <a:xfrm>
+          <a:off x="0" y="0"/>
+          <a:ext cx="0" cy="0"/>
+          <a:chOff x="0" y="0"/>
+          <a:chExt cx="0" cy="0"/>
+        </a:xfrm>
+      </p:grpSpPr>
+      <p:sp>
+        <p:nvSpPr>
+          <p:cNvPr id="2" name="TextBox 1">
+            <a:extLst>
+              <a:ext uri="{FF2B5EF4-FFF2-40B4-BE49-F238E27FC236}">
+                <a16:creationId xmlns:a16="http://schemas.microsoft.com/office/drawing/2014/main" id="{4490828A-3371-6C07-CA8E-28FE623163D4}"/>
+              </a:ext>
+            </a:extLst>
+          </p:cNvPr>
+          <p:cNvSpPr txBox="1"/>
+          <p:nvPr/>
+        </p:nvSpPr>
+        <p:spPr>
+          <a:xfrm>
+            <a:off x="202071" y="972537"/>
+            <a:ext cx="5904091" cy="400110"/>
+          </a:xfrm>
+          <a:prstGeom prst="rect">
+            <a:avLst/>
+          </a:prstGeom>
+          <a:noFill/>
+        </p:spPr>
+        <p:txBody>
+          <a:bodyPr wrap="square">
+            <a:spAutoFit/>
+          </a:bodyPr>
+          <a:lstStyle/>
+          <a:p>
+            <a:pPr marL="0" marR="0" lvl="0" indent="0" algn="l" defTabSz="914400" rtl="0" eaLnBrk="0" fontAlgn="base" latinLnBrk="0" hangingPunct="0">
+              <a:lnSpc>
+                <a:spcPct val="100000"/>
+              </a:lnSpc>
+              <a:spcBef>
+                <a:spcPct val="0"/>
+              </a:spcBef>
+              <a:spcAft>
+                <a:spcPct val="0"/>
+              </a:spcAft>
+              <a:buClrTx/>
+              <a:buSzTx/>
+              <a:tabLst/>
+            </a:pPr>
+            <a:r>
+              <a:rPr kumimoji="0" lang="en-US" altLang="en-US" sz="2000" b="1" i="0" u="none" strike="noStrike" cap="none" normalizeH="0" baseline="0" dirty="0">
+                <a:ln>
+                  <a:noFill/>
+                </a:ln>
+                <a:solidFill>
+                  <a:schemeClr val="tx1"/>
+                </a:solidFill>
+                <a:effectLst/>
+                <a:latin typeface="Arial" panose="020B0604020202020204" pitchFamily="34" charset="0"/>
+              </a:rPr>
+              <a:t>Model Accuracy</a:t>
+            </a:r>
+            <a:endParaRPr lang="en-US" altLang="en-US" sz="2000" dirty="0">
+              <a:solidFill>
+                <a:schemeClr val="tx1"/>
+              </a:solidFill>
+              <a:latin typeface="Arial" panose="020B0604020202020204" pitchFamily="34" charset="0"/>
+            </a:endParaRPr>
+          </a:p>
+        </p:txBody>
+      </p:sp>
+      <p:sp>
+        <p:nvSpPr>
+          <p:cNvPr id="6" name="TextBox 5">
+            <a:extLst>
+              <a:ext uri="{FF2B5EF4-FFF2-40B4-BE49-F238E27FC236}">
+                <a16:creationId xmlns:a16="http://schemas.microsoft.com/office/drawing/2014/main" id="{20E7477A-E5A4-1CF6-B7B5-6008A3625E38}"/>
+              </a:ext>
+            </a:extLst>
+          </p:cNvPr>
+          <p:cNvSpPr txBox="1"/>
+          <p:nvPr/>
+        </p:nvSpPr>
+        <p:spPr>
+          <a:xfrm>
+            <a:off x="199809" y="6135329"/>
+            <a:ext cx="795871" cy="276999"/>
+          </a:xfrm>
+          <a:prstGeom prst="rect">
+            <a:avLst/>
+          </a:prstGeom>
+          <a:noFill/>
+        </p:spPr>
+        <p:txBody>
+          <a:bodyPr wrap="square" rtlCol="0">
+            <a:spAutoFit/>
+          </a:bodyPr>
+          <a:lstStyle/>
+          <a:p>
+            <a:pPr>
+              <a:spcAft>
+                <a:spcPts val="800"/>
+              </a:spcAft>
+            </a:pPr>
+            <a:r>
+              <a:rPr lang="en-IN" sz="1200" b="1" dirty="0">
+                <a:latin typeface="+mn-lt"/>
+              </a:rPr>
+              <a:t>Source : </a:t>
+            </a:r>
+          </a:p>
+        </p:txBody>
+      </p:sp>
+      <p:sp>
+        <p:nvSpPr>
+          <p:cNvPr id="7" name="TextBox 6">
+            <a:extLst>
+              <a:ext uri="{FF2B5EF4-FFF2-40B4-BE49-F238E27FC236}">
+                <a16:creationId xmlns:a16="http://schemas.microsoft.com/office/drawing/2014/main" id="{EE444936-E58A-7112-7250-5A0EB46B6EE9}"/>
+              </a:ext>
+            </a:extLst>
+          </p:cNvPr>
+          <p:cNvSpPr txBox="1"/>
+          <p:nvPr/>
+        </p:nvSpPr>
+        <p:spPr>
+          <a:xfrm>
+            <a:off x="880529" y="6135329"/>
+            <a:ext cx="1842351" cy="276999"/>
+          </a:xfrm>
+          <a:prstGeom prst="rect">
+            <a:avLst/>
+          </a:prstGeom>
+          <a:noFill/>
+        </p:spPr>
+        <p:txBody>
+          <a:bodyPr wrap="square" rtlCol="0">
+            <a:spAutoFit/>
+          </a:bodyPr>
+          <a:lstStyle/>
+          <a:p>
+            <a:pPr>
+              <a:spcAft>
+                <a:spcPts val="800"/>
+              </a:spcAft>
+            </a:pPr>
+            <a:r>
+              <a:rPr lang="en-IN" sz="1200" dirty="0">
+                <a:solidFill>
+                  <a:srgbClr val="0000FF"/>
+                </a:solidFill>
+                <a:latin typeface="+mn-lt"/>
+                <a:hlinkClick r:id="rId3">
+                  <a:extLst>
+                    <a:ext uri="{A12FA001-AC4F-418D-AE19-62706E023703}">
+                      <ahyp:hlinkClr xmlns:ahyp="http://schemas.microsoft.com/office/drawing/2018/hyperlinkcolor" val="tx"/>
+                    </a:ext>
+                  </a:extLst>
+                </a:hlinkClick>
+              </a:rPr>
+              <a:t>www.freepik.com/</a:t>
+            </a:r>
+            <a:endParaRPr lang="en-IN" sz="1200" dirty="0">
+              <a:solidFill>
+                <a:srgbClr val="0000FF"/>
+              </a:solidFill>
+              <a:latin typeface="+mn-lt"/>
+            </a:endParaRPr>
+          </a:p>
+        </p:txBody>
+      </p:sp>
+      <p:cxnSp>
+        <p:nvCxnSpPr>
+          <p:cNvPr id="12" name="Straight Connector 11">
+            <a:extLst>
+              <a:ext uri="{FF2B5EF4-FFF2-40B4-BE49-F238E27FC236}">
+                <a16:creationId xmlns:a16="http://schemas.microsoft.com/office/drawing/2014/main" id="{E82F63F2-051A-F860-4ED7-5DF4F472086E}"/>
+              </a:ext>
+            </a:extLst>
+          </p:cNvPr>
+          <p:cNvCxnSpPr/>
+          <p:nvPr/>
+        </p:nvCxnSpPr>
+        <p:spPr>
+          <a:xfrm>
+            <a:off x="0" y="6055360"/>
+            <a:ext cx="12192000" cy="0"/>
+          </a:xfrm>
+          <a:prstGeom prst="line">
+            <a:avLst/>
+          </a:prstGeom>
+          <a:ln w="12700">
+            <a:solidFill>
+              <a:schemeClr val="bg1">
+                <a:lumMod val="85000"/>
+              </a:schemeClr>
+            </a:solidFill>
+          </a:ln>
+        </p:spPr>
+        <p:style>
+          <a:lnRef idx="1">
+            <a:schemeClr val="accent1"/>
+          </a:lnRef>
+          <a:fillRef idx="0">
+            <a:schemeClr val="accent1"/>
+          </a:fillRef>
+          <a:effectRef idx="0">
+            <a:schemeClr val="accent1"/>
+          </a:effectRef>
+          <a:fontRef idx="minor">
+            <a:schemeClr val="tx1"/>
+          </a:fontRef>
+        </p:style>
+      </p:cxnSp>
+      <p:sp>
+        <p:nvSpPr>
+          <p:cNvPr id="10" name="Rectangle 5">
+            <a:extLst>
+              <a:ext uri="{FF2B5EF4-FFF2-40B4-BE49-F238E27FC236}">
+                <a16:creationId xmlns:a16="http://schemas.microsoft.com/office/drawing/2014/main" id="{63E39EB3-0226-CFF1-305E-70FBC4B5143C}"/>
+              </a:ext>
+            </a:extLst>
+          </p:cNvPr>
+          <p:cNvSpPr>
+            <a:spLocks noChangeArrowheads="1"/>
+          </p:cNvSpPr>
+          <p:nvPr/>
+        </p:nvSpPr>
+        <p:spPr bwMode="auto">
+          <a:xfrm>
+            <a:off x="139296" y="1452615"/>
+            <a:ext cx="11295505" cy="1328569"/>
+          </a:xfrm>
+          <a:prstGeom prst="rect">
+            <a:avLst/>
+          </a:prstGeom>
+          <a:noFill/>
+          <a:ln>
+            <a:noFill/>
+          </a:ln>
+          <a:effectLst/>
+          <a:extLst>
+            <a:ext uri="{909E8E84-426E-40DD-AFC4-6F175D3DCCD1}">
+              <a14:hiddenFill xmlns:a14="http://schemas.microsoft.com/office/drawing/2010/main">
+                <a:solidFill>
+                  <a:schemeClr val="accent1"/>
+                </a:solidFill>
+              </a14:hiddenFill>
+            </a:ext>
+            <a:ext uri="{91240B29-F687-4F45-9708-019B960494DF}">
+              <a14:hiddenLine xmlns:a14="http://schemas.microsoft.com/office/drawing/2010/main" w="9525">
+                <a:solidFill>
+                  <a:schemeClr val="tx1"/>
+                </a:solidFill>
+                <a:miter lim="800000"/>
+                <a:headEnd/>
+                <a:tailEnd/>
+              </a14:hiddenLine>
+            </a:ext>
+            <a:ext uri="{AF507438-7753-43E0-B8FC-AC1667EBCBE1}">
+              <a14:hiddenEffects xmlns:a14="http://schemas.microsoft.com/office/drawing/2010/main">
+                <a:effectLst>
+                  <a:outerShdw dist="35921" dir="2700000" algn="ctr" rotWithShape="0">
+                    <a:schemeClr val="bg2"/>
+                  </a:outerShdw>
+                </a:effectLst>
+              </a14:hiddenEffects>
+            </a:ext>
+          </a:extLst>
+        </p:spPr>
+        <p:txBody>
+          <a:bodyPr vert="horz" wrap="square" lIns="91440" tIns="45720" rIns="91440" bIns="45720" numCol="1" anchor="t" anchorCtr="0" compatLnSpc="1">
+            <a:prstTxWarp prst="textNoShape">
+              <a:avLst/>
+            </a:prstTxWarp>
+            <a:spAutoFit/>
+          </a:bodyPr>
+          <a:lstStyle/>
+          <a:p>
+            <a:pPr marL="0" marR="0" lvl="0" indent="0" algn="l" defTabSz="914400" rtl="0" eaLnBrk="0" fontAlgn="base" latinLnBrk="0" hangingPunct="0">
+              <a:lnSpc>
+                <a:spcPct val="100000"/>
+              </a:lnSpc>
+              <a:spcBef>
+                <a:spcPct val="0"/>
+              </a:spcBef>
+              <a:spcAft>
+                <a:spcPct val="0"/>
+              </a:spcAft>
+              <a:buClrTx/>
+              <a:buSzTx/>
+              <a:tabLst/>
+            </a:pPr>
+            <a:r>
+              <a:rPr lang="en-US" altLang="en-US" sz="1200" b="1" dirty="0">
+                <a:solidFill>
+                  <a:schemeClr val="tx1"/>
+                </a:solidFill>
+                <a:latin typeface="Arial" panose="020B0604020202020204" pitchFamily="34" charset="0"/>
+              </a:rPr>
+              <a:t>The d</a:t>
+            </a:r>
+            <a:r>
+              <a:rPr kumimoji="0" lang="en-US" altLang="en-US" sz="1200" b="1" i="0" u="none" strike="noStrike" cap="none" normalizeH="0" baseline="0" dirty="0">
+                <a:ln>
+                  <a:noFill/>
+                </a:ln>
+                <a:solidFill>
+                  <a:schemeClr val="tx1"/>
+                </a:solidFill>
+                <a:effectLst/>
+                <a:latin typeface="Arial" panose="020B0604020202020204" pitchFamily="34" charset="0"/>
+              </a:rPr>
+              <a:t>ata was then cleaned to remove any missing values and encode strings to visualize and analyze it clearly.</a:t>
+            </a:r>
+            <a:br>
+              <a:rPr lang="sv-SE" sz="1200" dirty="0">
+                <a:latin typeface="+mn-lt"/>
+              </a:rPr>
+            </a:br>
+            <a:endParaRPr lang="sv-SE" sz="1100" dirty="0">
+              <a:latin typeface="+mn-lt"/>
+            </a:endParaRPr>
+          </a:p>
+          <a:p>
+            <a:pPr marL="231642" indent="-231642">
+              <a:spcAft>
+                <a:spcPts val="800"/>
+              </a:spcAft>
+              <a:buFont typeface="Arial" panose="020B0604020202020204" pitchFamily="34" charset="0"/>
+              <a:buChar char="•"/>
+            </a:pPr>
+            <a:r>
+              <a:rPr kumimoji="0" lang="en-US" altLang="en-US" sz="1100" b="1" i="0" u="none" strike="noStrike" cap="none" normalizeH="0" baseline="0" dirty="0">
+                <a:ln>
+                  <a:noFill/>
+                </a:ln>
+                <a:solidFill>
+                  <a:schemeClr val="tx1"/>
+                </a:solidFill>
+                <a:effectLst/>
+                <a:latin typeface="Arial" panose="020B0604020202020204" pitchFamily="34" charset="0"/>
+              </a:rPr>
+              <a:t> </a:t>
+            </a:r>
+            <a:r>
+              <a:rPr lang="en-IN" sz="1100" b="1" dirty="0"/>
+              <a:t>MAE</a:t>
+            </a:r>
+            <a:r>
+              <a:rPr lang="en-US" sz="1100" b="1" dirty="0"/>
+              <a:t> (Mean Absolute Error):</a:t>
+            </a:r>
+            <a:r>
+              <a:rPr lang="en-US" sz="1100" dirty="0"/>
+              <a:t> Measures the average magnitude of errors between predicted and actual values, without considering their direction.</a:t>
+            </a:r>
+          </a:p>
+          <a:p>
+            <a:pPr marL="231642" indent="-231642">
+              <a:spcAft>
+                <a:spcPts val="800"/>
+              </a:spcAft>
+              <a:buFont typeface="Arial" panose="020B0604020202020204" pitchFamily="34" charset="0"/>
+              <a:buChar char="•"/>
+            </a:pPr>
+            <a:r>
+              <a:rPr lang="en-US" sz="1100" b="1" dirty="0"/>
+              <a:t>RMSE (Root Mean Squared Error): </a:t>
+            </a:r>
+            <a:r>
+              <a:rPr lang="en-US" sz="1100" dirty="0"/>
+              <a:t>Represents the square root of the average squared differences between predicted and actual values, penalizing large errors more heavily than MAE.</a:t>
+            </a:r>
+          </a:p>
+          <a:p>
+            <a:pPr marL="231642" indent="-231642">
+              <a:spcAft>
+                <a:spcPts val="800"/>
+              </a:spcAft>
+              <a:buFont typeface="Arial" panose="020B0604020202020204" pitchFamily="34" charset="0"/>
+              <a:buChar char="•"/>
+            </a:pPr>
+            <a:r>
+              <a:rPr lang="en-US" sz="1100" b="1" dirty="0"/>
+              <a:t>Silhouette Score: </a:t>
+            </a:r>
+            <a:r>
+              <a:rPr lang="en-US" sz="1100" dirty="0"/>
+              <a:t>Evaluates the quality of clustering by measuring how similar data points are to their own cluster compared to other clusters, ranging from -1 to 1.</a:t>
+            </a:r>
+            <a:endParaRPr lang="en-IN" sz="1100" dirty="0"/>
+          </a:p>
+        </p:txBody>
+      </p:sp>
+      <p:pic>
+        <p:nvPicPr>
+          <p:cNvPr id="5" name="Picture 4" descr="A computer screen with text and numbers&#10;&#10;Description automatically generated">
+            <a:extLst>
+              <a:ext uri="{FF2B5EF4-FFF2-40B4-BE49-F238E27FC236}">
+                <a16:creationId xmlns:a16="http://schemas.microsoft.com/office/drawing/2014/main" id="{259DBEA5-340C-68A3-14E8-5B42DFE7C244}"/>
+              </a:ext>
+            </a:extLst>
+          </p:cNvPr>
+          <p:cNvPicPr>
+            <a:picLocks noChangeAspect="1"/>
+          </p:cNvPicPr>
+          <p:nvPr/>
+        </p:nvPicPr>
+        <p:blipFill>
+          <a:blip r:embed="rId4"/>
+          <a:stretch>
+            <a:fillRect/>
+          </a:stretch>
+        </p:blipFill>
+        <p:spPr>
+          <a:xfrm>
+            <a:off x="995680" y="3013935"/>
+            <a:ext cx="3815438" cy="2390241"/>
+          </a:xfrm>
+          <a:prstGeom prst="rect">
+            <a:avLst/>
+          </a:prstGeom>
+        </p:spPr>
+      </p:pic>
+      <p:pic>
+        <p:nvPicPr>
+          <p:cNvPr id="14" name="Picture 13" descr="A computer screen with colorful text&#10;&#10;Description automatically generated">
+            <a:extLst>
+              <a:ext uri="{FF2B5EF4-FFF2-40B4-BE49-F238E27FC236}">
+                <a16:creationId xmlns:a16="http://schemas.microsoft.com/office/drawing/2014/main" id="{BB73EE5D-D868-1FF9-D74A-4C543466E2DD}"/>
+              </a:ext>
+            </a:extLst>
+          </p:cNvPr>
+          <p:cNvPicPr>
+            <a:picLocks noChangeAspect="1"/>
+          </p:cNvPicPr>
+          <p:nvPr/>
+        </p:nvPicPr>
+        <p:blipFill>
+          <a:blip r:embed="rId5"/>
+          <a:stretch>
+            <a:fillRect/>
+          </a:stretch>
+        </p:blipFill>
+        <p:spPr>
+          <a:xfrm>
+            <a:off x="5951395" y="3013935"/>
+            <a:ext cx="4687241" cy="2391450"/>
+          </a:xfrm>
+          <a:prstGeom prst="rect">
+            <a:avLst/>
+          </a:prstGeom>
+        </p:spPr>
+      </p:pic>
+    </p:spTree>
+    <p:extLst>
+      <p:ext uri="{BB962C8B-B14F-4D97-AF65-F5344CB8AC3E}">
+        <p14:creationId xmlns:p14="http://schemas.microsoft.com/office/powerpoint/2010/main" val="2559747082"/>
+      </p:ext>
+    </p:extLst>
+  </p:cSld>
+  <p:clrMapOvr>
+    <a:masterClrMapping/>
+  </p:clrMapOvr>
+</p:sld>
+</file>
+
+<file path=ppt/slides/slide11.xml><?xml version="1.0" encoding="utf-8"?>
+<p:sld xmlns:a="http://schemas.openxmlformats.org/drawingml/2006/main" xmlns:r="http://schemas.openxmlformats.org/officeDocument/2006/relationships" xmlns:p="http://schemas.openxmlformats.org/presentationml/2006/main">
+  <p:cSld>
+    <p:spTree>
+      <p:nvGrpSpPr>
+        <p:cNvPr id="1" name="Shape 60">
+          <a:extLst>
+            <a:ext uri="{FF2B5EF4-FFF2-40B4-BE49-F238E27FC236}">
+              <a16:creationId xmlns:a16="http://schemas.microsoft.com/office/drawing/2014/main" id="{39272C65-B78B-F107-33A6-4E26A92C3F15}"/>
+            </a:ext>
+          </a:extLst>
+        </p:cNvPr>
+        <p:cNvGrpSpPr/>
+        <p:nvPr/>
+      </p:nvGrpSpPr>
+      <p:grpSpPr>
+        <a:xfrm>
+          <a:off x="0" y="0"/>
+          <a:ext cx="0" cy="0"/>
+          <a:chOff x="0" y="0"/>
+          <a:chExt cx="0" cy="0"/>
+        </a:xfrm>
+      </p:grpSpPr>
+      <p:sp>
+        <p:nvSpPr>
+          <p:cNvPr id="2" name="TextBox 1">
+            <a:extLst>
+              <a:ext uri="{FF2B5EF4-FFF2-40B4-BE49-F238E27FC236}">
+                <a16:creationId xmlns:a16="http://schemas.microsoft.com/office/drawing/2014/main" id="{F306D80B-277F-97BE-3CDD-5C9C30EBB77F}"/>
+              </a:ext>
+            </a:extLst>
+          </p:cNvPr>
+          <p:cNvSpPr txBox="1"/>
+          <p:nvPr/>
+        </p:nvSpPr>
+        <p:spPr>
+          <a:xfrm>
+            <a:off x="202071" y="972537"/>
+            <a:ext cx="5904091" cy="400110"/>
+          </a:xfrm>
+          <a:prstGeom prst="rect">
+            <a:avLst/>
+          </a:prstGeom>
+          <a:noFill/>
+        </p:spPr>
+        <p:txBody>
+          <a:bodyPr wrap="square">
+            <a:spAutoFit/>
+          </a:bodyPr>
+          <a:lstStyle/>
+          <a:p>
+            <a:pPr marL="0" marR="0" lvl="0" indent="0" algn="l" defTabSz="914400" rtl="0" eaLnBrk="0" fontAlgn="base" latinLnBrk="0" hangingPunct="0">
+              <a:lnSpc>
+                <a:spcPct val="100000"/>
+              </a:lnSpc>
+              <a:spcBef>
+                <a:spcPct val="0"/>
+              </a:spcBef>
+              <a:spcAft>
+                <a:spcPct val="0"/>
+              </a:spcAft>
+              <a:buClrTx/>
+              <a:buSzTx/>
+              <a:tabLst/>
+            </a:pPr>
+            <a:r>
+              <a:rPr kumimoji="0" lang="en-US" altLang="en-US" sz="2000" b="1" i="0" u="none" strike="noStrike" cap="none" normalizeH="0" baseline="0" dirty="0">
+                <a:ln>
+                  <a:noFill/>
+                </a:ln>
+                <a:solidFill>
+                  <a:schemeClr val="tx1"/>
+                </a:solidFill>
+                <a:effectLst/>
+                <a:latin typeface="Arial" panose="020B0604020202020204" pitchFamily="34" charset="0"/>
+              </a:rPr>
+              <a:t>Model Prediction</a:t>
+            </a:r>
+            <a:endParaRPr lang="en-US" altLang="en-US" sz="2000" dirty="0">
+              <a:solidFill>
+                <a:schemeClr val="tx1"/>
+              </a:solidFill>
+              <a:latin typeface="Arial" panose="020B0604020202020204" pitchFamily="34" charset="0"/>
+            </a:endParaRPr>
+          </a:p>
+        </p:txBody>
+      </p:sp>
+      <p:sp>
+        <p:nvSpPr>
+          <p:cNvPr id="6" name="TextBox 5">
+            <a:extLst>
+              <a:ext uri="{FF2B5EF4-FFF2-40B4-BE49-F238E27FC236}">
+                <a16:creationId xmlns:a16="http://schemas.microsoft.com/office/drawing/2014/main" id="{AA037EB6-1F51-EB08-0AB9-2FA4FD278F0C}"/>
+              </a:ext>
+            </a:extLst>
+          </p:cNvPr>
+          <p:cNvSpPr txBox="1"/>
+          <p:nvPr/>
+        </p:nvSpPr>
+        <p:spPr>
+          <a:xfrm>
+            <a:off x="199809" y="6135329"/>
+            <a:ext cx="795871" cy="276999"/>
+          </a:xfrm>
+          <a:prstGeom prst="rect">
+            <a:avLst/>
+          </a:prstGeom>
+          <a:noFill/>
+        </p:spPr>
+        <p:txBody>
+          <a:bodyPr wrap="square" rtlCol="0">
+            <a:spAutoFit/>
+          </a:bodyPr>
+          <a:lstStyle/>
+          <a:p>
+            <a:pPr>
+              <a:spcAft>
+                <a:spcPts val="800"/>
+              </a:spcAft>
+            </a:pPr>
+            <a:r>
+              <a:rPr lang="en-IN" sz="1200" b="1" dirty="0">
+                <a:latin typeface="+mn-lt"/>
+              </a:rPr>
+              <a:t>Source : </a:t>
+            </a:r>
+          </a:p>
+        </p:txBody>
+      </p:sp>
+      <p:sp>
+        <p:nvSpPr>
+          <p:cNvPr id="7" name="TextBox 6">
+            <a:extLst>
+              <a:ext uri="{FF2B5EF4-FFF2-40B4-BE49-F238E27FC236}">
+                <a16:creationId xmlns:a16="http://schemas.microsoft.com/office/drawing/2014/main" id="{BA64EE7C-35B8-01B2-C5D7-E4BFE9F66F35}"/>
+              </a:ext>
+            </a:extLst>
+          </p:cNvPr>
+          <p:cNvSpPr txBox="1"/>
+          <p:nvPr/>
+        </p:nvSpPr>
+        <p:spPr>
+          <a:xfrm>
+            <a:off x="880529" y="6135329"/>
+            <a:ext cx="1842351" cy="276999"/>
+          </a:xfrm>
+          <a:prstGeom prst="rect">
+            <a:avLst/>
+          </a:prstGeom>
+          <a:noFill/>
+        </p:spPr>
+        <p:txBody>
+          <a:bodyPr wrap="square" rtlCol="0">
+            <a:spAutoFit/>
+          </a:bodyPr>
+          <a:lstStyle/>
+          <a:p>
+            <a:pPr>
+              <a:spcAft>
+                <a:spcPts val="800"/>
+              </a:spcAft>
+            </a:pPr>
+            <a:r>
+              <a:rPr lang="en-IN" sz="1200" dirty="0">
+                <a:solidFill>
+                  <a:srgbClr val="0000FF"/>
+                </a:solidFill>
+                <a:latin typeface="+mn-lt"/>
+                <a:hlinkClick r:id="rId3">
+                  <a:extLst>
+                    <a:ext uri="{A12FA001-AC4F-418D-AE19-62706E023703}">
+                      <ahyp:hlinkClr xmlns:ahyp="http://schemas.microsoft.com/office/drawing/2018/hyperlinkcolor" val="tx"/>
+                    </a:ext>
+                  </a:extLst>
+                </a:hlinkClick>
+              </a:rPr>
+              <a:t>www.freepik.com/</a:t>
+            </a:r>
+            <a:endParaRPr lang="en-IN" sz="1200" dirty="0">
+              <a:solidFill>
+                <a:srgbClr val="0000FF"/>
+              </a:solidFill>
+              <a:latin typeface="+mn-lt"/>
+            </a:endParaRPr>
+          </a:p>
+        </p:txBody>
+      </p:sp>
+      <p:cxnSp>
+        <p:nvCxnSpPr>
+          <p:cNvPr id="12" name="Straight Connector 11">
+            <a:extLst>
+              <a:ext uri="{FF2B5EF4-FFF2-40B4-BE49-F238E27FC236}">
+                <a16:creationId xmlns:a16="http://schemas.microsoft.com/office/drawing/2014/main" id="{BBEC98A1-4C2F-4D8E-5A12-033A3C7472FD}"/>
+              </a:ext>
+            </a:extLst>
+          </p:cNvPr>
+          <p:cNvCxnSpPr/>
+          <p:nvPr/>
+        </p:nvCxnSpPr>
+        <p:spPr>
+          <a:xfrm>
+            <a:off x="0" y="6055360"/>
+            <a:ext cx="12192000" cy="0"/>
+          </a:xfrm>
+          <a:prstGeom prst="line">
+            <a:avLst/>
+          </a:prstGeom>
+          <a:ln w="12700">
+            <a:solidFill>
+              <a:schemeClr val="bg1">
+                <a:lumMod val="85000"/>
+              </a:schemeClr>
+            </a:solidFill>
+          </a:ln>
+        </p:spPr>
+        <p:style>
+          <a:lnRef idx="1">
+            <a:schemeClr val="accent1"/>
+          </a:lnRef>
+          <a:fillRef idx="0">
+            <a:schemeClr val="accent1"/>
+          </a:fillRef>
+          <a:effectRef idx="0">
+            <a:schemeClr val="accent1"/>
+          </a:effectRef>
+          <a:fontRef idx="minor">
+            <a:schemeClr val="tx1"/>
+          </a:fontRef>
+        </p:style>
+      </p:cxnSp>
+      <p:sp>
+        <p:nvSpPr>
+          <p:cNvPr id="10" name="Rectangle 5">
+            <a:extLst>
+              <a:ext uri="{FF2B5EF4-FFF2-40B4-BE49-F238E27FC236}">
+                <a16:creationId xmlns:a16="http://schemas.microsoft.com/office/drawing/2014/main" id="{832BC9F1-8AA7-09E0-B937-5C6E3CA51C61}"/>
+              </a:ext>
+            </a:extLst>
+          </p:cNvPr>
+          <p:cNvSpPr>
+            <a:spLocks noChangeArrowheads="1"/>
+          </p:cNvSpPr>
+          <p:nvPr/>
+        </p:nvSpPr>
+        <p:spPr bwMode="auto">
+          <a:xfrm>
+            <a:off x="139296" y="1452615"/>
+            <a:ext cx="11295505" cy="646331"/>
+          </a:xfrm>
+          <a:prstGeom prst="rect">
+            <a:avLst/>
+          </a:prstGeom>
+          <a:noFill/>
+          <a:ln>
+            <a:noFill/>
+          </a:ln>
+          <a:effectLst/>
+          <a:extLst>
+            <a:ext uri="{909E8E84-426E-40DD-AFC4-6F175D3DCCD1}">
+              <a14:hiddenFill xmlns:a14="http://schemas.microsoft.com/office/drawing/2010/main">
+                <a:solidFill>
+                  <a:schemeClr val="accent1"/>
+                </a:solidFill>
+              </a14:hiddenFill>
+            </a:ext>
+            <a:ext uri="{91240B29-F687-4F45-9708-019B960494DF}">
+              <a14:hiddenLine xmlns:a14="http://schemas.microsoft.com/office/drawing/2010/main" w="9525">
+                <a:solidFill>
+                  <a:schemeClr val="tx1"/>
+                </a:solidFill>
+                <a:miter lim="800000"/>
+                <a:headEnd/>
+                <a:tailEnd/>
+              </a14:hiddenLine>
+            </a:ext>
+            <a:ext uri="{AF507438-7753-43E0-B8FC-AC1667EBCBE1}">
+              <a14:hiddenEffects xmlns:a14="http://schemas.microsoft.com/office/drawing/2010/main">
+                <a:effectLst>
+                  <a:outerShdw dist="35921" dir="2700000" algn="ctr" rotWithShape="0">
+                    <a:schemeClr val="bg2"/>
+                  </a:outerShdw>
+                </a:effectLst>
+              </a14:hiddenEffects>
+            </a:ext>
+          </a:extLst>
+        </p:spPr>
+        <p:txBody>
+          <a:bodyPr vert="horz" wrap="square" lIns="91440" tIns="45720" rIns="91440" bIns="45720" numCol="1" anchor="t" anchorCtr="0" compatLnSpc="1">
+            <a:prstTxWarp prst="textNoShape">
+              <a:avLst/>
+            </a:prstTxWarp>
+            <a:spAutoFit/>
+          </a:bodyPr>
+          <a:lstStyle/>
+          <a:p>
+            <a:pPr marL="0" marR="0" lvl="0" indent="0" algn="l" defTabSz="914400" rtl="0" eaLnBrk="0" fontAlgn="base" latinLnBrk="0" hangingPunct="0">
+              <a:lnSpc>
+                <a:spcPct val="100000"/>
+              </a:lnSpc>
+              <a:spcBef>
+                <a:spcPct val="0"/>
+              </a:spcBef>
+              <a:spcAft>
+                <a:spcPct val="0"/>
+              </a:spcAft>
+              <a:buClrTx/>
+              <a:buSzTx/>
+              <a:tabLst/>
+            </a:pPr>
+            <a:r>
+              <a:rPr lang="en-US" sz="1200" dirty="0"/>
+              <a:t>Using this model, we can predict the energy resource availability percentage for a given year, by providing its area code.</a:t>
+            </a:r>
+          </a:p>
+          <a:p>
+            <a:pPr marL="0" marR="0" lvl="0" indent="0" algn="l" defTabSz="914400" rtl="0" eaLnBrk="0" fontAlgn="base" latinLnBrk="0" hangingPunct="0">
+              <a:lnSpc>
+                <a:spcPct val="100000"/>
+              </a:lnSpc>
+              <a:spcBef>
+                <a:spcPct val="0"/>
+              </a:spcBef>
+              <a:spcAft>
+                <a:spcPct val="0"/>
+              </a:spcAft>
+              <a:buClrTx/>
+              <a:buSzTx/>
+              <a:tabLst/>
+            </a:pPr>
+            <a:endParaRPr lang="en-US" sz="1200" dirty="0"/>
+          </a:p>
+          <a:p>
+            <a:pPr marL="0" marR="0" lvl="0" indent="0" algn="l" defTabSz="914400" rtl="0" eaLnBrk="0" fontAlgn="base" latinLnBrk="0" hangingPunct="0">
+              <a:lnSpc>
+                <a:spcPct val="100000"/>
+              </a:lnSpc>
+              <a:spcBef>
+                <a:spcPct val="0"/>
+              </a:spcBef>
+              <a:spcAft>
+                <a:spcPct val="0"/>
+              </a:spcAft>
+              <a:buClrTx/>
+              <a:buSzTx/>
+              <a:tabLst/>
+            </a:pPr>
+            <a:r>
+              <a:rPr lang="en-US" sz="1200" dirty="0"/>
+              <a:t>The model outputs the number of years after the year 2000 expected for the area to achieve 95%+ electricity availability for the area. </a:t>
+            </a:r>
+            <a:endParaRPr lang="en-IN" sz="1200" dirty="0"/>
+          </a:p>
+        </p:txBody>
+      </p:sp>
+      <p:pic>
+        <p:nvPicPr>
+          <p:cNvPr id="11" name="Picture 10" descr="A screen shot of a computer&#10;&#10;Description automatically generated">
+            <a:extLst>
+              <a:ext uri="{FF2B5EF4-FFF2-40B4-BE49-F238E27FC236}">
+                <a16:creationId xmlns:a16="http://schemas.microsoft.com/office/drawing/2014/main" id="{D7867918-E820-69C3-932E-3E58285242A2}"/>
+              </a:ext>
+            </a:extLst>
+          </p:cNvPr>
+          <p:cNvPicPr>
+            <a:picLocks noChangeAspect="1"/>
+          </p:cNvPicPr>
+          <p:nvPr/>
+        </p:nvPicPr>
+        <p:blipFill>
+          <a:blip r:embed="rId4"/>
+          <a:stretch>
+            <a:fillRect/>
+          </a:stretch>
+        </p:blipFill>
+        <p:spPr>
+          <a:xfrm>
+            <a:off x="1056703" y="2331221"/>
+            <a:ext cx="9460690" cy="2569197"/>
+          </a:xfrm>
+          <a:prstGeom prst="rect">
+            <a:avLst/>
+          </a:prstGeom>
+        </p:spPr>
+      </p:pic>
+    </p:spTree>
+    <p:extLst>
+      <p:ext uri="{BB962C8B-B14F-4D97-AF65-F5344CB8AC3E}">
+        <p14:creationId xmlns:p14="http://schemas.microsoft.com/office/powerpoint/2010/main" val="1176635706"/>
+      </p:ext>
+    </p:extLst>
+  </p:cSld>
+  <p:clrMapOvr>
+    <a:masterClrMapping/>
+  </p:clrMapOvr>
+</p:sld>
+</file>
+
+<file path=ppt/slides/slide12.xml><?xml version="1.0" encoding="utf-8"?>
+<p:sld xmlns:a="http://schemas.openxmlformats.org/drawingml/2006/main" xmlns:r="http://schemas.openxmlformats.org/officeDocument/2006/relationships" xmlns:p="http://schemas.openxmlformats.org/presentationml/2006/main">
+  <p:cSld>
+    <p:spTree>
+      <p:nvGrpSpPr>
+        <p:cNvPr id="1" name="Shape 60"/>
+        <p:cNvGrpSpPr/>
+        <p:nvPr/>
+      </p:nvGrpSpPr>
+      <p:grpSpPr>
+        <a:xfrm>
+          <a:off x="0" y="0"/>
+          <a:ext cx="0" cy="0"/>
+          <a:chOff x="0" y="0"/>
+          <a:chExt cx="0" cy="0"/>
+        </a:xfrm>
+      </p:grpSpPr>
+      <p:sp>
+        <p:nvSpPr>
+          <p:cNvPr id="3" name="TextBox 2">
+            <a:extLst>
+              <a:ext uri="{FF2B5EF4-FFF2-40B4-BE49-F238E27FC236}">
+                <a16:creationId xmlns:a16="http://schemas.microsoft.com/office/drawing/2014/main" id="{02C0F50E-3048-BEA6-6962-A48C023C0388}"/>
+              </a:ext>
+            </a:extLst>
+          </p:cNvPr>
+          <p:cNvSpPr txBox="1"/>
+          <p:nvPr/>
+        </p:nvSpPr>
+        <p:spPr>
+          <a:xfrm>
+            <a:off x="212231" y="962377"/>
+            <a:ext cx="5904091" cy="400110"/>
+          </a:xfrm>
+          <a:prstGeom prst="rect">
+            <a:avLst/>
+          </a:prstGeom>
+          <a:noFill/>
+        </p:spPr>
+        <p:txBody>
+          <a:bodyPr wrap="square">
+            <a:spAutoFit/>
+          </a:bodyPr>
+          <a:lstStyle/>
+          <a:p>
+            <a:r>
+              <a:rPr lang="en-IN" sz="2000" b="1" dirty="0">
+                <a:solidFill>
+                  <a:srgbClr val="213163"/>
+                </a:solidFill>
+              </a:rPr>
+              <a:t>Conclusion</a:t>
+            </a:r>
+            <a:endParaRPr lang="en-IN" sz="2000" dirty="0">
+              <a:solidFill>
+                <a:srgbClr val="213163"/>
+              </a:solidFill>
+            </a:endParaRPr>
+          </a:p>
+        </p:txBody>
+      </p:sp>
+      <p:sp>
+        <p:nvSpPr>
+          <p:cNvPr id="4" name="TextBox 3">
+            <a:extLst>
+              <a:ext uri="{FF2B5EF4-FFF2-40B4-BE49-F238E27FC236}">
+                <a16:creationId xmlns:a16="http://schemas.microsoft.com/office/drawing/2014/main" id="{EC8B546F-F91E-160B-DC7F-688AFB5A50EA}"/>
+              </a:ext>
+            </a:extLst>
+          </p:cNvPr>
+          <p:cNvSpPr txBox="1"/>
+          <p:nvPr/>
+        </p:nvSpPr>
+        <p:spPr>
+          <a:xfrm>
+            <a:off x="212231" y="1693532"/>
+            <a:ext cx="5926671" cy="3867725"/>
+          </a:xfrm>
+          <a:prstGeom prst="rect">
+            <a:avLst/>
+          </a:prstGeom>
+          <a:noFill/>
+        </p:spPr>
+        <p:txBody>
+          <a:bodyPr wrap="square" rtlCol="0">
+            <a:spAutoFit/>
+          </a:bodyPr>
+          <a:lstStyle/>
+          <a:p>
+            <a:pPr marL="228600" indent="-228600">
+              <a:spcAft>
+                <a:spcPts val="800"/>
+              </a:spcAft>
+              <a:buFont typeface="Arial" panose="020B0604020202020204" pitchFamily="34" charset="0"/>
+              <a:buChar char="•"/>
+            </a:pPr>
+            <a:r>
+              <a:rPr lang="en-US" sz="1800" dirty="0">
+                <a:latin typeface="+mn-lt"/>
+              </a:rPr>
+              <a:t>Summary:</a:t>
+            </a:r>
+          </a:p>
+          <a:p>
+            <a:pPr marL="285750" indent="-285750">
+              <a:buFont typeface="Arial" panose="020B0604020202020204" pitchFamily="34" charset="0"/>
+              <a:buChar char="•"/>
+            </a:pPr>
+            <a:r>
+              <a:rPr lang="en-US" sz="1600" dirty="0"/>
+              <a:t>The ML model successfully analyzes historical electricity access data to predict future trends and identify high-priority areas for intervention. This model serves as a tool for policymakers and organizations working toward SDG 7.</a:t>
+            </a:r>
+          </a:p>
+          <a:p>
+            <a:pPr>
+              <a:spcAft>
+                <a:spcPts val="800"/>
+              </a:spcAft>
+            </a:pPr>
+            <a:endParaRPr lang="en-US" sz="1800" dirty="0">
+              <a:latin typeface="+mn-lt"/>
+            </a:endParaRPr>
+          </a:p>
+          <a:p>
+            <a:pPr marL="285750" indent="-285750">
+              <a:buFont typeface="Arial" panose="020B0604020202020204" pitchFamily="34" charset="0"/>
+              <a:buChar char="•"/>
+            </a:pPr>
+            <a:r>
+              <a:rPr lang="en-US" sz="1800" dirty="0">
+                <a:latin typeface="+mn-lt"/>
+              </a:rPr>
+              <a:t>Future Work:</a:t>
+            </a:r>
+          </a:p>
+          <a:p>
+            <a:pPr marL="285750" indent="-285750">
+              <a:buFont typeface="Arial" panose="020B0604020202020204" pitchFamily="34" charset="0"/>
+              <a:buChar char="•"/>
+            </a:pPr>
+            <a:r>
+              <a:rPr lang="en-US" sz="1600" dirty="0"/>
+              <a:t>Incorporate additional datasets, such as socio-economic indicators, to improve model accuracy.</a:t>
+            </a:r>
+          </a:p>
+          <a:p>
+            <a:pPr marL="285750" indent="-285750">
+              <a:buFont typeface="Arial" panose="020B0604020202020204" pitchFamily="34" charset="0"/>
+              <a:buChar char="•"/>
+            </a:pPr>
+            <a:r>
+              <a:rPr lang="en-US" sz="1600" dirty="0"/>
+              <a:t>Develop region-specific models for more granular predictions.</a:t>
+            </a:r>
+          </a:p>
+          <a:p>
+            <a:pPr marL="285750" indent="-285750">
+              <a:buFont typeface="Arial" panose="020B0604020202020204" pitchFamily="34" charset="0"/>
+              <a:buChar char="•"/>
+            </a:pPr>
+            <a:r>
+              <a:rPr lang="en-US" sz="1600" dirty="0"/>
+              <a:t>Explore deep learning approaches for time-series predictions.</a:t>
+            </a:r>
+          </a:p>
+          <a:p>
+            <a:pPr marL="228600" indent="-228600">
+              <a:spcAft>
+                <a:spcPts val="800"/>
+              </a:spcAft>
+              <a:buFont typeface="Arial" panose="020B0604020202020204" pitchFamily="34" charset="0"/>
+              <a:buChar char="•"/>
+            </a:pPr>
+            <a:endParaRPr lang="en-US" sz="1800" dirty="0">
+              <a:latin typeface="+mn-lt"/>
+            </a:endParaRPr>
+          </a:p>
+        </p:txBody>
+      </p:sp>
+      <p:sp>
+        <p:nvSpPr>
+          <p:cNvPr id="8" name="TextBox 7">
+            <a:extLst>
+              <a:ext uri="{FF2B5EF4-FFF2-40B4-BE49-F238E27FC236}">
+                <a16:creationId xmlns:a16="http://schemas.microsoft.com/office/drawing/2014/main" id="{FF6EE1DD-6A31-2A28-F8BE-6E59037422CF}"/>
+              </a:ext>
+            </a:extLst>
+          </p:cNvPr>
+          <p:cNvSpPr txBox="1"/>
+          <p:nvPr/>
+        </p:nvSpPr>
+        <p:spPr>
+          <a:xfrm>
+            <a:off x="199809" y="6135329"/>
+            <a:ext cx="795871" cy="276999"/>
+          </a:xfrm>
+          <a:prstGeom prst="rect">
+            <a:avLst/>
+          </a:prstGeom>
+          <a:noFill/>
+        </p:spPr>
+        <p:txBody>
+          <a:bodyPr wrap="square" rtlCol="0">
+            <a:spAutoFit/>
+          </a:bodyPr>
+          <a:lstStyle/>
+          <a:p>
+            <a:pPr>
+              <a:spcAft>
+                <a:spcPts val="800"/>
+              </a:spcAft>
+            </a:pPr>
+            <a:r>
+              <a:rPr lang="en-IN" sz="1200" b="1" dirty="0">
+                <a:latin typeface="+mn-lt"/>
+              </a:rPr>
+              <a:t>Source : </a:t>
+            </a:r>
+          </a:p>
+        </p:txBody>
+      </p:sp>
+      <p:sp>
+        <p:nvSpPr>
+          <p:cNvPr id="9" name="TextBox 8">
+            <a:extLst>
+              <a:ext uri="{FF2B5EF4-FFF2-40B4-BE49-F238E27FC236}">
+                <a16:creationId xmlns:a16="http://schemas.microsoft.com/office/drawing/2014/main" id="{18F06934-F528-B704-BB31-70471CEEB0BF}"/>
+              </a:ext>
+            </a:extLst>
+          </p:cNvPr>
+          <p:cNvSpPr txBox="1"/>
+          <p:nvPr/>
+        </p:nvSpPr>
+        <p:spPr>
+          <a:xfrm>
+            <a:off x="880529" y="6135329"/>
+            <a:ext cx="1842351" cy="276999"/>
+          </a:xfrm>
+          <a:prstGeom prst="rect">
+            <a:avLst/>
+          </a:prstGeom>
+          <a:noFill/>
+        </p:spPr>
+        <p:txBody>
+          <a:bodyPr wrap="square" rtlCol="0">
+            <a:spAutoFit/>
+          </a:bodyPr>
+          <a:lstStyle/>
+          <a:p>
+            <a:pPr>
+              <a:spcAft>
+                <a:spcPts val="800"/>
+              </a:spcAft>
+            </a:pPr>
+            <a:r>
+              <a:rPr lang="en-IN" sz="1200" dirty="0">
+                <a:solidFill>
+                  <a:srgbClr val="0000FF"/>
+                </a:solidFill>
+                <a:latin typeface="+mn-lt"/>
+                <a:hlinkClick r:id="rId3">
+                  <a:extLst>
+                    <a:ext uri="{A12FA001-AC4F-418D-AE19-62706E023703}">
+                      <ahyp:hlinkClr xmlns:ahyp="http://schemas.microsoft.com/office/drawing/2018/hyperlinkcolor" val="tx"/>
+                    </a:ext>
+                  </a:extLst>
+                </a:hlinkClick>
+              </a:rPr>
+              <a:t>www.freepik.com/</a:t>
+            </a:r>
+            <a:endParaRPr lang="en-IN" sz="1200" dirty="0">
+              <a:solidFill>
+                <a:srgbClr val="0000FF"/>
+              </a:solidFill>
+              <a:latin typeface="+mn-lt"/>
+            </a:endParaRPr>
+          </a:p>
+        </p:txBody>
+      </p:sp>
+      <p:cxnSp>
+        <p:nvCxnSpPr>
+          <p:cNvPr id="10" name="Straight Connector 9">
+            <a:extLst>
+              <a:ext uri="{FF2B5EF4-FFF2-40B4-BE49-F238E27FC236}">
+                <a16:creationId xmlns:a16="http://schemas.microsoft.com/office/drawing/2014/main" id="{6247989A-A2B1-6748-7E8A-F0362FB212B6}"/>
+              </a:ext>
+            </a:extLst>
+          </p:cNvPr>
+          <p:cNvCxnSpPr/>
+          <p:nvPr/>
+        </p:nvCxnSpPr>
+        <p:spPr>
+          <a:xfrm>
+            <a:off x="0" y="6055360"/>
+            <a:ext cx="12192000" cy="0"/>
+          </a:xfrm>
+          <a:prstGeom prst="line">
+            <a:avLst/>
+          </a:prstGeom>
+          <a:ln w="12700">
+            <a:solidFill>
+              <a:schemeClr val="bg1">
+                <a:lumMod val="85000"/>
+              </a:schemeClr>
+            </a:solidFill>
+          </a:ln>
+        </p:spPr>
+        <p:style>
+          <a:lnRef idx="1">
+            <a:schemeClr val="accent1"/>
+          </a:lnRef>
+          <a:fillRef idx="0">
+            <a:schemeClr val="accent1"/>
+          </a:fillRef>
+          <a:effectRef idx="0">
+            <a:schemeClr val="accent1"/>
+          </a:effectRef>
+          <a:fontRef idx="minor">
+            <a:schemeClr val="tx1"/>
+          </a:fontRef>
+        </p:style>
+      </p:cxnSp>
+      <p:pic>
+        <p:nvPicPr>
+          <p:cNvPr id="2" name="Picture 1" descr="A light bulb with a black background&#10;&#10;Description automatically generated">
+            <a:extLst>
+              <a:ext uri="{FF2B5EF4-FFF2-40B4-BE49-F238E27FC236}">
+                <a16:creationId xmlns:a16="http://schemas.microsoft.com/office/drawing/2014/main" id="{75F7452F-58BC-17CE-3016-C04F4A0BB586}"/>
+              </a:ext>
+            </a:extLst>
+          </p:cNvPr>
+          <p:cNvPicPr>
+            <a:picLocks noChangeAspect="1"/>
+          </p:cNvPicPr>
+          <p:nvPr/>
+        </p:nvPicPr>
+        <p:blipFill rotWithShape="1">
+          <a:blip r:embed="rId4"/>
+          <a:srcRect l="7117" t="5427" r="7295" b="7474"/>
+          <a:stretch/>
+        </p:blipFill>
+        <p:spPr>
+          <a:xfrm>
+            <a:off x="7112000" y="1092200"/>
+            <a:ext cx="4551680" cy="4632115"/>
+          </a:xfrm>
+          <a:prstGeom prst="rect">
+            <a:avLst/>
+          </a:prstGeom>
+        </p:spPr>
+      </p:pic>
+    </p:spTree>
+    <p:extLst>
+      <p:ext uri="{BB962C8B-B14F-4D97-AF65-F5344CB8AC3E}">
+        <p14:creationId xmlns:p14="http://schemas.microsoft.com/office/powerpoint/2010/main" val="2046321281"/>
+      </p:ext>
+    </p:extLst>
+  </p:cSld>
+  <p:clrMapOvr>
+    <a:masterClrMapping/>
+  </p:clrMapOvr>
+</p:sld>
+</file>
+
+<file path=ppt/slides/slide13.xml><?xml version="1.0" encoding="utf-8"?>
+<p:sld xmlns:a="http://schemas.openxmlformats.org/drawingml/2006/main" xmlns:r="http://schemas.openxmlformats.org/officeDocument/2006/relationships" xmlns:p="http://schemas.openxmlformats.org/presentationml/2006/main">
+  <p:cSld>
+    <p:spTree>
+      <p:nvGrpSpPr>
+        <p:cNvPr id="1" name="Shape 60"/>
+        <p:cNvGrpSpPr/>
+        <p:nvPr/>
+      </p:nvGrpSpPr>
+      <p:grpSpPr>
+        <a:xfrm>
+          <a:off x="0" y="0"/>
+          <a:ext cx="0" cy="0"/>
+          <a:chOff x="0" y="0"/>
+          <a:chExt cx="0" cy="0"/>
+        </a:xfrm>
+      </p:grpSpPr>
+      <p:sp>
+        <p:nvSpPr>
+          <p:cNvPr id="3" name="TextBox 2">
+            <a:extLst>
+              <a:ext uri="{FF2B5EF4-FFF2-40B4-BE49-F238E27FC236}">
+                <a16:creationId xmlns:a16="http://schemas.microsoft.com/office/drawing/2014/main" id="{02C0F50E-3048-BEA6-6962-A48C023C0388}"/>
+              </a:ext>
+            </a:extLst>
+          </p:cNvPr>
+          <p:cNvSpPr txBox="1"/>
+          <p:nvPr/>
+        </p:nvSpPr>
+        <p:spPr>
+          <a:xfrm>
+            <a:off x="212231" y="962377"/>
+            <a:ext cx="5904091" cy="400110"/>
+          </a:xfrm>
+          <a:prstGeom prst="rect">
+            <a:avLst/>
+          </a:prstGeom>
+          <a:noFill/>
+        </p:spPr>
+        <p:txBody>
+          <a:bodyPr wrap="square">
+            <a:spAutoFit/>
+          </a:bodyPr>
+          <a:lstStyle/>
+          <a:p>
+            <a:r>
+              <a:rPr lang="en-IN" sz="2000" b="1" dirty="0">
+                <a:solidFill>
+                  <a:srgbClr val="213163"/>
+                </a:solidFill>
+              </a:rPr>
+              <a:t>References</a:t>
+            </a:r>
+            <a:endParaRPr lang="en-IN" sz="2000" dirty="0">
+              <a:solidFill>
+                <a:srgbClr val="213163"/>
+              </a:solidFill>
+            </a:endParaRPr>
+          </a:p>
+        </p:txBody>
+      </p:sp>
+      <p:sp>
+        <p:nvSpPr>
+          <p:cNvPr id="4" name="TextBox 3">
+            <a:extLst>
+              <a:ext uri="{FF2B5EF4-FFF2-40B4-BE49-F238E27FC236}">
+                <a16:creationId xmlns:a16="http://schemas.microsoft.com/office/drawing/2014/main" id="{EC8B546F-F91E-160B-DC7F-688AFB5A50EA}"/>
+              </a:ext>
+            </a:extLst>
+          </p:cNvPr>
+          <p:cNvSpPr txBox="1"/>
+          <p:nvPr/>
+        </p:nvSpPr>
+        <p:spPr>
+          <a:xfrm>
+            <a:off x="210314" y="1461898"/>
+            <a:ext cx="9868183" cy="2267287"/>
+          </a:xfrm>
+          <a:prstGeom prst="rect">
+            <a:avLst/>
+          </a:prstGeom>
+          <a:noFill/>
+        </p:spPr>
+        <p:txBody>
+          <a:bodyPr wrap="square" rtlCol="0">
+            <a:spAutoFit/>
+          </a:bodyPr>
+          <a:lstStyle/>
+          <a:p>
+            <a:pPr>
+              <a:spcAft>
+                <a:spcPts val="800"/>
+              </a:spcAft>
+            </a:pPr>
+            <a:endParaRPr lang="en-US" sz="1800" dirty="0">
+              <a:latin typeface="+mn-lt"/>
+            </a:endParaRPr>
+          </a:p>
+          <a:p>
+            <a:pPr marL="228600" indent="-228600">
+              <a:spcAft>
+                <a:spcPts val="800"/>
+              </a:spcAft>
+              <a:buFont typeface="Arial" panose="020B0604020202020204" pitchFamily="34" charset="0"/>
+              <a:buChar char="•"/>
+            </a:pPr>
+            <a:r>
+              <a:rPr lang="sv-SE" sz="1800" dirty="0">
+                <a:latin typeface="+mn-lt"/>
+                <a:hlinkClick r:id="rId3"/>
+              </a:rPr>
+              <a:t>SDG 7 Dataset</a:t>
+            </a:r>
+            <a:r>
+              <a:rPr lang="sv-SE" sz="1800" dirty="0">
+                <a:latin typeface="+mn-lt"/>
+              </a:rPr>
+              <a:t>: </a:t>
+            </a:r>
+            <a:r>
+              <a:rPr lang="sv-SE" sz="1800" dirty="0">
+                <a:latin typeface="+mn-lt"/>
+                <a:hlinkClick r:id="rId3"/>
+              </a:rPr>
+              <a:t>https://trackingsdg7.esmap.org/downloads</a:t>
+            </a:r>
+            <a:endParaRPr lang="sv-SE" sz="1800" dirty="0">
+              <a:latin typeface="+mn-lt"/>
+            </a:endParaRPr>
+          </a:p>
+          <a:p>
+            <a:pPr marL="228600" indent="-228600">
+              <a:spcAft>
+                <a:spcPts val="800"/>
+              </a:spcAft>
+              <a:buFont typeface="Arial" panose="020B0604020202020204" pitchFamily="34" charset="0"/>
+              <a:buChar char="•"/>
+            </a:pPr>
+            <a:r>
+              <a:rPr lang="en-US" sz="1800" dirty="0">
+                <a:latin typeface="+mn-lt"/>
+                <a:hlinkClick r:id="rId4"/>
+              </a:rPr>
+              <a:t>SDG 7</a:t>
+            </a:r>
+            <a:r>
+              <a:rPr lang="en-US" sz="1800" dirty="0">
+                <a:latin typeface="+mn-lt"/>
+              </a:rPr>
+              <a:t>: </a:t>
+            </a:r>
+            <a:r>
+              <a:rPr lang="en-US" sz="1800" dirty="0">
+                <a:latin typeface="+mn-lt"/>
+                <a:hlinkClick r:id="rId5"/>
+              </a:rPr>
+              <a:t>https://www.iges.or.jp/en/sdgs</a:t>
+            </a:r>
+            <a:endParaRPr lang="en-US" sz="1800" dirty="0">
+              <a:latin typeface="+mn-lt"/>
+            </a:endParaRPr>
+          </a:p>
+          <a:p>
+            <a:pPr marL="228600" indent="-228600">
+              <a:spcAft>
+                <a:spcPts val="800"/>
+              </a:spcAft>
+              <a:buFont typeface="Arial" panose="020B0604020202020204" pitchFamily="34" charset="0"/>
+              <a:buChar char="•"/>
+            </a:pPr>
+            <a:r>
+              <a:rPr lang="en-US" sz="1800" dirty="0">
+                <a:latin typeface="+mn-lt"/>
+                <a:hlinkClick r:id="rId6"/>
+              </a:rPr>
+              <a:t>Project GitHub Link </a:t>
+            </a:r>
+            <a:r>
+              <a:rPr lang="en-US" sz="1800" dirty="0">
+                <a:latin typeface="+mn-lt"/>
+              </a:rPr>
+              <a:t>: </a:t>
+            </a:r>
+            <a:r>
+              <a:rPr lang="en-US" sz="1800" dirty="0">
+                <a:latin typeface="+mn-lt"/>
+                <a:hlinkClick r:id="rId6"/>
+              </a:rPr>
+              <a:t>https://github.com/omicron9009/SDG-7.1.1-Trend-Analysis</a:t>
+            </a:r>
+            <a:endParaRPr lang="en-US" sz="1800" dirty="0">
+              <a:latin typeface="+mn-lt"/>
+            </a:endParaRPr>
+          </a:p>
+          <a:p>
+            <a:pPr marL="228600" indent="-228600">
+              <a:spcAft>
+                <a:spcPts val="800"/>
+              </a:spcAft>
+              <a:buFont typeface="Arial" panose="020B0604020202020204" pitchFamily="34" charset="0"/>
+              <a:buChar char="•"/>
+            </a:pPr>
+            <a:endParaRPr lang="en-US" sz="1800" dirty="0">
+              <a:latin typeface="+mn-lt"/>
+            </a:endParaRPr>
+          </a:p>
+          <a:p>
+            <a:pPr marL="228600" indent="-228600">
+              <a:spcAft>
+                <a:spcPts val="800"/>
+              </a:spcAft>
+              <a:buFont typeface="Arial" panose="020B0604020202020204" pitchFamily="34" charset="0"/>
+              <a:buChar char="•"/>
+            </a:pPr>
+            <a:endParaRPr lang="en-US" sz="1800" dirty="0">
+              <a:latin typeface="+mn-lt"/>
+            </a:endParaRPr>
+          </a:p>
+        </p:txBody>
+      </p:sp>
+    </p:spTree>
+    <p:extLst>
+      <p:ext uri="{BB962C8B-B14F-4D97-AF65-F5344CB8AC3E}">
+        <p14:creationId xmlns:p14="http://schemas.microsoft.com/office/powerpoint/2010/main" val="1307925877"/>
+      </p:ext>
+    </p:extLst>
+  </p:cSld>
+  <p:clrMapOvr>
+    <a:masterClrMapping/>
+  </p:clrMapOvr>
+</p:sld>
+</file>
+
+<file path=ppt/slides/slide14.xml><?xml version="1.0" encoding="utf-8"?>
+<p:sld xmlns:a="http://schemas.openxmlformats.org/drawingml/2006/main" xmlns:r="http://schemas.openxmlformats.org/officeDocument/2006/relationships" xmlns:p="http://schemas.openxmlformats.org/presentationml/2006/main">
+  <p:cSld>
+    <p:spTree>
+      <p:nvGrpSpPr>
+        <p:cNvPr id="1" name=""/>
+        <p:cNvGrpSpPr/>
+        <p:nvPr/>
+      </p:nvGrpSpPr>
+      <p:grpSpPr>
+        <a:xfrm>
+          <a:off x="0" y="0"/>
+          <a:ext cx="0" cy="0"/>
+          <a:chOff x="0" y="0"/>
+          <a:chExt cx="0" cy="0"/>
+        </a:xfrm>
+      </p:grpSpPr>
+      <p:sp>
+        <p:nvSpPr>
+          <p:cNvPr id="3" name="Google Shape;61;g5fab984687_2_0">
+            <a:extLst>
+              <a:ext uri="{FF2B5EF4-FFF2-40B4-BE49-F238E27FC236}">
+                <a16:creationId xmlns:a16="http://schemas.microsoft.com/office/drawing/2014/main" id="{0C30A77F-BE9B-73CB-CC7F-A1F8B5B87AB9}"/>
+              </a:ext>
+            </a:extLst>
+          </p:cNvPr>
+          <p:cNvSpPr txBox="1">
+            <a:spLocks/>
+          </p:cNvSpPr>
+          <p:nvPr/>
+        </p:nvSpPr>
+        <p:spPr>
+          <a:xfrm>
+            <a:off x="4315206" y="3214562"/>
+            <a:ext cx="3561588" cy="987048"/>
+          </a:xfrm>
+          <a:prstGeom prst="rect">
+            <a:avLst/>
+          </a:prstGeom>
+          <a:noFill/>
+          <a:ln>
+            <a:noFill/>
+          </a:ln>
+        </p:spPr>
+        <p:txBody>
+          <a:bodyPr spcFirstLastPara="1" wrap="square" lIns="91425" tIns="91425" rIns="91425" bIns="91425" anchor="t" anchorCtr="0">
+            <a:noAutofit/>
+          </a:bodyPr>
+          <a:lstStyle>
+            <a:defPPr marR="0" lvl="0" algn="l" rtl="0">
+              <a:lnSpc>
+                <a:spcPct val="100000"/>
+              </a:lnSpc>
+              <a:spcBef>
+                <a:spcPts val="0"/>
+              </a:spcBef>
+              <a:spcAft>
+                <a:spcPts val="0"/>
+              </a:spcAft>
+            </a:defPPr>
+            <a:lvl1pPr marR="0" lvl="0" algn="l" rtl="0">
+              <a:lnSpc>
+                <a:spcPct val="100000"/>
+              </a:lnSpc>
+              <a:spcBef>
+                <a:spcPts val="0"/>
+              </a:spcBef>
+              <a:spcAft>
+                <a:spcPts val="0"/>
+              </a:spcAft>
+              <a:buClr>
+                <a:srgbClr val="000000"/>
+              </a:buClr>
+              <a:buFont typeface="Arial"/>
+              <a:defRPr sz="1400" b="0" i="0" u="none" strike="noStrike" cap="none">
+                <a:solidFill>
+                  <a:srgbClr val="000000"/>
+                </a:solidFill>
+                <a:latin typeface="Arial"/>
+                <a:ea typeface="Arial"/>
+                <a:cs typeface="Arial"/>
+                <a:sym typeface="Arial"/>
+              </a:defRPr>
+            </a:lvl1pPr>
+            <a:lvl2pPr marR="0" lvl="1" algn="l" rtl="0">
+              <a:lnSpc>
+                <a:spcPct val="100000"/>
+              </a:lnSpc>
+              <a:spcBef>
+                <a:spcPts val="0"/>
+              </a:spcBef>
+              <a:spcAft>
+                <a:spcPts val="0"/>
+              </a:spcAft>
+              <a:buClr>
+                <a:srgbClr val="000000"/>
+              </a:buClr>
+              <a:buFont typeface="Arial"/>
+              <a:defRPr sz="1400" b="0" i="0" u="none" strike="noStrike" cap="none">
+                <a:solidFill>
+                  <a:srgbClr val="000000"/>
+                </a:solidFill>
+                <a:latin typeface="Arial"/>
+                <a:ea typeface="Arial"/>
+                <a:cs typeface="Arial"/>
+                <a:sym typeface="Arial"/>
+              </a:defRPr>
+            </a:lvl2pPr>
+            <a:lvl3pPr marR="0" lvl="2" algn="l" rtl="0">
+              <a:lnSpc>
+                <a:spcPct val="100000"/>
+              </a:lnSpc>
+              <a:spcBef>
+                <a:spcPts val="0"/>
+              </a:spcBef>
+              <a:spcAft>
+                <a:spcPts val="0"/>
+              </a:spcAft>
+              <a:buClr>
+                <a:srgbClr val="000000"/>
+              </a:buClr>
+              <a:buFont typeface="Arial"/>
+              <a:defRPr sz="1400" b="0" i="0" u="none" strike="noStrike" cap="none">
+                <a:solidFill>
+                  <a:srgbClr val="000000"/>
+                </a:solidFill>
+                <a:latin typeface="Arial"/>
+                <a:ea typeface="Arial"/>
+                <a:cs typeface="Arial"/>
+                <a:sym typeface="Arial"/>
+              </a:defRPr>
+            </a:lvl3pPr>
+            <a:lvl4pPr marR="0" lvl="3" algn="l" rtl="0">
+              <a:lnSpc>
+                <a:spcPct val="100000"/>
+              </a:lnSpc>
+              <a:spcBef>
+                <a:spcPts val="0"/>
+              </a:spcBef>
+              <a:spcAft>
+                <a:spcPts val="0"/>
+              </a:spcAft>
+              <a:buClr>
+                <a:srgbClr val="000000"/>
+              </a:buClr>
+              <a:buFont typeface="Arial"/>
+              <a:defRPr sz="1400" b="0" i="0" u="none" strike="noStrike" cap="none">
+                <a:solidFill>
+                  <a:srgbClr val="000000"/>
+                </a:solidFill>
+                <a:latin typeface="Arial"/>
+                <a:ea typeface="Arial"/>
+                <a:cs typeface="Arial"/>
+                <a:sym typeface="Arial"/>
+              </a:defRPr>
+            </a:lvl4pPr>
+            <a:lvl5pPr marR="0" lvl="4" algn="l" rtl="0">
+              <a:lnSpc>
+                <a:spcPct val="100000"/>
+              </a:lnSpc>
+              <a:spcBef>
+                <a:spcPts val="0"/>
+              </a:spcBef>
+              <a:spcAft>
+                <a:spcPts val="0"/>
+              </a:spcAft>
+              <a:buClr>
+                <a:srgbClr val="000000"/>
+              </a:buClr>
+              <a:buFont typeface="Arial"/>
+              <a:defRPr sz="1400" b="0" i="0" u="none" strike="noStrike" cap="none">
+                <a:solidFill>
+                  <a:srgbClr val="000000"/>
+                </a:solidFill>
+                <a:latin typeface="Arial"/>
+                <a:ea typeface="Arial"/>
+                <a:cs typeface="Arial"/>
+                <a:sym typeface="Arial"/>
+              </a:defRPr>
+            </a:lvl5pPr>
+            <a:lvl6pPr marR="0" lvl="5" algn="l" rtl="0">
+              <a:lnSpc>
+                <a:spcPct val="100000"/>
+              </a:lnSpc>
+              <a:spcBef>
+                <a:spcPts val="0"/>
+              </a:spcBef>
+              <a:spcAft>
+                <a:spcPts val="0"/>
+              </a:spcAft>
+              <a:buClr>
+                <a:srgbClr val="000000"/>
+              </a:buClr>
+              <a:buFont typeface="Arial"/>
+              <a:defRPr sz="1400" b="0" i="0" u="none" strike="noStrike" cap="none">
+                <a:solidFill>
+                  <a:srgbClr val="000000"/>
+                </a:solidFill>
+                <a:latin typeface="Arial"/>
+                <a:ea typeface="Arial"/>
+                <a:cs typeface="Arial"/>
+                <a:sym typeface="Arial"/>
+              </a:defRPr>
+            </a:lvl6pPr>
+            <a:lvl7pPr marR="0" lvl="6" algn="l" rtl="0">
+              <a:lnSpc>
+                <a:spcPct val="100000"/>
+              </a:lnSpc>
+              <a:spcBef>
+                <a:spcPts val="0"/>
+              </a:spcBef>
+              <a:spcAft>
+                <a:spcPts val="0"/>
+              </a:spcAft>
+              <a:buClr>
+                <a:srgbClr val="000000"/>
+              </a:buClr>
+              <a:buFont typeface="Arial"/>
+              <a:defRPr sz="1400" b="0" i="0" u="none" strike="noStrike" cap="none">
+                <a:solidFill>
+                  <a:srgbClr val="000000"/>
+                </a:solidFill>
+                <a:latin typeface="Arial"/>
+                <a:ea typeface="Arial"/>
+                <a:cs typeface="Arial"/>
+                <a:sym typeface="Arial"/>
+              </a:defRPr>
+            </a:lvl7pPr>
+            <a:lvl8pPr marR="0" lvl="7" algn="l" rtl="0">
+              <a:lnSpc>
+                <a:spcPct val="100000"/>
+              </a:lnSpc>
+              <a:spcBef>
+                <a:spcPts val="0"/>
+              </a:spcBef>
+              <a:spcAft>
+                <a:spcPts val="0"/>
+              </a:spcAft>
+              <a:buClr>
+                <a:srgbClr val="000000"/>
+              </a:buClr>
+              <a:buFont typeface="Arial"/>
+              <a:defRPr sz="1400" b="0" i="0" u="none" strike="noStrike" cap="none">
+                <a:solidFill>
+                  <a:srgbClr val="000000"/>
+                </a:solidFill>
+                <a:latin typeface="Arial"/>
+                <a:ea typeface="Arial"/>
+                <a:cs typeface="Arial"/>
+                <a:sym typeface="Arial"/>
+              </a:defRPr>
+            </a:lvl8pPr>
+            <a:lvl9pPr marR="0" lvl="8" algn="l" rtl="0">
+              <a:lnSpc>
+                <a:spcPct val="100000"/>
+              </a:lnSpc>
+              <a:spcBef>
+                <a:spcPts val="0"/>
+              </a:spcBef>
+              <a:spcAft>
+                <a:spcPts val="0"/>
+              </a:spcAft>
+              <a:buClr>
+                <a:srgbClr val="000000"/>
+              </a:buClr>
+              <a:buFont typeface="Arial"/>
+              <a:defRPr sz="1400" b="0" i="0" u="none" strike="noStrike" cap="none">
+                <a:solidFill>
+                  <a:srgbClr val="000000"/>
+                </a:solidFill>
+                <a:latin typeface="Arial"/>
+                <a:ea typeface="Arial"/>
+                <a:cs typeface="Arial"/>
+                <a:sym typeface="Arial"/>
+              </a:defRPr>
+            </a:lvl9pPr>
+          </a:lstStyle>
+          <a:p>
+            <a:pPr>
+              <a:buSzPts val="2800"/>
+            </a:pPr>
+            <a:r>
+              <a:rPr lang="en-US" sz="5000" b="1" dirty="0">
+                <a:solidFill>
+                  <a:srgbClr val="213163"/>
+                </a:solidFill>
+              </a:rPr>
+              <a:t>Thank You</a:t>
+            </a:r>
+            <a:endParaRPr lang="en-US" sz="5000" dirty="0"/>
+          </a:p>
+        </p:txBody>
+      </p:sp>
+    </p:spTree>
+    <p:extLst>
+      <p:ext uri="{BB962C8B-B14F-4D97-AF65-F5344CB8AC3E}">
+        <p14:creationId xmlns:p14="http://schemas.microsoft.com/office/powerpoint/2010/main" val="3544365122"/>
       </p:ext>
     </p:extLst>
   </p:cSld>
@@ -4635,7 +7383,7 @@
                 <a:effectLst/>
                 <a:latin typeface="Arial" panose="020B0604020202020204" pitchFamily="34" charset="0"/>
               </a:rPr>
-              <a:t>Algorithms to be used: Linear Regression, Random Forest, Gradient Boosting (e.g., </a:t>
+              <a:t>Algorithms to be used: Random Forest Regressor, </a:t>
             </a:r>
             <a:r>
               <a:rPr kumimoji="0" lang="en-US" altLang="en-US" sz="1200" b="0" i="0" u="none" strike="noStrike" cap="none" normalizeH="0" baseline="0" dirty="0" err="1">
@@ -4648,7 +7396,7 @@
                 <a:effectLst/>
                 <a:latin typeface="Arial" panose="020B0604020202020204" pitchFamily="34" charset="0"/>
               </a:rPr>
-              <a:t>XGBoost</a:t>
+              <a:t>Kmeans</a:t>
             </a:r>
             <a:r>
               <a:rPr kumimoji="0" lang="en-US" altLang="en-US" sz="1200" b="0" i="0" u="none" strike="noStrike" cap="none" normalizeH="0" baseline="0" dirty="0">
@@ -4661,7 +7409,7 @@
                 <a:effectLst/>
                 <a:latin typeface="Arial" panose="020B0604020202020204" pitchFamily="34" charset="0"/>
               </a:rPr>
-              <a:t>).</a:t>
+              <a:t>.</a:t>
             </a:r>
           </a:p>
           <a:p>
@@ -4714,7 +7462,7 @@
                 <a:effectLst/>
                 <a:latin typeface="Arial" panose="020B0604020202020204" pitchFamily="34" charset="0"/>
               </a:rPr>
-              <a:t>Evaluate model performance using RMSE, R-squared, or classification metrics like accuracy and F1-score.</a:t>
+              <a:t>Evaluate model performance using MSE, silhouette-score.</a:t>
             </a:r>
           </a:p>
           <a:p>
@@ -4730,61 +7478,6 @@
               </a:spcAft>
               <a:buClrTx/>
               <a:buSzTx/>
-              <a:buFontTx/>
-              <a:buAutoNum type="arabicPeriod" startAt="7"/>
-              <a:tabLst/>
-            </a:pPr>
-            <a:r>
-              <a:rPr kumimoji="0" lang="en-US" altLang="en-US" sz="1200" b="1" i="0" u="none" strike="noStrike" cap="none" normalizeH="0" baseline="0" dirty="0">
-                <a:ln>
-                  <a:noFill/>
-                </a:ln>
-                <a:solidFill>
-                  <a:schemeClr val="tx1"/>
-                </a:solidFill>
-                <a:effectLst/>
-                <a:latin typeface="Arial" panose="020B0604020202020204" pitchFamily="34" charset="0"/>
-              </a:rPr>
-              <a:t>Deployment:</a:t>
-            </a:r>
-            <a:r>
-              <a:rPr lang="en-US" altLang="en-US" sz="1200" dirty="0">
-                <a:solidFill>
-                  <a:schemeClr val="tx1"/>
-                </a:solidFill>
-                <a:latin typeface="Arial" panose="020B0604020202020204" pitchFamily="34" charset="0"/>
-              </a:rPr>
-              <a:t> </a:t>
-            </a:r>
-            <a:r>
-              <a:rPr kumimoji="0" lang="en-US" altLang="en-US" sz="1200" b="0" i="0" u="none" strike="noStrike" cap="none" normalizeH="0" baseline="0" dirty="0">
-                <a:ln>
-                  <a:noFill/>
-                </a:ln>
-                <a:solidFill>
-                  <a:schemeClr val="tx1"/>
-                </a:solidFill>
-                <a:effectLst/>
-                <a:latin typeface="Arial" panose="020B0604020202020204" pitchFamily="34" charset="0"/>
-              </a:rPr>
-              <a:t>Develop a dashboard for policymakers to visualize predictions and trends.</a:t>
-            </a:r>
-          </a:p>
-          <a:p>
-            <a:pPr marL="0" marR="0" lvl="0" indent="0" algn="l" defTabSz="914400" rtl="0" eaLnBrk="0" fontAlgn="base" latinLnBrk="0" hangingPunct="0">
-              <a:lnSpc>
-                <a:spcPct val="100000"/>
-              </a:lnSpc>
-              <a:spcBef>
-                <a:spcPct val="0"/>
-              </a:spcBef>
-              <a:spcAft>
-                <a:spcPct val="0"/>
-              </a:spcAft>
-              <a:buClrTx/>
-              <a:buSzTx/>
-              <a:buFontTx/>
-              <a:buNone/>
               <a:tabLst/>
             </a:pPr>
             <a:endParaRPr kumimoji="0" lang="en-US" altLang="en-US" sz="1200" b="0" i="0" u="none" strike="noStrike" cap="none" normalizeH="0" baseline="0" dirty="0">
@@ -4851,18 +7544,39 @@
                 </a:solidFill>
                 <a:latin typeface="Arial" panose="020B0604020202020204" pitchFamily="34" charset="0"/>
               </a:rPr>
-              <a:t>Regression Models: </a:t>
-            </a:r>
-            <a:endParaRPr kumimoji="0" lang="en-US" altLang="en-US" sz="1200" b="1" i="0" u="none" strike="noStrike" cap="none" normalizeH="0" baseline="0" dirty="0">
-              <a:ln>
-                <a:noFill/>
-              </a:ln>
-              <a:solidFill>
-                <a:schemeClr val="tx1"/>
-              </a:solidFill>
-              <a:effectLst/>
-              <a:latin typeface="Arial" panose="020B0604020202020204" pitchFamily="34" charset="0"/>
-            </a:endParaRPr>
+              <a:t>Regression Model: Random Forest Regressor</a:t>
+            </a:r>
+          </a:p>
+          <a:p>
+            <a:pPr marL="171450" marR="0" lvl="0" indent="-171450" algn="l" defTabSz="914400" rtl="0" eaLnBrk="0" fontAlgn="base" latinLnBrk="0" hangingPunct="0">
+              <a:lnSpc>
+                <a:spcPct val="100000"/>
+              </a:lnSpc>
+              <a:spcBef>
+                <a:spcPct val="0"/>
+              </a:spcBef>
+              <a:spcAft>
+                <a:spcPct val="0"/>
+              </a:spcAft>
+              <a:buClrTx/>
+              <a:buSzTx/>
+              <a:buFont typeface="Arial" panose="020B0604020202020204" pitchFamily="34" charset="0"/>
+              <a:buChar char="•"/>
+              <a:tabLst/>
+            </a:pPr>
+            <a:r>
+              <a:rPr kumimoji="0" lang="en-US" altLang="en-US" sz="1200" b="1" i="0" u="none" strike="noStrike" cap="none" normalizeH="0" baseline="0" dirty="0">
+                <a:ln>
+                  <a:noFill/>
+                </a:ln>
+                <a:solidFill>
+                  <a:schemeClr val="tx1"/>
+                </a:solidFill>
+                <a:effectLst/>
+                <a:latin typeface="Arial" panose="020B0604020202020204" pitchFamily="34" charset="0"/>
+              </a:rPr>
+              <a:t>Clustering Model: K-Means</a:t>
+            </a:r>
           </a:p>
         </p:txBody>
       </p:sp>
@@ -4884,7 +7598,13 @@
   <p:cSld>
     <p:spTree>
       <p:nvGrpSpPr>
-        <p:cNvPr id="1" name="Shape 60"/>
+        <p:cNvPr id="1" name="Shape 60">
+          <a:extLst>
+            <a:ext uri="{FF2B5EF4-FFF2-40B4-BE49-F238E27FC236}">
+              <a16:creationId xmlns:a16="http://schemas.microsoft.com/office/drawing/2014/main" id="{6B38C84C-099D-DC20-4C5F-6050465AC1C1}"/>
+            </a:ext>
+          </a:extLst>
+        </p:cNvPr>
         <p:cNvGrpSpPr/>
         <p:nvPr/>
       </p:nvGrpSpPr>
@@ -4898,10 +7618,10 @@
       </p:grpSpPr>
       <p:sp>
         <p:nvSpPr>
-          <p:cNvPr id="3" name="TextBox 2">
+          <p:cNvPr id="2" name="TextBox 1">
             <a:extLst>
               <a:ext uri="{FF2B5EF4-FFF2-40B4-BE49-F238E27FC236}">
-                <a16:creationId xmlns:a16="http://schemas.microsoft.com/office/drawing/2014/main" id="{02C0F50E-3048-BEA6-6962-A48C023C0388}"/>
+                <a16:creationId xmlns:a16="http://schemas.microsoft.com/office/drawing/2014/main" id="{E409DE74-64B4-0B26-1F44-4C49F42D9800}"/>
               </a:ext>
             </a:extLst>
           </p:cNvPr>
@@ -4910,7 +7630,7 @@
         </p:nvSpPr>
         <p:spPr>
           <a:xfrm>
-            <a:off x="212231" y="962377"/>
+            <a:off x="202071" y="972537"/>
             <a:ext cx="5904091" cy="400110"/>
           </a:xfrm>
           <a:prstGeom prst="rect">
@@ -4925,14 +7645,14 @@
           <a:lstStyle/>
           <a:p>
             <a:r>
-              <a:rPr lang="en-IN" sz="2000" b="1" dirty="0">
+              <a:rPr lang="en-US" sz="2000" b="1" dirty="0">
                 <a:solidFill>
                   <a:srgbClr val="213163"/>
                 </a:solidFill>
               </a:rPr>
-              <a:t>Conclusion</a:t>
-            </a:r>
-            <a:endParaRPr lang="en-IN" sz="2000" dirty="0">
+              <a:t>Data Collection</a:t>
+            </a:r>
+            <a:endParaRPr lang="en-IN" sz="2000" b="1" dirty="0">
               <a:solidFill>
                 <a:srgbClr val="213163"/>
               </a:solidFill>
@@ -4942,140 +7662,10 @@
       </p:sp>
       <p:sp>
         <p:nvSpPr>
-          <p:cNvPr id="4" name="TextBox 3">
+          <p:cNvPr id="6" name="TextBox 5">
             <a:extLst>
               <a:ext uri="{FF2B5EF4-FFF2-40B4-BE49-F238E27FC236}">
-                <a16:creationId xmlns:a16="http://schemas.microsoft.com/office/drawing/2014/main" id="{EC8B546F-F91E-160B-DC7F-688AFB5A50EA}"/>
-              </a:ext>
-            </a:extLst>
-          </p:cNvPr>
-          <p:cNvSpPr txBox="1"/>
-          <p:nvPr/>
-        </p:nvSpPr>
-        <p:spPr>
-          <a:xfrm>
-            <a:off x="210314" y="1461898"/>
-            <a:ext cx="5926671" cy="4247317"/>
-          </a:xfrm>
-          <a:prstGeom prst="rect">
-            <a:avLst/>
-          </a:prstGeom>
-          <a:noFill/>
-        </p:spPr>
-        <p:txBody>
-          <a:bodyPr wrap="square" rtlCol="0">
-            <a:spAutoFit/>
-          </a:bodyPr>
-          <a:lstStyle/>
-          <a:p>
-            <a:pPr marL="228600" indent="-228600">
-              <a:spcAft>
-                <a:spcPts val="800"/>
-              </a:spcAft>
-              <a:buFont typeface="Arial" panose="020B0604020202020204" pitchFamily="34" charset="0"/>
-              <a:buChar char="•"/>
-            </a:pPr>
-            <a:r>
-              <a:rPr lang="en-US" sz="1800" dirty="0">
-                <a:latin typeface="+mn-lt"/>
-              </a:rPr>
-              <a:t>Summary:</a:t>
-            </a:r>
-          </a:p>
-          <a:p>
-            <a:pPr marL="285750" indent="-285750">
-              <a:buFont typeface="Arial" panose="020B0604020202020204" pitchFamily="34" charset="0"/>
-              <a:buChar char="•"/>
-            </a:pPr>
-            <a:r>
-              <a:rPr lang="en-US" sz="1600" dirty="0"/>
-              <a:t>The ML model successfully analyzes historical electricity access data to predict future trends and identify high-priority areas for intervention. This model serves as a tool for policymakers and organizations working toward SDG 7.</a:t>
-            </a:r>
-          </a:p>
-          <a:p>
-            <a:pPr>
-              <a:spcAft>
-                <a:spcPts val="800"/>
-              </a:spcAft>
-            </a:pPr>
-            <a:endParaRPr lang="en-US" sz="1800" dirty="0">
-              <a:latin typeface="+mn-lt"/>
-            </a:endParaRPr>
-          </a:p>
-          <a:p>
-            <a:pPr marL="228600" indent="-228600">
-              <a:spcAft>
-                <a:spcPts val="800"/>
-              </a:spcAft>
-              <a:buFont typeface="Arial" panose="020B0604020202020204" pitchFamily="34" charset="0"/>
-              <a:buChar char="•"/>
-            </a:pPr>
-            <a:endParaRPr lang="en-US" sz="1800" dirty="0">
-              <a:latin typeface="+mn-lt"/>
-            </a:endParaRPr>
-          </a:p>
-          <a:p>
-            <a:pPr marL="285750" indent="-285750">
-              <a:buFont typeface="Arial" panose="020B0604020202020204" pitchFamily="34" charset="0"/>
-              <a:buChar char="•"/>
-            </a:pPr>
-            <a:r>
-              <a:rPr lang="en-US" sz="1800" dirty="0">
-                <a:latin typeface="+mn-lt"/>
-              </a:rPr>
-              <a:t>Future Work:</a:t>
-            </a:r>
-          </a:p>
-          <a:p>
-            <a:pPr marL="285750" indent="-285750">
-              <a:buFont typeface="Arial" panose="020B0604020202020204" pitchFamily="34" charset="0"/>
-              <a:buChar char="•"/>
-            </a:pPr>
-            <a:r>
-              <a:rPr lang="en-US" sz="1600" dirty="0"/>
-              <a:t>Incorporate additional datasets, such as socio-economic indicators, to improve model accuracy.</a:t>
-            </a:r>
-          </a:p>
-          <a:p>
-            <a:pPr marL="285750" indent="-285750">
-              <a:buFont typeface="Arial" panose="020B0604020202020204" pitchFamily="34" charset="0"/>
-              <a:buChar char="•"/>
-            </a:pPr>
-            <a:r>
-              <a:rPr lang="en-US" sz="1600" dirty="0"/>
-              <a:t>Develop region-specific models for more granular predictions.</a:t>
-            </a:r>
-          </a:p>
-          <a:p>
-            <a:pPr marL="285750" indent="-285750">
-              <a:buFont typeface="Arial" panose="020B0604020202020204" pitchFamily="34" charset="0"/>
-              <a:buChar char="•"/>
-            </a:pPr>
-            <a:r>
-              <a:rPr lang="en-US" sz="1600" dirty="0"/>
-              <a:t>Explore deep learning approaches for time-series predictions.</a:t>
-            </a:r>
-          </a:p>
-          <a:p>
-            <a:pPr marL="228600" indent="-228600">
-              <a:spcAft>
-                <a:spcPts val="800"/>
-              </a:spcAft>
-              <a:buFont typeface="Arial" panose="020B0604020202020204" pitchFamily="34" charset="0"/>
-              <a:buChar char="•"/>
-            </a:pPr>
-            <a:endParaRPr lang="en-US" sz="1800" dirty="0">
-              <a:latin typeface="+mn-lt"/>
-            </a:endParaRPr>
-          </a:p>
-        </p:txBody>
-      </p:sp>
-      <p:sp>
-        <p:nvSpPr>
-          <p:cNvPr id="8" name="TextBox 7">
-            <a:extLst>
-              <a:ext uri="{FF2B5EF4-FFF2-40B4-BE49-F238E27FC236}">
-                <a16:creationId xmlns:a16="http://schemas.microsoft.com/office/drawing/2014/main" id="{FF6EE1DD-6A31-2A28-F8BE-6E59037422CF}"/>
+                <a16:creationId xmlns:a16="http://schemas.microsoft.com/office/drawing/2014/main" id="{93DE18B7-069C-5C95-858B-9863926801A9}"/>
               </a:ext>
             </a:extLst>
           </p:cNvPr>
@@ -5114,10 +7704,10 @@
       </p:sp>
       <p:sp>
         <p:nvSpPr>
-          <p:cNvPr id="9" name="TextBox 8">
+          <p:cNvPr id="7" name="TextBox 6">
             <a:extLst>
               <a:ext uri="{FF2B5EF4-FFF2-40B4-BE49-F238E27FC236}">
-                <a16:creationId xmlns:a16="http://schemas.microsoft.com/office/drawing/2014/main" id="{18F06934-F528-B704-BB31-70471CEEB0BF}"/>
+                <a16:creationId xmlns:a16="http://schemas.microsoft.com/office/drawing/2014/main" id="{4935CE03-E5ED-4F3F-7AE4-8B0EE3853E19}"/>
               </a:ext>
             </a:extLst>
           </p:cNvPr>
@@ -5172,10 +7762,10 @@
       </p:sp>
       <p:cxnSp>
         <p:nvCxnSpPr>
-          <p:cNvPr id="10" name="Straight Connector 9">
+          <p:cNvPr id="12" name="Straight Connector 11">
             <a:extLst>
               <a:ext uri="{FF2B5EF4-FFF2-40B4-BE49-F238E27FC236}">
-                <a16:creationId xmlns:a16="http://schemas.microsoft.com/office/drawing/2014/main" id="{6247989A-A2B1-6748-7E8A-F0362FB212B6}"/>
+                <a16:creationId xmlns:a16="http://schemas.microsoft.com/office/drawing/2014/main" id="{81F753AC-23FE-E298-E3BB-7814DF7A436E}"/>
               </a:ext>
             </a:extLst>
           </p:cNvPr>
@@ -5213,12 +7803,344 @@
           </a:fontRef>
         </p:style>
       </p:cxnSp>
+      <p:sp>
+        <p:nvSpPr>
+          <p:cNvPr id="10" name="Rectangle 5">
+            <a:extLst>
+              <a:ext uri="{FF2B5EF4-FFF2-40B4-BE49-F238E27FC236}">
+                <a16:creationId xmlns:a16="http://schemas.microsoft.com/office/drawing/2014/main" id="{5B67FD30-51E7-A4D5-678D-67AF8DB23902}"/>
+              </a:ext>
+            </a:extLst>
+          </p:cNvPr>
+          <p:cNvSpPr>
+            <a:spLocks noChangeArrowheads="1"/>
+          </p:cNvSpPr>
+          <p:nvPr/>
+        </p:nvSpPr>
+        <p:spPr bwMode="auto">
+          <a:xfrm>
+            <a:off x="199809" y="3505944"/>
+            <a:ext cx="11295505" cy="2549416"/>
+          </a:xfrm>
+          <a:prstGeom prst="rect">
+            <a:avLst/>
+          </a:prstGeom>
+          <a:noFill/>
+          <a:ln>
+            <a:noFill/>
+          </a:ln>
+          <a:effectLst/>
+          <a:extLst>
+            <a:ext uri="{909E8E84-426E-40DD-AFC4-6F175D3DCCD1}">
+              <a14:hiddenFill xmlns:a14="http://schemas.microsoft.com/office/drawing/2010/main">
+                <a:solidFill>
+                  <a:schemeClr val="accent1"/>
+                </a:solidFill>
+              </a14:hiddenFill>
+            </a:ext>
+            <a:ext uri="{91240B29-F687-4F45-9708-019B960494DF}">
+              <a14:hiddenLine xmlns:a14="http://schemas.microsoft.com/office/drawing/2010/main" w="9525">
+                <a:solidFill>
+                  <a:schemeClr val="tx1"/>
+                </a:solidFill>
+                <a:miter lim="800000"/>
+                <a:headEnd/>
+                <a:tailEnd/>
+              </a14:hiddenLine>
+            </a:ext>
+            <a:ext uri="{AF507438-7753-43E0-B8FC-AC1667EBCBE1}">
+              <a14:hiddenEffects xmlns:a14="http://schemas.microsoft.com/office/drawing/2010/main">
+                <a:effectLst>
+                  <a:outerShdw dist="35921" dir="2700000" algn="ctr" rotWithShape="0">
+                    <a:schemeClr val="bg2"/>
+                  </a:outerShdw>
+                </a:effectLst>
+              </a14:hiddenEffects>
+            </a:ext>
+          </a:extLst>
+        </p:spPr>
+        <p:txBody>
+          <a:bodyPr vert="horz" wrap="square" lIns="91440" tIns="45720" rIns="91440" bIns="45720" numCol="1" anchor="ctr" anchorCtr="0" compatLnSpc="1">
+            <a:prstTxWarp prst="textNoShape">
+              <a:avLst/>
+            </a:prstTxWarp>
+            <a:spAutoFit/>
+          </a:bodyPr>
+          <a:lstStyle/>
+          <a:p>
+            <a:pPr marL="0" marR="0" lvl="0" indent="0" algn="l" defTabSz="914400" rtl="0" eaLnBrk="0" fontAlgn="base" latinLnBrk="0" hangingPunct="0">
+              <a:lnSpc>
+                <a:spcPct val="100000"/>
+              </a:lnSpc>
+              <a:spcBef>
+                <a:spcPct val="0"/>
+              </a:spcBef>
+              <a:spcAft>
+                <a:spcPct val="0"/>
+              </a:spcAft>
+              <a:buClrTx/>
+              <a:buSzTx/>
+              <a:tabLst/>
+            </a:pPr>
+            <a:r>
+              <a:rPr kumimoji="0" lang="en-US" altLang="en-US" sz="1200" b="1" i="0" u="none" strike="noStrike" cap="none" normalizeH="0" baseline="0" dirty="0">
+                <a:ln>
+                  <a:noFill/>
+                </a:ln>
+                <a:solidFill>
+                  <a:schemeClr val="tx1"/>
+                </a:solidFill>
+                <a:effectLst/>
+                <a:latin typeface="Arial" panose="020B0604020202020204" pitchFamily="34" charset="0"/>
+              </a:rPr>
+              <a:t>(Data was sourced from </a:t>
+            </a:r>
+            <a:r>
+              <a:rPr lang="en-US" altLang="en-US" sz="1200" b="1" dirty="0">
+                <a:solidFill>
+                  <a:schemeClr val="tx1"/>
+                </a:solidFill>
+                <a:latin typeface="Arial" panose="020B0604020202020204" pitchFamily="34" charset="0"/>
+              </a:rPr>
+              <a:t>T</a:t>
+            </a:r>
+            <a:r>
+              <a:rPr kumimoji="0" lang="en-US" altLang="en-US" sz="1200" b="1" i="0" u="none" strike="noStrike" cap="none" normalizeH="0" baseline="0" dirty="0">
+                <a:ln>
+                  <a:noFill/>
+                </a:ln>
+                <a:solidFill>
+                  <a:schemeClr val="tx1"/>
+                </a:solidFill>
+                <a:effectLst/>
+                <a:latin typeface="Arial" panose="020B0604020202020204" pitchFamily="34" charset="0"/>
+              </a:rPr>
+              <a:t>racking SDG 7.1.1 : </a:t>
+            </a:r>
+            <a:r>
+              <a:rPr lang="sv-SE" sz="1200" dirty="0">
+                <a:latin typeface="+mn-lt"/>
+                <a:hlinkClick r:id="rId4"/>
+              </a:rPr>
+              <a:t>https://trackingsdg7.esmap.org/downloads</a:t>
+            </a:r>
+            <a:r>
+              <a:rPr lang="sv-SE" sz="1200" dirty="0">
+                <a:latin typeface="+mn-lt"/>
+              </a:rPr>
+              <a:t>)</a:t>
+            </a:r>
+            <a:br>
+              <a:rPr lang="sv-SE" sz="1200" dirty="0">
+                <a:latin typeface="+mn-lt"/>
+              </a:rPr>
+            </a:br>
+            <a:endParaRPr lang="sv-SE" sz="1200" dirty="0">
+              <a:latin typeface="+mn-lt"/>
+            </a:endParaRPr>
+          </a:p>
+          <a:p>
+            <a:pPr marL="231642" indent="-231642">
+              <a:spcAft>
+                <a:spcPts val="800"/>
+              </a:spcAft>
+              <a:buFont typeface="Arial" panose="020B0604020202020204" pitchFamily="34" charset="0"/>
+              <a:buChar char="•"/>
+            </a:pPr>
+            <a:r>
+              <a:rPr kumimoji="0" lang="en-US" altLang="en-US" sz="1200" b="1" i="0" u="none" strike="noStrike" cap="none" normalizeH="0" baseline="0" dirty="0">
+                <a:ln>
+                  <a:noFill/>
+                </a:ln>
+                <a:solidFill>
+                  <a:schemeClr val="tx1"/>
+                </a:solidFill>
+                <a:effectLst/>
+                <a:latin typeface="Arial" panose="020B0604020202020204" pitchFamily="34" charset="0"/>
+              </a:rPr>
+              <a:t> </a:t>
+            </a:r>
+            <a:r>
+              <a:rPr lang="en-IN" sz="1200" dirty="0"/>
+              <a:t>The dataset includes electricity access data with the following columns:</a:t>
+            </a:r>
+            <a:br>
+              <a:rPr lang="en-IN" sz="1200" dirty="0"/>
+            </a:br>
+            <a:endParaRPr lang="en-IN" sz="1200" dirty="0"/>
+          </a:p>
+          <a:p>
+            <a:pPr marL="285750" indent="-285750">
+              <a:buFont typeface="Arial" panose="020B0604020202020204" pitchFamily="34" charset="0"/>
+              <a:buChar char="•"/>
+            </a:pPr>
+            <a:r>
+              <a:rPr lang="en-IN" sz="1200" b="1" dirty="0" err="1"/>
+              <a:t>SeriesCode</a:t>
+            </a:r>
+            <a:r>
+              <a:rPr lang="en-IN" sz="1200" b="1" dirty="0"/>
+              <a:t>, </a:t>
+            </a:r>
+            <a:r>
+              <a:rPr lang="en-IN" sz="1200" b="1" dirty="0" err="1"/>
+              <a:t>SeriesName</a:t>
+            </a:r>
+            <a:r>
+              <a:rPr lang="en-IN" sz="1200" b="1" dirty="0"/>
+              <a:t>, Indicator, </a:t>
+            </a:r>
+            <a:r>
+              <a:rPr lang="en-IN" sz="1200" b="1" dirty="0" err="1"/>
+              <a:t>SeriesID</a:t>
+            </a:r>
+            <a:r>
+              <a:rPr lang="en-IN" sz="1200" b="1" dirty="0"/>
+              <a:t>:</a:t>
+            </a:r>
+            <a:r>
+              <a:rPr lang="en-IN" sz="1200" dirty="0"/>
+              <a:t> Representing indicator metadata.</a:t>
+            </a:r>
+          </a:p>
+          <a:p>
+            <a:pPr marL="285750" indent="-285750">
+              <a:buFont typeface="Arial" panose="020B0604020202020204" pitchFamily="34" charset="0"/>
+              <a:buChar char="•"/>
+            </a:pPr>
+            <a:r>
+              <a:rPr lang="en-IN" sz="1200" b="1" dirty="0" err="1"/>
+              <a:t>GeoAreaCode</a:t>
+            </a:r>
+            <a:r>
+              <a:rPr lang="en-IN" sz="1200" b="1" dirty="0"/>
+              <a:t>/Reference Area Code, </a:t>
+            </a:r>
+            <a:r>
+              <a:rPr lang="en-IN" sz="1200" b="1" dirty="0" err="1"/>
+              <a:t>Ref_Area_Type</a:t>
+            </a:r>
+            <a:r>
+              <a:rPr lang="en-IN" sz="1200" b="1" dirty="0"/>
+              <a:t>, </a:t>
+            </a:r>
+            <a:r>
+              <a:rPr lang="en-IN" sz="1200" b="1" dirty="0" err="1"/>
+              <a:t>GeoAreaName</a:t>
+            </a:r>
+            <a:r>
+              <a:rPr lang="en-IN" sz="1200" b="1" dirty="0"/>
+              <a:t>/Reference Area Name:</a:t>
+            </a:r>
+            <a:r>
+              <a:rPr lang="en-IN" sz="1200" dirty="0"/>
+              <a:t> Geographical and reference area details.</a:t>
+            </a:r>
+          </a:p>
+          <a:p>
+            <a:pPr marL="285750" indent="-285750">
+              <a:buFont typeface="Arial" panose="020B0604020202020204" pitchFamily="34" charset="0"/>
+              <a:buChar char="•"/>
+            </a:pPr>
+            <a:r>
+              <a:rPr lang="en-IN" sz="1200" b="1" dirty="0" err="1"/>
+              <a:t>TimePeriod</a:t>
+            </a:r>
+            <a:r>
+              <a:rPr lang="en-IN" sz="1200" b="1" dirty="0"/>
+              <a:t>, Value, Units:</a:t>
+            </a:r>
+            <a:r>
+              <a:rPr lang="en-IN" sz="1200" dirty="0"/>
+              <a:t> Time period of observation and the corresponding electricity access value.</a:t>
+            </a:r>
+          </a:p>
+          <a:p>
+            <a:pPr marL="285750" indent="-285750">
+              <a:buFont typeface="Arial" panose="020B0604020202020204" pitchFamily="34" charset="0"/>
+              <a:buChar char="•"/>
+            </a:pPr>
+            <a:r>
+              <a:rPr lang="en-IN" sz="1200" b="1" dirty="0"/>
+              <a:t>Nature, Location, Reporting Type, </a:t>
+            </a:r>
+            <a:r>
+              <a:rPr lang="en-IN" sz="1200" b="1" dirty="0" err="1"/>
+              <a:t>FootNote</a:t>
+            </a:r>
+            <a:r>
+              <a:rPr lang="en-IN" sz="1200" b="1" dirty="0"/>
+              <a:t>, Source, ISOalpha3, Type:</a:t>
+            </a:r>
+            <a:r>
+              <a:rPr lang="en-IN" sz="1200" dirty="0"/>
+              <a:t> Additional contextual and metadata columns.</a:t>
+            </a:r>
+          </a:p>
+          <a:p>
+            <a:endParaRPr lang="en-IN" sz="1200" dirty="0"/>
+          </a:p>
+          <a:p>
+            <a:r>
+              <a:rPr lang="en-US" sz="1100" b="1" dirty="0"/>
+              <a:t>Key Features:</a:t>
+            </a:r>
+          </a:p>
+          <a:p>
+            <a:pPr marL="285750" indent="-285750">
+              <a:buFont typeface="Arial" panose="020B0604020202020204" pitchFamily="34" charset="0"/>
+              <a:buChar char="•"/>
+            </a:pPr>
+            <a:r>
+              <a:rPr lang="en-US" sz="1100" dirty="0"/>
+              <a:t>Multi-year data across multiple regions.</a:t>
+            </a:r>
+          </a:p>
+          <a:p>
+            <a:pPr marL="285750" indent="-285750">
+              <a:buFont typeface="Arial" panose="020B0604020202020204" pitchFamily="34" charset="0"/>
+              <a:buChar char="•"/>
+            </a:pPr>
+            <a:r>
+              <a:rPr lang="en-US" sz="1100" dirty="0"/>
+              <a:t>Contextual information about electricity access (value, unit, type).</a:t>
+            </a:r>
+            <a:endParaRPr lang="en-IN" sz="1200" dirty="0"/>
+          </a:p>
+          <a:p>
+            <a:pPr marL="0" marR="0" lvl="0" indent="0" algn="l" defTabSz="914400" rtl="0" eaLnBrk="0" fontAlgn="base" latinLnBrk="0" hangingPunct="0">
+              <a:lnSpc>
+                <a:spcPct val="100000"/>
+              </a:lnSpc>
+              <a:spcBef>
+                <a:spcPct val="0"/>
+              </a:spcBef>
+              <a:spcAft>
+                <a:spcPct val="0"/>
+              </a:spcAft>
+              <a:buClrTx/>
+              <a:buSzTx/>
+              <a:tabLst/>
+            </a:pPr>
+            <a:endParaRPr kumimoji="0" lang="en-US" altLang="en-US" sz="1200" b="1" i="0" u="none" strike="noStrike" cap="none" normalizeH="0" baseline="0" dirty="0">
+              <a:ln>
+                <a:noFill/>
+              </a:ln>
+              <a:solidFill>
+                <a:schemeClr val="tx1"/>
+              </a:solidFill>
+              <a:effectLst/>
+              <a:latin typeface="Arial" panose="020B0604020202020204" pitchFamily="34" charset="0"/>
+            </a:endParaRPr>
+          </a:p>
+        </p:txBody>
+      </p:sp>
       <p:pic>
         <p:nvPicPr>
-          <p:cNvPr id="2" name="Picture 1" descr="A light bulb with a black background&#10;&#10;Description automatically generated">
+          <p:cNvPr id="4" name="Picture 3">
             <a:extLst>
               <a:ext uri="{FF2B5EF4-FFF2-40B4-BE49-F238E27FC236}">
-                <a16:creationId xmlns:a16="http://schemas.microsoft.com/office/drawing/2014/main" id="{75F7452F-58BC-17CE-3016-C04F4A0BB586}"/>
+                <a16:creationId xmlns:a16="http://schemas.microsoft.com/office/drawing/2014/main" id="{7ABE2FDF-D404-0D3A-9957-56B31A64ACB7}"/>
               </a:ext>
             </a:extLst>
           </p:cNvPr>
@@ -5227,15 +8149,15 @@
           </p:cNvPicPr>
           <p:nvPr/>
         </p:nvPicPr>
-        <p:blipFill rotWithShape="1">
-          <a:blip r:embed="rId4"/>
-          <a:srcRect l="7117" t="5427" r="7295" b="7474"/>
+        <p:blipFill>
+          <a:blip r:embed="rId5"/>
+          <a:srcRect r="8434"/>
           <a:stretch/>
         </p:blipFill>
         <p:spPr>
           <a:xfrm>
-            <a:off x="7112000" y="1092200"/>
-            <a:ext cx="4551680" cy="4632115"/>
+            <a:off x="514141" y="1599959"/>
+            <a:ext cx="11163719" cy="1409363"/>
           </a:xfrm>
           <a:prstGeom prst="rect">
             <a:avLst/>
@@ -5245,7 +8167,7 @@
     </p:spTree>
     <p:extLst>
       <p:ext uri="{BB962C8B-B14F-4D97-AF65-F5344CB8AC3E}">
-        <p14:creationId xmlns:p14="http://schemas.microsoft.com/office/powerpoint/2010/main" val="2046321281"/>
+        <p14:creationId xmlns:p14="http://schemas.microsoft.com/office/powerpoint/2010/main" val="67236973"/>
       </p:ext>
     </p:extLst>
   </p:cSld>
@@ -5260,7 +8182,13 @@
   <p:cSld>
     <p:spTree>
       <p:nvGrpSpPr>
-        <p:cNvPr id="1" name="Shape 60"/>
+        <p:cNvPr id="1" name="Shape 60">
+          <a:extLst>
+            <a:ext uri="{FF2B5EF4-FFF2-40B4-BE49-F238E27FC236}">
+              <a16:creationId xmlns:a16="http://schemas.microsoft.com/office/drawing/2014/main" id="{E2D7EE2F-B4E0-1660-1ED5-E787800490E7}"/>
+            </a:ext>
+          </a:extLst>
+        </p:cNvPr>
         <p:cNvGrpSpPr/>
         <p:nvPr/>
       </p:nvGrpSpPr>
@@ -5274,10 +8202,10 @@
       </p:grpSpPr>
       <p:sp>
         <p:nvSpPr>
-          <p:cNvPr id="3" name="TextBox 2">
+          <p:cNvPr id="2" name="TextBox 1">
             <a:extLst>
               <a:ext uri="{FF2B5EF4-FFF2-40B4-BE49-F238E27FC236}">
-                <a16:creationId xmlns:a16="http://schemas.microsoft.com/office/drawing/2014/main" id="{02C0F50E-3048-BEA6-6962-A48C023C0388}"/>
+                <a16:creationId xmlns:a16="http://schemas.microsoft.com/office/drawing/2014/main" id="{B81344BD-DA19-F2F1-0F85-E1A3A6F98875}"/>
               </a:ext>
             </a:extLst>
           </p:cNvPr>
@@ -5286,7 +8214,7 @@
         </p:nvSpPr>
         <p:spPr>
           <a:xfrm>
-            <a:off x="212231" y="962377"/>
+            <a:off x="202071" y="972537"/>
             <a:ext cx="5904091" cy="400110"/>
           </a:xfrm>
           <a:prstGeom prst="rect">
@@ -5301,14 +8229,14 @@
           <a:lstStyle/>
           <a:p>
             <a:r>
-              <a:rPr lang="en-IN" sz="2000" b="1" dirty="0">
+              <a:rPr lang="en-US" sz="2000" b="1" dirty="0">
                 <a:solidFill>
                   <a:srgbClr val="213163"/>
                 </a:solidFill>
               </a:rPr>
-              <a:t>References</a:t>
-            </a:r>
-            <a:endParaRPr lang="en-IN" sz="2000" dirty="0">
+              <a:t>Data Preprocessing</a:t>
+            </a:r>
+            <a:endParaRPr lang="en-IN" sz="2000" b="1" dirty="0">
               <a:solidFill>
                 <a:srgbClr val="213163"/>
               </a:solidFill>
@@ -5318,10 +8246,10 @@
       </p:sp>
       <p:sp>
         <p:nvSpPr>
-          <p:cNvPr id="4" name="TextBox 3">
+          <p:cNvPr id="6" name="TextBox 5">
             <a:extLst>
               <a:ext uri="{FF2B5EF4-FFF2-40B4-BE49-F238E27FC236}">
-                <a16:creationId xmlns:a16="http://schemas.microsoft.com/office/drawing/2014/main" id="{EC8B546F-F91E-160B-DC7F-688AFB5A50EA}"/>
+                <a16:creationId xmlns:a16="http://schemas.microsoft.com/office/drawing/2014/main" id="{845A7167-41B3-940E-BDFB-57A39E8FEC0D}"/>
               </a:ext>
             </a:extLst>
           </p:cNvPr>
@@ -5330,8 +8258,8 @@
         </p:nvSpPr>
         <p:spPr>
           <a:xfrm>
-            <a:off x="210314" y="1461898"/>
-            <a:ext cx="9868183" cy="1508105"/>
+            <a:off x="199809" y="6135329"/>
+            <a:ext cx="795871" cy="276999"/>
           </a:xfrm>
           <a:prstGeom prst="rect">
             <a:avLst/>
@@ -5344,7 +8272,233 @@
           </a:bodyPr>
           <a:lstStyle/>
           <a:p>
-            <a:pPr marL="228600" indent="-228600">
+            <a:pPr>
+              <a:spcAft>
+                <a:spcPts val="800"/>
+              </a:spcAft>
+            </a:pPr>
+            <a:r>
+              <a:rPr lang="en-IN" sz="1200" b="1" dirty="0">
+                <a:latin typeface="+mn-lt"/>
+              </a:rPr>
+              <a:t>Source : </a:t>
+            </a:r>
+          </a:p>
+        </p:txBody>
+      </p:sp>
+      <p:sp>
+        <p:nvSpPr>
+          <p:cNvPr id="7" name="TextBox 6">
+            <a:extLst>
+              <a:ext uri="{FF2B5EF4-FFF2-40B4-BE49-F238E27FC236}">
+                <a16:creationId xmlns:a16="http://schemas.microsoft.com/office/drawing/2014/main" id="{F5DD4A55-DA99-6878-339D-6A36C4FC707C}"/>
+              </a:ext>
+            </a:extLst>
+          </p:cNvPr>
+          <p:cNvSpPr txBox="1"/>
+          <p:nvPr/>
+        </p:nvSpPr>
+        <p:spPr>
+          <a:xfrm>
+            <a:off x="880529" y="6135329"/>
+            <a:ext cx="1842351" cy="276999"/>
+          </a:xfrm>
+          <a:prstGeom prst="rect">
+            <a:avLst/>
+          </a:prstGeom>
+          <a:noFill/>
+        </p:spPr>
+        <p:txBody>
+          <a:bodyPr wrap="square" rtlCol="0">
+            <a:spAutoFit/>
+          </a:bodyPr>
+          <a:lstStyle/>
+          <a:p>
+            <a:pPr>
+              <a:spcAft>
+                <a:spcPts val="800"/>
+              </a:spcAft>
+            </a:pPr>
+            <a:r>
+              <a:rPr lang="en-IN" sz="1200" dirty="0">
+                <a:solidFill>
+                  <a:srgbClr val="0000FF"/>
+                </a:solidFill>
+                <a:latin typeface="+mn-lt"/>
+                <a:hlinkClick r:id="rId3">
+                  <a:extLst>
+                    <a:ext uri="{A12FA001-AC4F-418D-AE19-62706E023703}">
+                      <ahyp:hlinkClr xmlns:ahyp="http://schemas.microsoft.com/office/drawing/2018/hyperlinkcolor" val="tx"/>
+                    </a:ext>
+                  </a:extLst>
+                </a:hlinkClick>
+              </a:rPr>
+              <a:t>www.freepik.com/</a:t>
+            </a:r>
+            <a:endParaRPr lang="en-IN" sz="1200" dirty="0">
+              <a:solidFill>
+                <a:srgbClr val="0000FF"/>
+              </a:solidFill>
+              <a:latin typeface="+mn-lt"/>
+            </a:endParaRPr>
+          </a:p>
+        </p:txBody>
+      </p:sp>
+      <p:cxnSp>
+        <p:nvCxnSpPr>
+          <p:cNvPr id="12" name="Straight Connector 11">
+            <a:extLst>
+              <a:ext uri="{FF2B5EF4-FFF2-40B4-BE49-F238E27FC236}">
+                <a16:creationId xmlns:a16="http://schemas.microsoft.com/office/drawing/2014/main" id="{F9632C5D-0B8E-4D49-D42F-06701014A389}"/>
+              </a:ext>
+            </a:extLst>
+          </p:cNvPr>
+          <p:cNvCxnSpPr/>
+          <p:nvPr/>
+        </p:nvCxnSpPr>
+        <p:spPr>
+          <a:xfrm>
+            <a:off x="0" y="6055360"/>
+            <a:ext cx="12192000" cy="0"/>
+          </a:xfrm>
+          <a:prstGeom prst="line">
+            <a:avLst/>
+          </a:prstGeom>
+          <a:ln w="12700">
+            <a:solidFill>
+              <a:schemeClr val="bg1">
+                <a:lumMod val="85000"/>
+              </a:schemeClr>
+            </a:solidFill>
+          </a:ln>
+        </p:spPr>
+        <p:style>
+          <a:lnRef idx="1">
+            <a:schemeClr val="accent1"/>
+          </a:lnRef>
+          <a:fillRef idx="0">
+            <a:schemeClr val="accent1"/>
+          </a:fillRef>
+          <a:effectRef idx="0">
+            <a:schemeClr val="accent1"/>
+          </a:effectRef>
+          <a:fontRef idx="minor">
+            <a:schemeClr val="tx1"/>
+          </a:fontRef>
+        </p:style>
+      </p:cxnSp>
+      <p:sp>
+        <p:nvSpPr>
+          <p:cNvPr id="10" name="Rectangle 5">
+            <a:extLst>
+              <a:ext uri="{FF2B5EF4-FFF2-40B4-BE49-F238E27FC236}">
+                <a16:creationId xmlns:a16="http://schemas.microsoft.com/office/drawing/2014/main" id="{60D2FAD8-8B76-75A0-809D-D47CDBAB7378}"/>
+              </a:ext>
+            </a:extLst>
+          </p:cNvPr>
+          <p:cNvSpPr>
+            <a:spLocks noChangeArrowheads="1"/>
+          </p:cNvSpPr>
+          <p:nvPr/>
+        </p:nvSpPr>
+        <p:spPr bwMode="auto">
+          <a:xfrm>
+            <a:off x="139296" y="1452615"/>
+            <a:ext cx="11295505" cy="1487587"/>
+          </a:xfrm>
+          <a:prstGeom prst="rect">
+            <a:avLst/>
+          </a:prstGeom>
+          <a:noFill/>
+          <a:ln>
+            <a:noFill/>
+          </a:ln>
+          <a:effectLst/>
+          <a:extLst>
+            <a:ext uri="{909E8E84-426E-40DD-AFC4-6F175D3DCCD1}">
+              <a14:hiddenFill xmlns:a14="http://schemas.microsoft.com/office/drawing/2010/main">
+                <a:solidFill>
+                  <a:schemeClr val="accent1"/>
+                </a:solidFill>
+              </a14:hiddenFill>
+            </a:ext>
+            <a:ext uri="{91240B29-F687-4F45-9708-019B960494DF}">
+              <a14:hiddenLine xmlns:a14="http://schemas.microsoft.com/office/drawing/2010/main" w="9525">
+                <a:solidFill>
+                  <a:schemeClr val="tx1"/>
+                </a:solidFill>
+                <a:miter lim="800000"/>
+                <a:headEnd/>
+                <a:tailEnd/>
+              </a14:hiddenLine>
+            </a:ext>
+            <a:ext uri="{AF507438-7753-43E0-B8FC-AC1667EBCBE1}">
+              <a14:hiddenEffects xmlns:a14="http://schemas.microsoft.com/office/drawing/2010/main">
+                <a:effectLst>
+                  <a:outerShdw dist="35921" dir="2700000" algn="ctr" rotWithShape="0">
+                    <a:schemeClr val="bg2"/>
+                  </a:outerShdw>
+                </a:effectLst>
+              </a14:hiddenEffects>
+            </a:ext>
+          </a:extLst>
+        </p:spPr>
+        <p:txBody>
+          <a:bodyPr vert="horz" wrap="square" lIns="91440" tIns="45720" rIns="91440" bIns="45720" numCol="1" anchor="t" anchorCtr="0" compatLnSpc="1">
+            <a:prstTxWarp prst="textNoShape">
+              <a:avLst/>
+            </a:prstTxWarp>
+            <a:spAutoFit/>
+          </a:bodyPr>
+          <a:lstStyle/>
+          <a:p>
+            <a:pPr marL="0" marR="0" lvl="0" indent="0" algn="l" defTabSz="914400" rtl="0" eaLnBrk="0" fontAlgn="base" latinLnBrk="0" hangingPunct="0">
+              <a:lnSpc>
+                <a:spcPct val="100000"/>
+              </a:lnSpc>
+              <a:spcBef>
+                <a:spcPct val="0"/>
+              </a:spcBef>
+              <a:spcAft>
+                <a:spcPct val="0"/>
+              </a:spcAft>
+              <a:buClrTx/>
+              <a:buSzTx/>
+              <a:tabLst/>
+            </a:pPr>
+            <a:r>
+              <a:rPr lang="en-US" altLang="en-US" sz="1200" b="1" dirty="0">
+                <a:solidFill>
+                  <a:schemeClr val="tx1"/>
+                </a:solidFill>
+                <a:latin typeface="Arial" panose="020B0604020202020204" pitchFamily="34" charset="0"/>
+              </a:rPr>
+              <a:t>The d</a:t>
+            </a:r>
+            <a:r>
+              <a:rPr kumimoji="0" lang="en-US" altLang="en-US" sz="1200" b="1" i="0" u="none" strike="noStrike" cap="none" normalizeH="0" baseline="0" dirty="0">
+                <a:ln>
+                  <a:noFill/>
+                </a:ln>
+                <a:solidFill>
+                  <a:schemeClr val="tx1"/>
+                </a:solidFill>
+                <a:effectLst/>
+                <a:latin typeface="Arial" panose="020B0604020202020204" pitchFamily="34" charset="0"/>
+              </a:rPr>
+              <a:t>ata was then cleaned to remove any missing values and encode strings to visualize and analyze it clearly.</a:t>
+            </a:r>
+            <a:br>
+              <a:rPr lang="sv-SE" sz="1200" dirty="0">
+                <a:latin typeface="+mn-lt"/>
+              </a:rPr>
+            </a:br>
+            <a:endParaRPr lang="sv-SE" sz="1200" dirty="0">
+              <a:latin typeface="+mn-lt"/>
+            </a:endParaRPr>
+          </a:p>
+          <a:p>
+            <a:pPr marL="231642" indent="-231642">
               <a:spcAft>
                 <a:spcPts val="800"/>
               </a:spcAft>
@@ -5352,94 +8506,139 @@
               <a:buChar char="•"/>
             </a:pPr>
             <a:r>
-              <a:rPr lang="en-US" sz="1800" dirty="0">
-                <a:latin typeface="+mn-lt"/>
-              </a:rPr>
-              <a:t>ChatGPT</a:t>
-            </a:r>
-          </a:p>
-          <a:p>
-            <a:pPr marL="228600" indent="-228600">
-              <a:spcAft>
-                <a:spcPts val="800"/>
-              </a:spcAft>
+              <a:rPr kumimoji="0" lang="en-US" altLang="en-US" sz="1200" b="1" i="0" u="none" strike="noStrike" cap="none" normalizeH="0" baseline="0" dirty="0">
+                <a:ln>
+                  <a:noFill/>
+                </a:ln>
+                <a:solidFill>
+                  <a:schemeClr val="tx1"/>
+                </a:solidFill>
+                <a:effectLst/>
+                <a:latin typeface="Arial" panose="020B0604020202020204" pitchFamily="34" charset="0"/>
+              </a:rPr>
+              <a:t> </a:t>
+            </a:r>
+            <a:r>
+              <a:rPr lang="en-IN" sz="1200" dirty="0"/>
+              <a:t>Applied Feature Selection and removed all null values, then labelled the data.</a:t>
+            </a:r>
+            <a:br>
+              <a:rPr lang="en-IN" sz="1200" dirty="0"/>
+            </a:br>
+            <a:endParaRPr lang="en-IN" sz="1200" dirty="0"/>
+          </a:p>
+          <a:p>
+            <a:pPr marL="285750" indent="-285750">
               <a:buFont typeface="Arial" panose="020B0604020202020204" pitchFamily="34" charset="0"/>
               <a:buChar char="•"/>
             </a:pPr>
             <a:r>
-              <a:rPr lang="sv-SE" sz="1800" dirty="0">
-                <a:latin typeface="+mn-lt"/>
-                <a:hlinkClick r:id="rId3"/>
-              </a:rPr>
-              <a:t>SDG 7 Dataset</a:t>
-            </a:r>
-            <a:r>
-              <a:rPr lang="sv-SE" sz="1800" dirty="0">
-                <a:latin typeface="+mn-lt"/>
-              </a:rPr>
-              <a:t>: </a:t>
-            </a:r>
-            <a:r>
-              <a:rPr lang="sv-SE" sz="1800" dirty="0">
-                <a:latin typeface="+mn-lt"/>
-                <a:hlinkClick r:id="rId3"/>
-              </a:rPr>
-              <a:t>https://trackingsdg7.esmap.org/downloads</a:t>
-            </a:r>
-            <a:endParaRPr lang="sv-SE" sz="1800" dirty="0">
-              <a:latin typeface="+mn-lt"/>
-            </a:endParaRPr>
-          </a:p>
-          <a:p>
-            <a:pPr marL="228600" indent="-228600">
-              <a:spcAft>
-                <a:spcPts val="800"/>
-              </a:spcAft>
+              <a:rPr lang="en-IN" sz="1200" b="1" dirty="0"/>
+              <a:t>Area Code:</a:t>
+            </a:r>
+            <a:r>
+              <a:rPr lang="en-IN" sz="1200" dirty="0"/>
+              <a:t> Geographical and reference area details.</a:t>
+            </a:r>
+          </a:p>
+          <a:p>
+            <a:pPr marL="285750" indent="-285750">
               <a:buFont typeface="Arial" panose="020B0604020202020204" pitchFamily="34" charset="0"/>
               <a:buChar char="•"/>
             </a:pPr>
             <a:r>
-              <a:rPr lang="en-US" sz="1800" dirty="0">
-                <a:latin typeface="+mn-lt"/>
-                <a:hlinkClick r:id="rId4"/>
-              </a:rPr>
-              <a:t>SDG 7</a:t>
-            </a:r>
-            <a:r>
-              <a:rPr lang="en-US" sz="1800" dirty="0">
-                <a:latin typeface="+mn-lt"/>
-              </a:rPr>
-              <a:t>: </a:t>
-            </a:r>
-            <a:r>
-              <a:rPr lang="en-US" sz="1800" dirty="0">
-                <a:latin typeface="+mn-lt"/>
-                <a:hlinkClick r:id="rId5"/>
-              </a:rPr>
-              <a:t>https://www.iges.or.jp/en/sdgs</a:t>
-            </a:r>
-            <a:endParaRPr lang="en-US" sz="1800" dirty="0">
-              <a:latin typeface="+mn-lt"/>
-            </a:endParaRPr>
-          </a:p>
-          <a:p>
-            <a:pPr marL="228600" indent="-228600">
-              <a:spcAft>
-                <a:spcPts val="800"/>
-              </a:spcAft>
+              <a:rPr lang="en-IN" sz="1200" b="1" dirty="0" err="1"/>
+              <a:t>TimePeriod</a:t>
+            </a:r>
+            <a:r>
+              <a:rPr lang="en-IN" sz="1200" b="1" dirty="0"/>
+              <a:t>, Value:</a:t>
+            </a:r>
+            <a:r>
+              <a:rPr lang="en-IN" sz="1200" dirty="0"/>
+              <a:t> Year of observation and the corresponding electricity access value.</a:t>
+            </a:r>
+          </a:p>
+          <a:p>
+            <a:pPr marL="285750" indent="-285750">
               <a:buFont typeface="Arial" panose="020B0604020202020204" pitchFamily="34" charset="0"/>
               <a:buChar char="•"/>
             </a:pPr>
-            <a:endParaRPr lang="en-US" sz="1800" dirty="0">
-              <a:latin typeface="+mn-lt"/>
-            </a:endParaRPr>
+            <a:r>
+              <a:rPr lang="en-IN" sz="1200" b="1" dirty="0"/>
+              <a:t>Nature, Location, Type :</a:t>
+            </a:r>
+            <a:r>
+              <a:rPr lang="en-IN" sz="1200" dirty="0"/>
+              <a:t> Additional contextual and metadata columns.</a:t>
+            </a:r>
           </a:p>
         </p:txBody>
       </p:sp>
+      <p:pic>
+        <p:nvPicPr>
+          <p:cNvPr id="9" name="Picture 8">
+            <a:extLst>
+              <a:ext uri="{FF2B5EF4-FFF2-40B4-BE49-F238E27FC236}">
+                <a16:creationId xmlns:a16="http://schemas.microsoft.com/office/drawing/2014/main" id="{380D14AC-9359-BA00-600D-24AAF30C18B2}"/>
+              </a:ext>
+            </a:extLst>
+          </p:cNvPr>
+          <p:cNvPicPr>
+            <a:picLocks noChangeAspect="1"/>
+          </p:cNvPicPr>
+          <p:nvPr/>
+        </p:nvPicPr>
+        <p:blipFill>
+          <a:blip r:embed="rId4"/>
+          <a:stretch>
+            <a:fillRect/>
+          </a:stretch>
+        </p:blipFill>
+        <p:spPr>
+          <a:xfrm>
+            <a:off x="597744" y="3429000"/>
+            <a:ext cx="3858163" cy="1657581"/>
+          </a:xfrm>
+          <a:prstGeom prst="rect">
+            <a:avLst/>
+          </a:prstGeom>
+        </p:spPr>
+      </p:pic>
+      <p:pic>
+        <p:nvPicPr>
+          <p:cNvPr id="13" name="Picture 12">
+            <a:extLst>
+              <a:ext uri="{FF2B5EF4-FFF2-40B4-BE49-F238E27FC236}">
+                <a16:creationId xmlns:a16="http://schemas.microsoft.com/office/drawing/2014/main" id="{82248567-A38B-5045-730C-19E416D1D119}"/>
+              </a:ext>
+            </a:extLst>
+          </p:cNvPr>
+          <p:cNvPicPr>
+            <a:picLocks noChangeAspect="1"/>
+          </p:cNvPicPr>
+          <p:nvPr/>
+        </p:nvPicPr>
+        <p:blipFill>
+          <a:blip r:embed="rId5"/>
+          <a:stretch>
+            <a:fillRect/>
+          </a:stretch>
+        </p:blipFill>
+        <p:spPr>
+          <a:xfrm>
+            <a:off x="6236677" y="3429000"/>
+            <a:ext cx="4115886" cy="1657575"/>
+          </a:xfrm>
+          <a:prstGeom prst="rect">
+            <a:avLst/>
+          </a:prstGeom>
+        </p:spPr>
+      </p:pic>
     </p:spTree>
     <p:extLst>
       <p:ext uri="{BB962C8B-B14F-4D97-AF65-F5344CB8AC3E}">
-        <p14:creationId xmlns:p14="http://schemas.microsoft.com/office/powerpoint/2010/main" val="1307925877"/>
+        <p14:creationId xmlns:p14="http://schemas.microsoft.com/office/powerpoint/2010/main" val="2685224367"/>
       </p:ext>
     </p:extLst>
   </p:cSld>
@@ -5454,7 +8653,13 @@
   <p:cSld>
     <p:spTree>
       <p:nvGrpSpPr>
-        <p:cNvPr id="1" name=""/>
+        <p:cNvPr id="1" name="Shape 60">
+          <a:extLst>
+            <a:ext uri="{FF2B5EF4-FFF2-40B4-BE49-F238E27FC236}">
+              <a16:creationId xmlns:a16="http://schemas.microsoft.com/office/drawing/2014/main" id="{5CDE10B9-63E9-C926-E6C5-D9F1D19DB275}"/>
+            </a:ext>
+          </a:extLst>
+        </p:cNvPr>
         <p:cNvGrpSpPr/>
         <p:nvPr/>
       </p:nvGrpSpPr>
@@ -5468,22 +8673,229 @@
       </p:grpSpPr>
       <p:sp>
         <p:nvSpPr>
-          <p:cNvPr id="3" name="Google Shape;61;g5fab984687_2_0">
+          <p:cNvPr id="2" name="TextBox 1">
             <a:extLst>
               <a:ext uri="{FF2B5EF4-FFF2-40B4-BE49-F238E27FC236}">
-                <a16:creationId xmlns:a16="http://schemas.microsoft.com/office/drawing/2014/main" id="{0C30A77F-BE9B-73CB-CC7F-A1F8B5B87AB9}"/>
+                <a16:creationId xmlns:a16="http://schemas.microsoft.com/office/drawing/2014/main" id="{1AD1B7AC-E227-6662-EE3F-282304C9056A}"/>
               </a:ext>
             </a:extLst>
           </p:cNvPr>
-          <p:cNvSpPr txBox="1">
-            <a:spLocks/>
-          </p:cNvSpPr>
+          <p:cNvSpPr txBox="1"/>
           <p:nvPr/>
         </p:nvSpPr>
         <p:spPr>
           <a:xfrm>
-            <a:off x="4315206" y="3214562"/>
-            <a:ext cx="3561588" cy="987048"/>
+            <a:off x="202071" y="972537"/>
+            <a:ext cx="5904091" cy="400110"/>
+          </a:xfrm>
+          <a:prstGeom prst="rect">
+            <a:avLst/>
+          </a:prstGeom>
+          <a:noFill/>
+        </p:spPr>
+        <p:txBody>
+          <a:bodyPr wrap="square">
+            <a:spAutoFit/>
+          </a:bodyPr>
+          <a:lstStyle/>
+          <a:p>
+            <a:pPr marL="0" marR="0" lvl="0" indent="0" algn="l" defTabSz="914400" rtl="0" eaLnBrk="0" fontAlgn="base" latinLnBrk="0" hangingPunct="0">
+              <a:lnSpc>
+                <a:spcPct val="100000"/>
+              </a:lnSpc>
+              <a:spcBef>
+                <a:spcPct val="0"/>
+              </a:spcBef>
+              <a:spcAft>
+                <a:spcPct val="0"/>
+              </a:spcAft>
+              <a:buClrTx/>
+              <a:buSzTx/>
+              <a:tabLst/>
+            </a:pPr>
+            <a:r>
+              <a:rPr kumimoji="0" lang="en-US" altLang="en-US" sz="2000" b="1" i="0" u="none" strike="noStrike" cap="none" normalizeH="0" baseline="0" dirty="0">
+                <a:ln>
+                  <a:noFill/>
+                </a:ln>
+                <a:solidFill>
+                  <a:schemeClr val="tx1"/>
+                </a:solidFill>
+                <a:effectLst/>
+                <a:latin typeface="Arial" panose="020B0604020202020204" pitchFamily="34" charset="0"/>
+              </a:rPr>
+              <a:t>Exploratory Data Analysis (EDA)</a:t>
+            </a:r>
+            <a:endParaRPr lang="en-US" altLang="en-US" sz="2000" dirty="0">
+              <a:solidFill>
+                <a:schemeClr val="tx1"/>
+              </a:solidFill>
+              <a:latin typeface="Arial" panose="020B0604020202020204" pitchFamily="34" charset="0"/>
+            </a:endParaRPr>
+          </a:p>
+        </p:txBody>
+      </p:sp>
+      <p:sp>
+        <p:nvSpPr>
+          <p:cNvPr id="6" name="TextBox 5">
+            <a:extLst>
+              <a:ext uri="{FF2B5EF4-FFF2-40B4-BE49-F238E27FC236}">
+                <a16:creationId xmlns:a16="http://schemas.microsoft.com/office/drawing/2014/main" id="{E4CFD7EF-0466-319B-2D68-FB8B7E5E8BDE}"/>
+              </a:ext>
+            </a:extLst>
+          </p:cNvPr>
+          <p:cNvSpPr txBox="1"/>
+          <p:nvPr/>
+        </p:nvSpPr>
+        <p:spPr>
+          <a:xfrm>
+            <a:off x="199809" y="6135329"/>
+            <a:ext cx="795871" cy="276999"/>
+          </a:xfrm>
+          <a:prstGeom prst="rect">
+            <a:avLst/>
+          </a:prstGeom>
+          <a:noFill/>
+        </p:spPr>
+        <p:txBody>
+          <a:bodyPr wrap="square" rtlCol="0">
+            <a:spAutoFit/>
+          </a:bodyPr>
+          <a:lstStyle/>
+          <a:p>
+            <a:pPr>
+              <a:spcAft>
+                <a:spcPts val="800"/>
+              </a:spcAft>
+            </a:pPr>
+            <a:r>
+              <a:rPr lang="en-IN" sz="1200" b="1" dirty="0">
+                <a:latin typeface="+mn-lt"/>
+              </a:rPr>
+              <a:t>Source : </a:t>
+            </a:r>
+          </a:p>
+        </p:txBody>
+      </p:sp>
+      <p:sp>
+        <p:nvSpPr>
+          <p:cNvPr id="7" name="TextBox 6">
+            <a:extLst>
+              <a:ext uri="{FF2B5EF4-FFF2-40B4-BE49-F238E27FC236}">
+                <a16:creationId xmlns:a16="http://schemas.microsoft.com/office/drawing/2014/main" id="{7B0634FF-5A63-586C-A454-16C479BB247B}"/>
+              </a:ext>
+            </a:extLst>
+          </p:cNvPr>
+          <p:cNvSpPr txBox="1"/>
+          <p:nvPr/>
+        </p:nvSpPr>
+        <p:spPr>
+          <a:xfrm>
+            <a:off x="880529" y="6135329"/>
+            <a:ext cx="1842351" cy="276999"/>
+          </a:xfrm>
+          <a:prstGeom prst="rect">
+            <a:avLst/>
+          </a:prstGeom>
+          <a:noFill/>
+        </p:spPr>
+        <p:txBody>
+          <a:bodyPr wrap="square" rtlCol="0">
+            <a:spAutoFit/>
+          </a:bodyPr>
+          <a:lstStyle/>
+          <a:p>
+            <a:pPr>
+              <a:spcAft>
+                <a:spcPts val="800"/>
+              </a:spcAft>
+            </a:pPr>
+            <a:r>
+              <a:rPr lang="en-IN" sz="1200" dirty="0">
+                <a:solidFill>
+                  <a:srgbClr val="0000FF"/>
+                </a:solidFill>
+                <a:latin typeface="+mn-lt"/>
+                <a:hlinkClick r:id="rId3">
+                  <a:extLst>
+                    <a:ext uri="{A12FA001-AC4F-418D-AE19-62706E023703}">
+                      <ahyp:hlinkClr xmlns:ahyp="http://schemas.microsoft.com/office/drawing/2018/hyperlinkcolor" val="tx"/>
+                    </a:ext>
+                  </a:extLst>
+                </a:hlinkClick>
+              </a:rPr>
+              <a:t>www.freepik.com/</a:t>
+            </a:r>
+            <a:endParaRPr lang="en-IN" sz="1200" dirty="0">
+              <a:solidFill>
+                <a:srgbClr val="0000FF"/>
+              </a:solidFill>
+              <a:latin typeface="+mn-lt"/>
+            </a:endParaRPr>
+          </a:p>
+        </p:txBody>
+      </p:sp>
+      <p:cxnSp>
+        <p:nvCxnSpPr>
+          <p:cNvPr id="12" name="Straight Connector 11">
+            <a:extLst>
+              <a:ext uri="{FF2B5EF4-FFF2-40B4-BE49-F238E27FC236}">
+                <a16:creationId xmlns:a16="http://schemas.microsoft.com/office/drawing/2014/main" id="{D764415A-5F39-3DF3-6ED8-CA7D698E3AAB}"/>
+              </a:ext>
+            </a:extLst>
+          </p:cNvPr>
+          <p:cNvCxnSpPr/>
+          <p:nvPr/>
+        </p:nvCxnSpPr>
+        <p:spPr>
+          <a:xfrm>
+            <a:off x="0" y="6055360"/>
+            <a:ext cx="12192000" cy="0"/>
+          </a:xfrm>
+          <a:prstGeom prst="line">
+            <a:avLst/>
+          </a:prstGeom>
+          <a:ln w="12700">
+            <a:solidFill>
+              <a:schemeClr val="bg1">
+                <a:lumMod val="85000"/>
+              </a:schemeClr>
+            </a:solidFill>
+          </a:ln>
+        </p:spPr>
+        <p:style>
+          <a:lnRef idx="1">
+            <a:schemeClr val="accent1"/>
+          </a:lnRef>
+          <a:fillRef idx="0">
+            <a:schemeClr val="accent1"/>
+          </a:fillRef>
+          <a:effectRef idx="0">
+            <a:schemeClr val="accent1"/>
+          </a:effectRef>
+          <a:fontRef idx="minor">
+            <a:schemeClr val="tx1"/>
+          </a:fontRef>
+        </p:style>
+      </p:cxnSp>
+      <p:sp>
+        <p:nvSpPr>
+          <p:cNvPr id="10" name="Rectangle 5">
+            <a:extLst>
+              <a:ext uri="{FF2B5EF4-FFF2-40B4-BE49-F238E27FC236}">
+                <a16:creationId xmlns:a16="http://schemas.microsoft.com/office/drawing/2014/main" id="{969C5703-71CE-47D9-2339-F8844F5214D3}"/>
+              </a:ext>
+            </a:extLst>
+          </p:cNvPr>
+          <p:cNvSpPr>
+            <a:spLocks noChangeArrowheads="1"/>
+          </p:cNvSpPr>
+          <p:nvPr/>
+        </p:nvSpPr>
+        <p:spPr bwMode="auto">
+          <a:xfrm>
+            <a:off x="139296" y="1452615"/>
+            <a:ext cx="11295505" cy="1200329"/>
           </a:xfrm>
           <a:prstGeom prst="rect">
             <a:avLst/>
@@ -5492,260 +8904,1333 @@
           <a:ln>
             <a:noFill/>
           </a:ln>
+          <a:effectLst/>
+          <a:extLst>
+            <a:ext uri="{909E8E84-426E-40DD-AFC4-6F175D3DCCD1}">
+              <a14:hiddenFill xmlns:a14="http://schemas.microsoft.com/office/drawing/2010/main">
+                <a:solidFill>
+                  <a:schemeClr val="accent1"/>
+                </a:solidFill>
+              </a14:hiddenFill>
+            </a:ext>
+            <a:ext uri="{91240B29-F687-4F45-9708-019B960494DF}">
+              <a14:hiddenLine xmlns:a14="http://schemas.microsoft.com/office/drawing/2010/main" w="9525">
+                <a:solidFill>
+                  <a:schemeClr val="tx1"/>
+                </a:solidFill>
+                <a:miter lim="800000"/>
+                <a:headEnd/>
+                <a:tailEnd/>
+              </a14:hiddenLine>
+            </a:ext>
+            <a:ext uri="{AF507438-7753-43E0-B8FC-AC1667EBCBE1}">
+              <a14:hiddenEffects xmlns:a14="http://schemas.microsoft.com/office/drawing/2010/main">
+                <a:effectLst>
+                  <a:outerShdw dist="35921" dir="2700000" algn="ctr" rotWithShape="0">
+                    <a:schemeClr val="bg2"/>
+                  </a:outerShdw>
+                </a:effectLst>
+              </a14:hiddenEffects>
+            </a:ext>
+          </a:extLst>
         </p:spPr>
         <p:txBody>
-          <a:bodyPr spcFirstLastPara="1" wrap="square" lIns="91425" tIns="91425" rIns="91425" bIns="91425" anchor="t" anchorCtr="0">
-            <a:noAutofit/>
+          <a:bodyPr vert="horz" wrap="square" lIns="91440" tIns="45720" rIns="91440" bIns="45720" numCol="1" anchor="t" anchorCtr="0" compatLnSpc="1">
+            <a:prstTxWarp prst="textNoShape">
+              <a:avLst/>
+            </a:prstTxWarp>
+            <a:spAutoFit/>
           </a:bodyPr>
-          <a:lstStyle>
-            <a:defPPr marR="0" lvl="0" algn="l" rtl="0">
+          <a:lstStyle/>
+          <a:p>
+            <a:pPr marL="0" marR="0" lvl="0" indent="0" algn="l" defTabSz="914400" rtl="0" eaLnBrk="0" fontAlgn="base" latinLnBrk="0" hangingPunct="0">
               <a:lnSpc>
                 <a:spcPct val="100000"/>
               </a:lnSpc>
               <a:spcBef>
-                <a:spcPts val="0"/>
+                <a:spcPct val="0"/>
               </a:spcBef>
               <a:spcAft>
-                <a:spcPts val="0"/>
+                <a:spcPct val="0"/>
               </a:spcAft>
-            </a:defPPr>
-            <a:lvl1pPr marR="0" lvl="0" algn="l" rtl="0">
+              <a:buClrTx/>
+              <a:buSzTx/>
+              <a:tabLst/>
+            </a:pPr>
+            <a:r>
+              <a:rPr lang="en-US" altLang="en-US" sz="1200" b="1" dirty="0" err="1">
+                <a:solidFill>
+                  <a:schemeClr val="tx1"/>
+                </a:solidFill>
+                <a:latin typeface="Arial" panose="020B0604020202020204" pitchFamily="34" charset="0"/>
+              </a:rPr>
+              <a:t>Visualising</a:t>
+            </a:r>
+            <a:r>
+              <a:rPr lang="en-US" altLang="en-US" sz="1200" b="1" dirty="0">
+                <a:solidFill>
+                  <a:schemeClr val="tx1"/>
+                </a:solidFill>
+                <a:latin typeface="Arial" panose="020B0604020202020204" pitchFamily="34" charset="0"/>
+              </a:rPr>
+              <a:t> the data revealed a linear trend in the average percentage of population increase with access to electricity, with most regions having less than 2 million people which currently do not have access to electricity. </a:t>
+            </a:r>
+            <a:r>
+              <a:rPr lang="en-IN" sz="1200" dirty="0"/>
+              <a:t>This insight was crucial to predict which countries would achieve the 95%+ electricity mark on or before 2030.</a:t>
+            </a:r>
+          </a:p>
+          <a:p>
+            <a:pPr marL="0" marR="0" lvl="0" indent="0" algn="l" defTabSz="914400" rtl="0" eaLnBrk="0" fontAlgn="base" latinLnBrk="0" hangingPunct="0">
               <a:lnSpc>
                 <a:spcPct val="100000"/>
               </a:lnSpc>
               <a:spcBef>
-                <a:spcPts val="0"/>
+                <a:spcPct val="0"/>
               </a:spcBef>
               <a:spcAft>
-                <a:spcPts val="0"/>
+                <a:spcPct val="0"/>
               </a:spcAft>
-              <a:buClr>
-                <a:srgbClr val="000000"/>
-              </a:buClr>
-              <a:buFont typeface="Arial"/>
-              <a:defRPr sz="1400" b="0" i="0" u="none" strike="noStrike" cap="none">
-                <a:solidFill>
-                  <a:srgbClr val="000000"/>
-                </a:solidFill>
-                <a:latin typeface="Arial"/>
-                <a:ea typeface="Arial"/>
-                <a:cs typeface="Arial"/>
-                <a:sym typeface="Arial"/>
-              </a:defRPr>
-            </a:lvl1pPr>
-            <a:lvl2pPr marR="0" lvl="1" algn="l" rtl="0">
+              <a:buClrTx/>
+              <a:buSzTx/>
+              <a:tabLst/>
+            </a:pPr>
+            <a:endParaRPr lang="en-IN" sz="1200" dirty="0"/>
+          </a:p>
+          <a:p>
+            <a:pPr marL="285750" indent="-285750">
+              <a:buFont typeface="Arial" panose="020B0604020202020204" pitchFamily="34" charset="0"/>
+              <a:buChar char="•"/>
+            </a:pPr>
+            <a:r>
+              <a:rPr lang="en-US" altLang="en-US" sz="1200" dirty="0">
+                <a:solidFill>
+                  <a:schemeClr val="tx1"/>
+                </a:solidFill>
+                <a:latin typeface="Arial" panose="020B0604020202020204" pitchFamily="34" charset="0"/>
+              </a:rPr>
+              <a:t>The graph on the left displays </a:t>
+            </a:r>
+            <a:r>
+              <a:rPr lang="en-US" altLang="en-US" sz="1200" b="1" dirty="0">
+                <a:solidFill>
+                  <a:schemeClr val="tx1"/>
+                </a:solidFill>
+                <a:latin typeface="Arial" panose="020B0604020202020204" pitchFamily="34" charset="0"/>
+              </a:rPr>
+              <a:t>a linear trend </a:t>
+            </a:r>
+            <a:r>
+              <a:rPr lang="en-US" altLang="en-US" sz="1200" dirty="0">
+                <a:solidFill>
+                  <a:schemeClr val="tx1"/>
+                </a:solidFill>
+                <a:latin typeface="Arial" panose="020B0604020202020204" pitchFamily="34" charset="0"/>
+              </a:rPr>
+              <a:t>in the average percentage of population increase with access to electricity.</a:t>
+            </a:r>
+          </a:p>
+          <a:p>
+            <a:pPr marL="285750" indent="-285750">
+              <a:buFont typeface="Arial" panose="020B0604020202020204" pitchFamily="34" charset="0"/>
+              <a:buChar char="•"/>
+            </a:pPr>
+            <a:r>
+              <a:rPr lang="en-US" sz="1200" dirty="0">
+                <a:solidFill>
+                  <a:schemeClr val="tx1"/>
+                </a:solidFill>
+                <a:latin typeface="Arial" panose="020B0604020202020204" pitchFamily="34" charset="0"/>
+              </a:rPr>
+              <a:t>The right graph shows that </a:t>
+            </a:r>
+            <a:r>
+              <a:rPr lang="en-US" altLang="en-US" sz="1200" b="1" dirty="0">
+                <a:solidFill>
+                  <a:schemeClr val="tx1"/>
+                </a:solidFill>
+                <a:latin typeface="Arial" panose="020B0604020202020204" pitchFamily="34" charset="0"/>
+              </a:rPr>
+              <a:t>most regions have less than 2 million people which currently do not have access to electricity.</a:t>
+            </a:r>
+            <a:endParaRPr lang="en-IN" sz="1200" dirty="0"/>
+          </a:p>
+        </p:txBody>
+      </p:sp>
+      <p:pic>
+        <p:nvPicPr>
+          <p:cNvPr id="15" name="Picture 14" descr="A graph of a number of green and blue dots&#10;&#10;Description automatically generated">
+            <a:extLst>
+              <a:ext uri="{FF2B5EF4-FFF2-40B4-BE49-F238E27FC236}">
+                <a16:creationId xmlns:a16="http://schemas.microsoft.com/office/drawing/2014/main" id="{F2D371E6-1FAF-1FA1-A7D5-5AF6BCCD3E16}"/>
+              </a:ext>
+            </a:extLst>
+          </p:cNvPr>
+          <p:cNvPicPr>
+            <a:picLocks noChangeAspect="1"/>
+          </p:cNvPicPr>
+          <p:nvPr/>
+        </p:nvPicPr>
+        <p:blipFill>
+          <a:blip r:embed="rId4"/>
+          <a:stretch>
+            <a:fillRect/>
+          </a:stretch>
+        </p:blipFill>
+        <p:spPr>
+          <a:xfrm>
+            <a:off x="6085732" y="3120038"/>
+            <a:ext cx="4149970" cy="2468228"/>
+          </a:xfrm>
+          <a:prstGeom prst="rect">
+            <a:avLst/>
+          </a:prstGeom>
+        </p:spPr>
+      </p:pic>
+      <p:pic>
+        <p:nvPicPr>
+          <p:cNvPr id="19" name="Picture 18" descr="A graph with a line&#10;&#10;Description automatically generated">
+            <a:extLst>
+              <a:ext uri="{FF2B5EF4-FFF2-40B4-BE49-F238E27FC236}">
+                <a16:creationId xmlns:a16="http://schemas.microsoft.com/office/drawing/2014/main" id="{3DAED977-6B1C-2F36-B377-2528356B1231}"/>
+              </a:ext>
+            </a:extLst>
+          </p:cNvPr>
+          <p:cNvPicPr>
+            <a:picLocks noChangeAspect="1"/>
+          </p:cNvPicPr>
+          <p:nvPr/>
+        </p:nvPicPr>
+        <p:blipFill>
+          <a:blip r:embed="rId5"/>
+          <a:stretch>
+            <a:fillRect/>
+          </a:stretch>
+        </p:blipFill>
+        <p:spPr>
+          <a:xfrm>
+            <a:off x="880529" y="3120039"/>
+            <a:ext cx="3912157" cy="2468224"/>
+          </a:xfrm>
+          <a:prstGeom prst="rect">
+            <a:avLst/>
+          </a:prstGeom>
+        </p:spPr>
+      </p:pic>
+    </p:spTree>
+    <p:extLst>
+      <p:ext uri="{BB962C8B-B14F-4D97-AF65-F5344CB8AC3E}">
+        <p14:creationId xmlns:p14="http://schemas.microsoft.com/office/powerpoint/2010/main" val="1641258475"/>
+      </p:ext>
+    </p:extLst>
+  </p:cSld>
+  <p:clrMapOvr>
+    <a:masterClrMapping/>
+  </p:clrMapOvr>
+</p:sld>
+</file>
+
+<file path=ppt/slides/slide8.xml><?xml version="1.0" encoding="utf-8"?>
+<p:sld xmlns:a="http://schemas.openxmlformats.org/drawingml/2006/main" xmlns:r="http://schemas.openxmlformats.org/officeDocument/2006/relationships" xmlns:p="http://schemas.openxmlformats.org/presentationml/2006/main">
+  <p:cSld>
+    <p:spTree>
+      <p:nvGrpSpPr>
+        <p:cNvPr id="1" name="Shape 60">
+          <a:extLst>
+            <a:ext uri="{FF2B5EF4-FFF2-40B4-BE49-F238E27FC236}">
+              <a16:creationId xmlns:a16="http://schemas.microsoft.com/office/drawing/2014/main" id="{A3864E54-F104-6EC4-CE8F-8FB521A77070}"/>
+            </a:ext>
+          </a:extLst>
+        </p:cNvPr>
+        <p:cNvGrpSpPr/>
+        <p:nvPr/>
+      </p:nvGrpSpPr>
+      <p:grpSpPr>
+        <a:xfrm>
+          <a:off x="0" y="0"/>
+          <a:ext cx="0" cy="0"/>
+          <a:chOff x="0" y="0"/>
+          <a:chExt cx="0" cy="0"/>
+        </a:xfrm>
+      </p:grpSpPr>
+      <p:sp>
+        <p:nvSpPr>
+          <p:cNvPr id="2" name="TextBox 1">
+            <a:extLst>
+              <a:ext uri="{FF2B5EF4-FFF2-40B4-BE49-F238E27FC236}">
+                <a16:creationId xmlns:a16="http://schemas.microsoft.com/office/drawing/2014/main" id="{53536239-BE53-E16A-79FE-B6556DDC1995}"/>
+              </a:ext>
+            </a:extLst>
+          </p:cNvPr>
+          <p:cNvSpPr txBox="1"/>
+          <p:nvPr/>
+        </p:nvSpPr>
+        <p:spPr>
+          <a:xfrm>
+            <a:off x="202071" y="972537"/>
+            <a:ext cx="5904091" cy="400110"/>
+          </a:xfrm>
+          <a:prstGeom prst="rect">
+            <a:avLst/>
+          </a:prstGeom>
+          <a:noFill/>
+        </p:spPr>
+        <p:txBody>
+          <a:bodyPr wrap="square">
+            <a:spAutoFit/>
+          </a:bodyPr>
+          <a:lstStyle/>
+          <a:p>
+            <a:pPr marL="0" marR="0" lvl="0" indent="0" algn="l" defTabSz="914400" rtl="0" eaLnBrk="0" fontAlgn="base" latinLnBrk="0" hangingPunct="0">
               <a:lnSpc>
                 <a:spcPct val="100000"/>
               </a:lnSpc>
               <a:spcBef>
-                <a:spcPts val="0"/>
+                <a:spcPct val="0"/>
               </a:spcBef>
               <a:spcAft>
-                <a:spcPts val="0"/>
+                <a:spcPct val="0"/>
               </a:spcAft>
-              <a:buClr>
-                <a:srgbClr val="000000"/>
-              </a:buClr>
-              <a:buFont typeface="Arial"/>
-              <a:defRPr sz="1400" b="0" i="0" u="none" strike="noStrike" cap="none">
-                <a:solidFill>
-                  <a:srgbClr val="000000"/>
-                </a:solidFill>
-                <a:latin typeface="Arial"/>
-                <a:ea typeface="Arial"/>
-                <a:cs typeface="Arial"/>
-                <a:sym typeface="Arial"/>
-              </a:defRPr>
-            </a:lvl2pPr>
-            <a:lvl3pPr marR="0" lvl="2" algn="l" rtl="0">
+              <a:buClrTx/>
+              <a:buSzTx/>
+              <a:tabLst/>
+            </a:pPr>
+            <a:r>
+              <a:rPr lang="en-US" altLang="en-US" sz="2000" b="1" dirty="0">
+                <a:solidFill>
+                  <a:schemeClr val="tx1"/>
+                </a:solidFill>
+                <a:latin typeface="Arial" panose="020B0604020202020204" pitchFamily="34" charset="0"/>
+              </a:rPr>
+              <a:t>Model Trend Predictions</a:t>
+            </a:r>
+            <a:endParaRPr lang="en-US" altLang="en-US" sz="2000" dirty="0">
+              <a:solidFill>
+                <a:schemeClr val="tx1"/>
+              </a:solidFill>
+              <a:latin typeface="Arial" panose="020B0604020202020204" pitchFamily="34" charset="0"/>
+            </a:endParaRPr>
+          </a:p>
+        </p:txBody>
+      </p:sp>
+      <p:sp>
+        <p:nvSpPr>
+          <p:cNvPr id="6" name="TextBox 5">
+            <a:extLst>
+              <a:ext uri="{FF2B5EF4-FFF2-40B4-BE49-F238E27FC236}">
+                <a16:creationId xmlns:a16="http://schemas.microsoft.com/office/drawing/2014/main" id="{91C939A9-064A-95A0-0E72-32FC64ADD8FB}"/>
+              </a:ext>
+            </a:extLst>
+          </p:cNvPr>
+          <p:cNvSpPr txBox="1"/>
+          <p:nvPr/>
+        </p:nvSpPr>
+        <p:spPr>
+          <a:xfrm>
+            <a:off x="199809" y="6135329"/>
+            <a:ext cx="795871" cy="276999"/>
+          </a:xfrm>
+          <a:prstGeom prst="rect">
+            <a:avLst/>
+          </a:prstGeom>
+          <a:noFill/>
+        </p:spPr>
+        <p:txBody>
+          <a:bodyPr wrap="square" rtlCol="0">
+            <a:spAutoFit/>
+          </a:bodyPr>
+          <a:lstStyle/>
+          <a:p>
+            <a:pPr>
+              <a:spcAft>
+                <a:spcPts val="800"/>
+              </a:spcAft>
+            </a:pPr>
+            <a:r>
+              <a:rPr lang="en-IN" sz="1200" b="1" dirty="0">
+                <a:latin typeface="+mn-lt"/>
+              </a:rPr>
+              <a:t>Source : </a:t>
+            </a:r>
+          </a:p>
+        </p:txBody>
+      </p:sp>
+      <p:sp>
+        <p:nvSpPr>
+          <p:cNvPr id="7" name="TextBox 6">
+            <a:extLst>
+              <a:ext uri="{FF2B5EF4-FFF2-40B4-BE49-F238E27FC236}">
+                <a16:creationId xmlns:a16="http://schemas.microsoft.com/office/drawing/2014/main" id="{6E67D4EF-5B99-2FB5-536D-E5D6E386B4ED}"/>
+              </a:ext>
+            </a:extLst>
+          </p:cNvPr>
+          <p:cNvSpPr txBox="1"/>
+          <p:nvPr/>
+        </p:nvSpPr>
+        <p:spPr>
+          <a:xfrm>
+            <a:off x="880529" y="6135329"/>
+            <a:ext cx="1842351" cy="276999"/>
+          </a:xfrm>
+          <a:prstGeom prst="rect">
+            <a:avLst/>
+          </a:prstGeom>
+          <a:noFill/>
+        </p:spPr>
+        <p:txBody>
+          <a:bodyPr wrap="square" rtlCol="0">
+            <a:spAutoFit/>
+          </a:bodyPr>
+          <a:lstStyle/>
+          <a:p>
+            <a:pPr>
+              <a:spcAft>
+                <a:spcPts val="800"/>
+              </a:spcAft>
+            </a:pPr>
+            <a:r>
+              <a:rPr lang="en-IN" sz="1200" dirty="0">
+                <a:solidFill>
+                  <a:srgbClr val="0000FF"/>
+                </a:solidFill>
+                <a:latin typeface="+mn-lt"/>
+                <a:hlinkClick r:id="rId3">
+                  <a:extLst>
+                    <a:ext uri="{A12FA001-AC4F-418D-AE19-62706E023703}">
+                      <ahyp:hlinkClr xmlns:ahyp="http://schemas.microsoft.com/office/drawing/2018/hyperlinkcolor" val="tx"/>
+                    </a:ext>
+                  </a:extLst>
+                </a:hlinkClick>
+              </a:rPr>
+              <a:t>www.freepik.com/</a:t>
+            </a:r>
+            <a:endParaRPr lang="en-IN" sz="1200" dirty="0">
+              <a:solidFill>
+                <a:srgbClr val="0000FF"/>
+              </a:solidFill>
+              <a:latin typeface="+mn-lt"/>
+            </a:endParaRPr>
+          </a:p>
+        </p:txBody>
+      </p:sp>
+      <p:cxnSp>
+        <p:nvCxnSpPr>
+          <p:cNvPr id="12" name="Straight Connector 11">
+            <a:extLst>
+              <a:ext uri="{FF2B5EF4-FFF2-40B4-BE49-F238E27FC236}">
+                <a16:creationId xmlns:a16="http://schemas.microsoft.com/office/drawing/2014/main" id="{6AF67760-2D77-0468-28C0-838BC846BBEC}"/>
+              </a:ext>
+            </a:extLst>
+          </p:cNvPr>
+          <p:cNvCxnSpPr/>
+          <p:nvPr/>
+        </p:nvCxnSpPr>
+        <p:spPr>
+          <a:xfrm>
+            <a:off x="0" y="6055360"/>
+            <a:ext cx="12192000" cy="0"/>
+          </a:xfrm>
+          <a:prstGeom prst="line">
+            <a:avLst/>
+          </a:prstGeom>
+          <a:ln w="12700">
+            <a:solidFill>
+              <a:schemeClr val="bg1">
+                <a:lumMod val="85000"/>
+              </a:schemeClr>
+            </a:solidFill>
+          </a:ln>
+        </p:spPr>
+        <p:style>
+          <a:lnRef idx="1">
+            <a:schemeClr val="accent1"/>
+          </a:lnRef>
+          <a:fillRef idx="0">
+            <a:schemeClr val="accent1"/>
+          </a:fillRef>
+          <a:effectRef idx="0">
+            <a:schemeClr val="accent1"/>
+          </a:effectRef>
+          <a:fontRef idx="minor">
+            <a:schemeClr val="tx1"/>
+          </a:fontRef>
+        </p:style>
+      </p:cxnSp>
+      <p:sp>
+        <p:nvSpPr>
+          <p:cNvPr id="10" name="Rectangle 5">
+            <a:extLst>
+              <a:ext uri="{FF2B5EF4-FFF2-40B4-BE49-F238E27FC236}">
+                <a16:creationId xmlns:a16="http://schemas.microsoft.com/office/drawing/2014/main" id="{87D37DEC-C8AF-4C61-0171-3CB417DA5604}"/>
+              </a:ext>
+            </a:extLst>
+          </p:cNvPr>
+          <p:cNvSpPr>
+            <a:spLocks noChangeArrowheads="1"/>
+          </p:cNvSpPr>
+          <p:nvPr/>
+        </p:nvSpPr>
+        <p:spPr bwMode="auto">
+          <a:xfrm>
+            <a:off x="139296" y="1452615"/>
+            <a:ext cx="11295505" cy="1200329"/>
+          </a:xfrm>
+          <a:prstGeom prst="rect">
+            <a:avLst/>
+          </a:prstGeom>
+          <a:noFill/>
+          <a:ln>
+            <a:noFill/>
+          </a:ln>
+          <a:effectLst/>
+          <a:extLst>
+            <a:ext uri="{909E8E84-426E-40DD-AFC4-6F175D3DCCD1}">
+              <a14:hiddenFill xmlns:a14="http://schemas.microsoft.com/office/drawing/2010/main">
+                <a:solidFill>
+                  <a:schemeClr val="accent1"/>
+                </a:solidFill>
+              </a14:hiddenFill>
+            </a:ext>
+            <a:ext uri="{91240B29-F687-4F45-9708-019B960494DF}">
+              <a14:hiddenLine xmlns:a14="http://schemas.microsoft.com/office/drawing/2010/main" w="9525">
+                <a:solidFill>
+                  <a:schemeClr val="tx1"/>
+                </a:solidFill>
+                <a:miter lim="800000"/>
+                <a:headEnd/>
+                <a:tailEnd/>
+              </a14:hiddenLine>
+            </a:ext>
+            <a:ext uri="{AF507438-7753-43E0-B8FC-AC1667EBCBE1}">
+              <a14:hiddenEffects xmlns:a14="http://schemas.microsoft.com/office/drawing/2010/main">
+                <a:effectLst>
+                  <a:outerShdw dist="35921" dir="2700000" algn="ctr" rotWithShape="0">
+                    <a:schemeClr val="bg2"/>
+                  </a:outerShdw>
+                </a:effectLst>
+              </a14:hiddenEffects>
+            </a:ext>
+          </a:extLst>
+        </p:spPr>
+        <p:txBody>
+          <a:bodyPr vert="horz" wrap="square" lIns="91440" tIns="45720" rIns="91440" bIns="45720" numCol="1" anchor="t" anchorCtr="0" compatLnSpc="1">
+            <a:prstTxWarp prst="textNoShape">
+              <a:avLst/>
+            </a:prstTxWarp>
+            <a:spAutoFit/>
+          </a:bodyPr>
+          <a:lstStyle/>
+          <a:p>
+            <a:pPr marL="0" marR="0" lvl="0" indent="0" algn="l" defTabSz="914400" rtl="0" eaLnBrk="0" fontAlgn="base" latinLnBrk="0" hangingPunct="0">
               <a:lnSpc>
                 <a:spcPct val="100000"/>
               </a:lnSpc>
               <a:spcBef>
-                <a:spcPts val="0"/>
+                <a:spcPct val="0"/>
               </a:spcBef>
               <a:spcAft>
-                <a:spcPts val="0"/>
+                <a:spcPct val="0"/>
               </a:spcAft>
-              <a:buClr>
-                <a:srgbClr val="000000"/>
-              </a:buClr>
-              <a:buFont typeface="Arial"/>
-              <a:defRPr sz="1400" b="0" i="0" u="none" strike="noStrike" cap="none">
-                <a:solidFill>
-                  <a:srgbClr val="000000"/>
-                </a:solidFill>
-                <a:latin typeface="Arial"/>
-                <a:ea typeface="Arial"/>
-                <a:cs typeface="Arial"/>
-                <a:sym typeface="Arial"/>
-              </a:defRPr>
-            </a:lvl3pPr>
-            <a:lvl4pPr marR="0" lvl="3" algn="l" rtl="0">
+              <a:buClrTx/>
+              <a:buSzTx/>
+              <a:tabLst/>
+            </a:pPr>
+            <a:r>
+              <a:rPr lang="en-US" altLang="en-US" sz="1200" b="1" dirty="0">
+                <a:solidFill>
+                  <a:schemeClr val="tx1"/>
+                </a:solidFill>
+                <a:latin typeface="Arial" panose="020B0604020202020204" pitchFamily="34" charset="0"/>
+              </a:rPr>
+              <a:t>Formed 3 clusters and visualized each cluster of countries to help identify the model’s training accuracy in learning cluster formation.</a:t>
+            </a:r>
+          </a:p>
+          <a:p>
+            <a:pPr marL="0" marR="0" lvl="0" indent="0" algn="l" defTabSz="914400" rtl="0" eaLnBrk="0" fontAlgn="base" latinLnBrk="0" hangingPunct="0">
               <a:lnSpc>
                 <a:spcPct val="100000"/>
               </a:lnSpc>
               <a:spcBef>
-                <a:spcPts val="0"/>
+                <a:spcPct val="0"/>
               </a:spcBef>
               <a:spcAft>
-                <a:spcPts val="0"/>
+                <a:spcPct val="0"/>
               </a:spcAft>
-              <a:buClr>
-                <a:srgbClr val="000000"/>
-              </a:buClr>
-              <a:buFont typeface="Arial"/>
-              <a:defRPr sz="1400" b="0" i="0" u="none" strike="noStrike" cap="none">
-                <a:solidFill>
-                  <a:srgbClr val="000000"/>
-                </a:solidFill>
-                <a:latin typeface="Arial"/>
-                <a:ea typeface="Arial"/>
-                <a:cs typeface="Arial"/>
-                <a:sym typeface="Arial"/>
-              </a:defRPr>
-            </a:lvl4pPr>
-            <a:lvl5pPr marR="0" lvl="4" algn="l" rtl="0">
+              <a:buClrTx/>
+              <a:buSzTx/>
+              <a:tabLst/>
+            </a:pPr>
+            <a:endParaRPr kumimoji="0" lang="en-US" altLang="en-US" sz="1200" b="1" i="0" u="none" strike="noStrike" cap="none" normalizeH="0" baseline="0" dirty="0">
+              <a:ln>
+                <a:noFill/>
+              </a:ln>
+              <a:solidFill>
+                <a:schemeClr val="tx1"/>
+              </a:solidFill>
+              <a:effectLst/>
+              <a:latin typeface="Arial" panose="020B0604020202020204" pitchFamily="34" charset="0"/>
+            </a:endParaRPr>
+          </a:p>
+          <a:p>
+            <a:pPr marL="171450" marR="0" lvl="0" indent="-171450" algn="l" defTabSz="914400" rtl="0" eaLnBrk="0" fontAlgn="base" latinLnBrk="0" hangingPunct="0">
               <a:lnSpc>
                 <a:spcPct val="100000"/>
               </a:lnSpc>
               <a:spcBef>
-                <a:spcPts val="0"/>
+                <a:spcPct val="0"/>
               </a:spcBef>
               <a:spcAft>
-                <a:spcPts val="0"/>
+                <a:spcPct val="0"/>
               </a:spcAft>
-              <a:buClr>
-                <a:srgbClr val="000000"/>
-              </a:buClr>
-              <a:buFont typeface="Arial"/>
-              <a:defRPr sz="1400" b="0" i="0" u="none" strike="noStrike" cap="none">
-                <a:solidFill>
-                  <a:srgbClr val="000000"/>
-                </a:solidFill>
-                <a:latin typeface="Arial"/>
-                <a:ea typeface="Arial"/>
-                <a:cs typeface="Arial"/>
-                <a:sym typeface="Arial"/>
-              </a:defRPr>
-            </a:lvl5pPr>
-            <a:lvl6pPr marR="0" lvl="5" algn="l" rtl="0">
+              <a:buClrTx/>
+              <a:buSzTx/>
+              <a:buFont typeface="Arial" panose="020B0604020202020204" pitchFamily="34" charset="0"/>
+              <a:buChar char="•"/>
+              <a:tabLst/>
+            </a:pPr>
+            <a:r>
+              <a:rPr lang="en-US" altLang="en-US" sz="1200" b="1" dirty="0">
+                <a:solidFill>
+                  <a:schemeClr val="tx1"/>
+                </a:solidFill>
+                <a:latin typeface="Arial" panose="020B0604020202020204" pitchFamily="34" charset="0"/>
+              </a:rPr>
+              <a:t>Left Graph: </a:t>
+            </a:r>
+            <a:r>
+              <a:rPr lang="en-US" altLang="en-US" sz="1200" dirty="0">
+                <a:solidFill>
+                  <a:schemeClr val="tx1"/>
+                </a:solidFill>
+                <a:latin typeface="Arial" panose="020B0604020202020204" pitchFamily="34" charset="0"/>
+              </a:rPr>
+              <a:t>PCA Component Analysis of Cluster Visualization for a particular year (here, 2005)</a:t>
+            </a:r>
+            <a:endParaRPr lang="en-US" altLang="en-US" sz="1200" b="1" dirty="0">
+              <a:solidFill>
+                <a:schemeClr val="tx1"/>
+              </a:solidFill>
+              <a:latin typeface="Arial" panose="020B0604020202020204" pitchFamily="34" charset="0"/>
+            </a:endParaRPr>
+          </a:p>
+          <a:p>
+            <a:pPr marL="171450" marR="0" lvl="0" indent="-171450" algn="l" defTabSz="914400" rtl="0" eaLnBrk="0" fontAlgn="base" latinLnBrk="0" hangingPunct="0">
               <a:lnSpc>
                 <a:spcPct val="100000"/>
               </a:lnSpc>
               <a:spcBef>
-                <a:spcPts val="0"/>
+                <a:spcPct val="0"/>
               </a:spcBef>
               <a:spcAft>
-                <a:spcPts val="0"/>
+                <a:spcPct val="0"/>
               </a:spcAft>
-              <a:buClr>
-                <a:srgbClr val="000000"/>
-              </a:buClr>
-              <a:buFont typeface="Arial"/>
-              <a:defRPr sz="1400" b="0" i="0" u="none" strike="noStrike" cap="none">
-                <a:solidFill>
-                  <a:srgbClr val="000000"/>
-                </a:solidFill>
-                <a:latin typeface="Arial"/>
-                <a:ea typeface="Arial"/>
-                <a:cs typeface="Arial"/>
-                <a:sym typeface="Arial"/>
-              </a:defRPr>
-            </a:lvl6pPr>
-            <a:lvl7pPr marR="0" lvl="6" algn="l" rtl="0">
+              <a:buClrTx/>
+              <a:buSzTx/>
+              <a:buFont typeface="Arial" panose="020B0604020202020204" pitchFamily="34" charset="0"/>
+              <a:buChar char="•"/>
+              <a:tabLst/>
+            </a:pPr>
+            <a:r>
+              <a:rPr kumimoji="0" lang="en-US" altLang="en-US" sz="1200" b="1" i="0" u="none" strike="noStrike" cap="none" normalizeH="0" baseline="0" dirty="0">
+                <a:ln>
+                  <a:noFill/>
+                </a:ln>
+                <a:solidFill>
+                  <a:schemeClr val="tx1"/>
+                </a:solidFill>
+                <a:effectLst/>
+                <a:latin typeface="Arial" panose="020B0604020202020204" pitchFamily="34" charset="0"/>
+              </a:rPr>
+              <a:t>Right Graph: </a:t>
+            </a:r>
+            <a:r>
+              <a:rPr kumimoji="0" lang="en-US" altLang="en-US" sz="1200" i="0" u="none" strike="noStrike" cap="none" normalizeH="0" baseline="0" dirty="0">
+                <a:ln>
+                  <a:noFill/>
+                </a:ln>
+                <a:solidFill>
+                  <a:schemeClr val="tx1"/>
+                </a:solidFill>
+                <a:effectLst/>
+                <a:latin typeface="Arial" panose="020B0604020202020204" pitchFamily="34" charset="0"/>
+              </a:rPr>
+              <a:t>Cluster of countries displaying countries as data points belonging to one of three clusters.</a:t>
+            </a:r>
+            <a:endParaRPr kumimoji="0" lang="sv-SE" altLang="en-US" sz="1200" b="1" i="0" u="none" strike="noStrike" cap="none" normalizeH="0" baseline="0" dirty="0">
+              <a:ln>
+                <a:noFill/>
+              </a:ln>
+              <a:solidFill>
+                <a:schemeClr val="tx1"/>
+              </a:solidFill>
+              <a:effectLst/>
+              <a:latin typeface="+mn-lt"/>
+            </a:endParaRPr>
+          </a:p>
+          <a:p>
+            <a:pPr marL="0" marR="0" lvl="0" indent="0" algn="l" defTabSz="914400" rtl="0" eaLnBrk="0" fontAlgn="base" latinLnBrk="0" hangingPunct="0">
               <a:lnSpc>
                 <a:spcPct val="100000"/>
               </a:lnSpc>
               <a:spcBef>
-                <a:spcPts val="0"/>
+                <a:spcPct val="0"/>
               </a:spcBef>
               <a:spcAft>
-                <a:spcPts val="0"/>
+                <a:spcPct val="0"/>
               </a:spcAft>
-              <a:buClr>
-                <a:srgbClr val="000000"/>
-              </a:buClr>
-              <a:buFont typeface="Arial"/>
-              <a:defRPr sz="1400" b="0" i="0" u="none" strike="noStrike" cap="none">
-                <a:solidFill>
-                  <a:srgbClr val="000000"/>
-                </a:solidFill>
-                <a:latin typeface="Arial"/>
-                <a:ea typeface="Arial"/>
-                <a:cs typeface="Arial"/>
-                <a:sym typeface="Arial"/>
-              </a:defRPr>
-            </a:lvl7pPr>
-            <a:lvl8pPr marR="0" lvl="7" algn="l" rtl="0">
+              <a:buClrTx/>
+              <a:buSzTx/>
+              <a:tabLst/>
+            </a:pPr>
+            <a:endParaRPr lang="sv-SE" sz="1200" b="1" dirty="0">
+              <a:solidFill>
+                <a:schemeClr val="tx1"/>
+              </a:solidFill>
+              <a:latin typeface="+mn-lt"/>
+            </a:endParaRPr>
+          </a:p>
+          <a:p>
+            <a:pPr marL="171450" marR="0" lvl="0" indent="-171450" algn="l" defTabSz="914400" rtl="0" eaLnBrk="0" fontAlgn="base" latinLnBrk="0" hangingPunct="0">
               <a:lnSpc>
                 <a:spcPct val="100000"/>
               </a:lnSpc>
               <a:spcBef>
-                <a:spcPts val="0"/>
+                <a:spcPct val="0"/>
               </a:spcBef>
               <a:spcAft>
-                <a:spcPts val="0"/>
+                <a:spcPct val="0"/>
               </a:spcAft>
-              <a:buClr>
-                <a:srgbClr val="000000"/>
-              </a:buClr>
-              <a:buFont typeface="Arial"/>
-              <a:defRPr sz="1400" b="0" i="0" u="none" strike="noStrike" cap="none">
-                <a:solidFill>
-                  <a:srgbClr val="000000"/>
-                </a:solidFill>
-                <a:latin typeface="Arial"/>
-                <a:ea typeface="Arial"/>
-                <a:cs typeface="Arial"/>
-                <a:sym typeface="Arial"/>
-              </a:defRPr>
-            </a:lvl8pPr>
-            <a:lvl9pPr marR="0" lvl="8" algn="l" rtl="0">
+              <a:buClrTx/>
+              <a:buSzTx/>
+              <a:buFont typeface="Arial" panose="020B0604020202020204" pitchFamily="34" charset="0"/>
+              <a:buChar char="•"/>
+              <a:tabLst/>
+            </a:pPr>
+            <a:endParaRPr lang="sv-SE" sz="1200" dirty="0">
+              <a:latin typeface="+mn-lt"/>
+            </a:endParaRPr>
+          </a:p>
+        </p:txBody>
+      </p:sp>
+      <p:pic>
+        <p:nvPicPr>
+          <p:cNvPr id="4" name="Picture 3" descr="A diagram of a cluster of dots&#10;&#10;Description automatically generated">
+            <a:extLst>
+              <a:ext uri="{FF2B5EF4-FFF2-40B4-BE49-F238E27FC236}">
+                <a16:creationId xmlns:a16="http://schemas.microsoft.com/office/drawing/2014/main" id="{2CB63DBD-DAE4-9024-A7BD-0716DC75CB0D}"/>
+              </a:ext>
+            </a:extLst>
+          </p:cNvPr>
+          <p:cNvPicPr>
+            <a:picLocks noChangeAspect="1"/>
+          </p:cNvPicPr>
+          <p:nvPr/>
+        </p:nvPicPr>
+        <p:blipFill>
+          <a:blip r:embed="rId4"/>
+          <a:stretch>
+            <a:fillRect/>
+          </a:stretch>
+        </p:blipFill>
+        <p:spPr>
+          <a:xfrm>
+            <a:off x="1355566" y="2652944"/>
+            <a:ext cx="3597100" cy="2876416"/>
+          </a:xfrm>
+          <a:prstGeom prst="rect">
+            <a:avLst/>
+          </a:prstGeom>
+        </p:spPr>
+      </p:pic>
+      <p:pic>
+        <p:nvPicPr>
+          <p:cNvPr id="8" name="Picture 7" descr="A chart with many different colored dots&#10;&#10;Description automatically generated">
+            <a:extLst>
+              <a:ext uri="{FF2B5EF4-FFF2-40B4-BE49-F238E27FC236}">
+                <a16:creationId xmlns:a16="http://schemas.microsoft.com/office/drawing/2014/main" id="{950BB508-F9E9-85C6-862A-6AA1CE032884}"/>
+              </a:ext>
+            </a:extLst>
+          </p:cNvPr>
+          <p:cNvPicPr>
+            <a:picLocks noChangeAspect="1"/>
+          </p:cNvPicPr>
+          <p:nvPr/>
+        </p:nvPicPr>
+        <p:blipFill>
+          <a:blip r:embed="rId5"/>
+          <a:stretch>
+            <a:fillRect/>
+          </a:stretch>
+        </p:blipFill>
+        <p:spPr>
+          <a:xfrm>
+            <a:off x="5876968" y="2652944"/>
+            <a:ext cx="4118037" cy="2876417"/>
+          </a:xfrm>
+          <a:prstGeom prst="rect">
+            <a:avLst/>
+          </a:prstGeom>
+        </p:spPr>
+      </p:pic>
+    </p:spTree>
+    <p:extLst>
+      <p:ext uri="{BB962C8B-B14F-4D97-AF65-F5344CB8AC3E}">
+        <p14:creationId xmlns:p14="http://schemas.microsoft.com/office/powerpoint/2010/main" val="2087138240"/>
+      </p:ext>
+    </p:extLst>
+  </p:cSld>
+  <p:clrMapOvr>
+    <a:masterClrMapping/>
+  </p:clrMapOvr>
+</p:sld>
+</file>
+
+<file path=ppt/slides/slide9.xml><?xml version="1.0" encoding="utf-8"?>
+<p:sld xmlns:a="http://schemas.openxmlformats.org/drawingml/2006/main" xmlns:r="http://schemas.openxmlformats.org/officeDocument/2006/relationships" xmlns:p="http://schemas.openxmlformats.org/presentationml/2006/main">
+  <p:cSld>
+    <p:spTree>
+      <p:nvGrpSpPr>
+        <p:cNvPr id="1" name="Shape 60">
+          <a:extLst>
+            <a:ext uri="{FF2B5EF4-FFF2-40B4-BE49-F238E27FC236}">
+              <a16:creationId xmlns:a16="http://schemas.microsoft.com/office/drawing/2014/main" id="{9A998AF1-2DE5-74CE-A0BC-CE18E1C690D8}"/>
+            </a:ext>
+          </a:extLst>
+        </p:cNvPr>
+        <p:cNvGrpSpPr/>
+        <p:nvPr/>
+      </p:nvGrpSpPr>
+      <p:grpSpPr>
+        <a:xfrm>
+          <a:off x="0" y="0"/>
+          <a:ext cx="0" cy="0"/>
+          <a:chOff x="0" y="0"/>
+          <a:chExt cx="0" cy="0"/>
+        </a:xfrm>
+      </p:grpSpPr>
+      <p:sp>
+        <p:nvSpPr>
+          <p:cNvPr id="2" name="TextBox 1">
+            <a:extLst>
+              <a:ext uri="{FF2B5EF4-FFF2-40B4-BE49-F238E27FC236}">
+                <a16:creationId xmlns:a16="http://schemas.microsoft.com/office/drawing/2014/main" id="{42D2860B-F6F6-EFB1-92AE-27F641E5E5E6}"/>
+              </a:ext>
+            </a:extLst>
+          </p:cNvPr>
+          <p:cNvSpPr txBox="1"/>
+          <p:nvPr/>
+        </p:nvSpPr>
+        <p:spPr>
+          <a:xfrm>
+            <a:off x="202071" y="972537"/>
+            <a:ext cx="5904091" cy="400110"/>
+          </a:xfrm>
+          <a:prstGeom prst="rect">
+            <a:avLst/>
+          </a:prstGeom>
+          <a:noFill/>
+        </p:spPr>
+        <p:txBody>
+          <a:bodyPr wrap="square">
+            <a:spAutoFit/>
+          </a:bodyPr>
+          <a:lstStyle/>
+          <a:p>
+            <a:pPr marL="0" marR="0" lvl="0" indent="0" algn="l" defTabSz="914400" rtl="0" eaLnBrk="0" fontAlgn="base" latinLnBrk="0" hangingPunct="0">
               <a:lnSpc>
                 <a:spcPct val="100000"/>
               </a:lnSpc>
               <a:spcBef>
-                <a:spcPts val="0"/>
+                <a:spcPct val="0"/>
               </a:spcBef>
               <a:spcAft>
-                <a:spcPts val="0"/>
+                <a:spcPct val="0"/>
               </a:spcAft>
-              <a:buClr>
-                <a:srgbClr val="000000"/>
-              </a:buClr>
-              <a:buFont typeface="Arial"/>
-              <a:defRPr sz="1400" b="0" i="0" u="none" strike="noStrike" cap="none">
-                <a:solidFill>
-                  <a:srgbClr val="000000"/>
-                </a:solidFill>
-                <a:latin typeface="Arial"/>
-                <a:ea typeface="Arial"/>
-                <a:cs typeface="Arial"/>
-                <a:sym typeface="Arial"/>
-              </a:defRPr>
-            </a:lvl9pPr>
-          </a:lstStyle>
-          <a:p>
-            <a:pPr>
-              <a:buSzPts val="2800"/>
-            </a:pPr>
-            <a:r>
-              <a:rPr lang="en-US" sz="5000" b="1" dirty="0">
-                <a:solidFill>
-                  <a:srgbClr val="213163"/>
-                </a:solidFill>
-              </a:rPr>
-              <a:t>Thank You</a:t>
-            </a:r>
-            <a:endParaRPr lang="en-US" sz="5000" dirty="0"/>
+              <a:buClrTx/>
+              <a:buSzTx/>
+              <a:tabLst/>
+            </a:pPr>
+            <a:r>
+              <a:rPr lang="en-US" altLang="en-US" sz="2000" b="1" dirty="0">
+                <a:solidFill>
+                  <a:schemeClr val="tx1"/>
+                </a:solidFill>
+                <a:latin typeface="Arial" panose="020B0604020202020204" pitchFamily="34" charset="0"/>
+              </a:rPr>
+              <a:t>Trend Analysis grouped by Cluster</a:t>
+            </a:r>
+            <a:endParaRPr lang="en-US" altLang="en-US" sz="2000" dirty="0">
+              <a:solidFill>
+                <a:schemeClr val="tx1"/>
+              </a:solidFill>
+              <a:latin typeface="Arial" panose="020B0604020202020204" pitchFamily="34" charset="0"/>
+            </a:endParaRPr>
           </a:p>
         </p:txBody>
       </p:sp>
+      <p:sp>
+        <p:nvSpPr>
+          <p:cNvPr id="6" name="TextBox 5">
+            <a:extLst>
+              <a:ext uri="{FF2B5EF4-FFF2-40B4-BE49-F238E27FC236}">
+                <a16:creationId xmlns:a16="http://schemas.microsoft.com/office/drawing/2014/main" id="{B2BC4BFB-60B0-9F56-C956-C2F424ACA406}"/>
+              </a:ext>
+            </a:extLst>
+          </p:cNvPr>
+          <p:cNvSpPr txBox="1"/>
+          <p:nvPr/>
+        </p:nvSpPr>
+        <p:spPr>
+          <a:xfrm>
+            <a:off x="199809" y="6135329"/>
+            <a:ext cx="795871" cy="276999"/>
+          </a:xfrm>
+          <a:prstGeom prst="rect">
+            <a:avLst/>
+          </a:prstGeom>
+          <a:noFill/>
+        </p:spPr>
+        <p:txBody>
+          <a:bodyPr wrap="square" rtlCol="0">
+            <a:spAutoFit/>
+          </a:bodyPr>
+          <a:lstStyle/>
+          <a:p>
+            <a:pPr>
+              <a:spcAft>
+                <a:spcPts val="800"/>
+              </a:spcAft>
+            </a:pPr>
+            <a:r>
+              <a:rPr lang="en-IN" sz="1200" b="1" dirty="0">
+                <a:latin typeface="+mn-lt"/>
+              </a:rPr>
+              <a:t>Source : </a:t>
+            </a:r>
+          </a:p>
+        </p:txBody>
+      </p:sp>
+      <p:sp>
+        <p:nvSpPr>
+          <p:cNvPr id="7" name="TextBox 6">
+            <a:extLst>
+              <a:ext uri="{FF2B5EF4-FFF2-40B4-BE49-F238E27FC236}">
+                <a16:creationId xmlns:a16="http://schemas.microsoft.com/office/drawing/2014/main" id="{9400559C-9FB2-7D71-EA99-2569E79C98FB}"/>
+              </a:ext>
+            </a:extLst>
+          </p:cNvPr>
+          <p:cNvSpPr txBox="1"/>
+          <p:nvPr/>
+        </p:nvSpPr>
+        <p:spPr>
+          <a:xfrm>
+            <a:off x="880529" y="6135329"/>
+            <a:ext cx="1842351" cy="276999"/>
+          </a:xfrm>
+          <a:prstGeom prst="rect">
+            <a:avLst/>
+          </a:prstGeom>
+          <a:noFill/>
+        </p:spPr>
+        <p:txBody>
+          <a:bodyPr wrap="square" rtlCol="0">
+            <a:spAutoFit/>
+          </a:bodyPr>
+          <a:lstStyle/>
+          <a:p>
+            <a:pPr>
+              <a:spcAft>
+                <a:spcPts val="800"/>
+              </a:spcAft>
+            </a:pPr>
+            <a:r>
+              <a:rPr lang="en-IN" sz="1200" dirty="0">
+                <a:solidFill>
+                  <a:srgbClr val="0000FF"/>
+                </a:solidFill>
+                <a:latin typeface="+mn-lt"/>
+                <a:hlinkClick r:id="rId3">
+                  <a:extLst>
+                    <a:ext uri="{A12FA001-AC4F-418D-AE19-62706E023703}">
+                      <ahyp:hlinkClr xmlns:ahyp="http://schemas.microsoft.com/office/drawing/2018/hyperlinkcolor" val="tx"/>
+                    </a:ext>
+                  </a:extLst>
+                </a:hlinkClick>
+              </a:rPr>
+              <a:t>www.freepik.com/</a:t>
+            </a:r>
+            <a:endParaRPr lang="en-IN" sz="1200" dirty="0">
+              <a:solidFill>
+                <a:srgbClr val="0000FF"/>
+              </a:solidFill>
+              <a:latin typeface="+mn-lt"/>
+            </a:endParaRPr>
+          </a:p>
+        </p:txBody>
+      </p:sp>
+      <p:cxnSp>
+        <p:nvCxnSpPr>
+          <p:cNvPr id="12" name="Straight Connector 11">
+            <a:extLst>
+              <a:ext uri="{FF2B5EF4-FFF2-40B4-BE49-F238E27FC236}">
+                <a16:creationId xmlns:a16="http://schemas.microsoft.com/office/drawing/2014/main" id="{81BB3610-56E8-B407-E515-D3CD499AF4A6}"/>
+              </a:ext>
+            </a:extLst>
+          </p:cNvPr>
+          <p:cNvCxnSpPr/>
+          <p:nvPr/>
+        </p:nvCxnSpPr>
+        <p:spPr>
+          <a:xfrm>
+            <a:off x="0" y="6055360"/>
+            <a:ext cx="12192000" cy="0"/>
+          </a:xfrm>
+          <a:prstGeom prst="line">
+            <a:avLst/>
+          </a:prstGeom>
+          <a:ln w="12700">
+            <a:solidFill>
+              <a:schemeClr val="bg1">
+                <a:lumMod val="85000"/>
+              </a:schemeClr>
+            </a:solidFill>
+          </a:ln>
+        </p:spPr>
+        <p:style>
+          <a:lnRef idx="1">
+            <a:schemeClr val="accent1"/>
+          </a:lnRef>
+          <a:fillRef idx="0">
+            <a:schemeClr val="accent1"/>
+          </a:fillRef>
+          <a:effectRef idx="0">
+            <a:schemeClr val="accent1"/>
+          </a:effectRef>
+          <a:fontRef idx="minor">
+            <a:schemeClr val="tx1"/>
+          </a:fontRef>
+        </p:style>
+      </p:cxnSp>
+      <p:sp>
+        <p:nvSpPr>
+          <p:cNvPr id="10" name="Rectangle 5">
+            <a:extLst>
+              <a:ext uri="{FF2B5EF4-FFF2-40B4-BE49-F238E27FC236}">
+                <a16:creationId xmlns:a16="http://schemas.microsoft.com/office/drawing/2014/main" id="{5B97C7A6-888C-E74A-9E97-B66CDDB77326}"/>
+              </a:ext>
+            </a:extLst>
+          </p:cNvPr>
+          <p:cNvSpPr>
+            <a:spLocks noChangeArrowheads="1"/>
+          </p:cNvSpPr>
+          <p:nvPr/>
+        </p:nvSpPr>
+        <p:spPr bwMode="auto">
+          <a:xfrm>
+            <a:off x="139296" y="1452615"/>
+            <a:ext cx="11295505" cy="1200329"/>
+          </a:xfrm>
+          <a:prstGeom prst="rect">
+            <a:avLst/>
+          </a:prstGeom>
+          <a:noFill/>
+          <a:ln>
+            <a:noFill/>
+          </a:ln>
+          <a:effectLst/>
+          <a:extLst>
+            <a:ext uri="{909E8E84-426E-40DD-AFC4-6F175D3DCCD1}">
+              <a14:hiddenFill xmlns:a14="http://schemas.microsoft.com/office/drawing/2010/main">
+                <a:solidFill>
+                  <a:schemeClr val="accent1"/>
+                </a:solidFill>
+              </a14:hiddenFill>
+            </a:ext>
+            <a:ext uri="{91240B29-F687-4F45-9708-019B960494DF}">
+              <a14:hiddenLine xmlns:a14="http://schemas.microsoft.com/office/drawing/2010/main" w="9525">
+                <a:solidFill>
+                  <a:schemeClr val="tx1"/>
+                </a:solidFill>
+                <a:miter lim="800000"/>
+                <a:headEnd/>
+                <a:tailEnd/>
+              </a14:hiddenLine>
+            </a:ext>
+            <a:ext uri="{AF507438-7753-43E0-B8FC-AC1667EBCBE1}">
+              <a14:hiddenEffects xmlns:a14="http://schemas.microsoft.com/office/drawing/2010/main">
+                <a:effectLst>
+                  <a:outerShdw dist="35921" dir="2700000" algn="ctr" rotWithShape="0">
+                    <a:schemeClr val="bg2"/>
+                  </a:outerShdw>
+                </a:effectLst>
+              </a14:hiddenEffects>
+            </a:ext>
+          </a:extLst>
+        </p:spPr>
+        <p:txBody>
+          <a:bodyPr vert="horz" wrap="square" lIns="91440" tIns="45720" rIns="91440" bIns="45720" numCol="1" anchor="t" anchorCtr="0" compatLnSpc="1">
+            <a:prstTxWarp prst="textNoShape">
+              <a:avLst/>
+            </a:prstTxWarp>
+            <a:spAutoFit/>
+          </a:bodyPr>
+          <a:lstStyle/>
+          <a:p>
+            <a:pPr marL="0" marR="0" lvl="0" indent="0" algn="l" defTabSz="914400" rtl="0" eaLnBrk="0" fontAlgn="base" latinLnBrk="0" hangingPunct="0">
+              <a:lnSpc>
+                <a:spcPct val="100000"/>
+              </a:lnSpc>
+              <a:spcBef>
+                <a:spcPct val="0"/>
+              </a:spcBef>
+              <a:spcAft>
+                <a:spcPct val="0"/>
+              </a:spcAft>
+              <a:buClrTx/>
+              <a:buSzTx/>
+              <a:tabLst/>
+            </a:pPr>
+            <a:r>
+              <a:rPr lang="en-US" altLang="en-US" sz="1200" b="1" dirty="0">
+                <a:solidFill>
+                  <a:schemeClr val="tx1"/>
+                </a:solidFill>
+                <a:latin typeface="Arial" panose="020B0604020202020204" pitchFamily="34" charset="0"/>
+              </a:rPr>
+              <a:t>Formed 3 clusters and analyzed the trends of each cluster of countries to help identify those which will achieve 95%+ access to electricity by 2030.</a:t>
+            </a:r>
+          </a:p>
+          <a:p>
+            <a:pPr marL="0" marR="0" lvl="0" indent="0" algn="l" defTabSz="914400" rtl="0" eaLnBrk="0" fontAlgn="base" latinLnBrk="0" hangingPunct="0">
+              <a:lnSpc>
+                <a:spcPct val="100000"/>
+              </a:lnSpc>
+              <a:spcBef>
+                <a:spcPct val="0"/>
+              </a:spcBef>
+              <a:spcAft>
+                <a:spcPct val="0"/>
+              </a:spcAft>
+              <a:buClrTx/>
+              <a:buSzTx/>
+              <a:tabLst/>
+            </a:pPr>
+            <a:endParaRPr kumimoji="0" lang="en-US" altLang="en-US" sz="1200" b="1" i="0" u="none" strike="noStrike" cap="none" normalizeH="0" baseline="0" dirty="0">
+              <a:ln>
+                <a:noFill/>
+              </a:ln>
+              <a:solidFill>
+                <a:schemeClr val="tx1"/>
+              </a:solidFill>
+              <a:effectLst/>
+              <a:latin typeface="Arial" panose="020B0604020202020204" pitchFamily="34" charset="0"/>
+            </a:endParaRPr>
+          </a:p>
+          <a:p>
+            <a:pPr marL="171450" marR="0" lvl="0" indent="-171450" algn="l" defTabSz="914400" rtl="0" eaLnBrk="0" fontAlgn="base" latinLnBrk="0" hangingPunct="0">
+              <a:lnSpc>
+                <a:spcPct val="100000"/>
+              </a:lnSpc>
+              <a:spcBef>
+                <a:spcPct val="0"/>
+              </a:spcBef>
+              <a:spcAft>
+                <a:spcPct val="0"/>
+              </a:spcAft>
+              <a:buClrTx/>
+              <a:buSzTx/>
+              <a:buFont typeface="Arial" panose="020B0604020202020204" pitchFamily="34" charset="0"/>
+              <a:buChar char="•"/>
+              <a:tabLst/>
+            </a:pPr>
+            <a:r>
+              <a:rPr lang="en-US" altLang="en-US" sz="1200" b="1" dirty="0">
+                <a:solidFill>
+                  <a:schemeClr val="tx1"/>
+                </a:solidFill>
+                <a:latin typeface="Arial" panose="020B0604020202020204" pitchFamily="34" charset="0"/>
+              </a:rPr>
+              <a:t>Left Graph: </a:t>
+            </a:r>
+            <a:r>
+              <a:rPr lang="en-US" altLang="en-US" sz="1200" dirty="0">
+                <a:solidFill>
+                  <a:schemeClr val="tx1"/>
+                </a:solidFill>
+                <a:latin typeface="Arial" panose="020B0604020202020204" pitchFamily="34" charset="0"/>
+              </a:rPr>
+              <a:t>Line graph of the average access to electricity of people belonging to a cluster of a country.</a:t>
+            </a:r>
+            <a:endParaRPr lang="en-US" altLang="en-US" sz="1200" b="1" dirty="0">
+              <a:solidFill>
+                <a:schemeClr val="tx1"/>
+              </a:solidFill>
+              <a:latin typeface="Arial" panose="020B0604020202020204" pitchFamily="34" charset="0"/>
+            </a:endParaRPr>
+          </a:p>
+          <a:p>
+            <a:pPr marL="171450" marR="0" lvl="0" indent="-171450" algn="l" defTabSz="914400" rtl="0" eaLnBrk="0" fontAlgn="base" latinLnBrk="0" hangingPunct="0">
+              <a:lnSpc>
+                <a:spcPct val="100000"/>
+              </a:lnSpc>
+              <a:spcBef>
+                <a:spcPct val="0"/>
+              </a:spcBef>
+              <a:spcAft>
+                <a:spcPct val="0"/>
+              </a:spcAft>
+              <a:buClrTx/>
+              <a:buSzTx/>
+              <a:buFont typeface="Arial" panose="020B0604020202020204" pitchFamily="34" charset="0"/>
+              <a:buChar char="•"/>
+              <a:tabLst/>
+            </a:pPr>
+            <a:r>
+              <a:rPr kumimoji="0" lang="en-US" altLang="en-US" sz="1200" b="1" i="0" u="none" strike="noStrike" cap="none" normalizeH="0" baseline="0" dirty="0">
+                <a:ln>
+                  <a:noFill/>
+                </a:ln>
+                <a:solidFill>
+                  <a:schemeClr val="tx1"/>
+                </a:solidFill>
+                <a:effectLst/>
+                <a:latin typeface="Arial" panose="020B0604020202020204" pitchFamily="34" charset="0"/>
+              </a:rPr>
+              <a:t>Right Graph: </a:t>
+            </a:r>
+            <a:r>
+              <a:rPr kumimoji="0" lang="en-US" altLang="en-US" sz="1200" i="0" u="none" strike="noStrike" cap="none" normalizeH="0" baseline="0" dirty="0">
+                <a:ln>
+                  <a:noFill/>
+                </a:ln>
+                <a:solidFill>
+                  <a:schemeClr val="tx1"/>
+                </a:solidFill>
+                <a:effectLst/>
+                <a:latin typeface="Arial" panose="020B0604020202020204" pitchFamily="34" charset="0"/>
+              </a:rPr>
+              <a:t>Boxplot of countries displaying majority of countries belonging to the cluster which has a growing number of population with access to electricity</a:t>
+            </a:r>
+            <a:endParaRPr kumimoji="0" lang="sv-SE" altLang="en-US" sz="1200" b="1" i="0" u="none" strike="noStrike" cap="none" normalizeH="0" baseline="0" dirty="0">
+              <a:ln>
+                <a:noFill/>
+              </a:ln>
+              <a:solidFill>
+                <a:schemeClr val="tx1"/>
+              </a:solidFill>
+              <a:effectLst/>
+              <a:latin typeface="+mn-lt"/>
+            </a:endParaRPr>
+          </a:p>
+          <a:p>
+            <a:pPr marL="0" marR="0" lvl="0" indent="0" algn="l" defTabSz="914400" rtl="0" eaLnBrk="0" fontAlgn="base" latinLnBrk="0" hangingPunct="0">
+              <a:lnSpc>
+                <a:spcPct val="100000"/>
+              </a:lnSpc>
+              <a:spcBef>
+                <a:spcPct val="0"/>
+              </a:spcBef>
+              <a:spcAft>
+                <a:spcPct val="0"/>
+              </a:spcAft>
+              <a:buClrTx/>
+              <a:buSzTx/>
+              <a:tabLst/>
+            </a:pPr>
+            <a:endParaRPr lang="sv-SE" sz="1200" b="1" dirty="0">
+              <a:solidFill>
+                <a:schemeClr val="tx1"/>
+              </a:solidFill>
+              <a:latin typeface="+mn-lt"/>
+            </a:endParaRPr>
+          </a:p>
+          <a:p>
+            <a:pPr marL="171450" marR="0" lvl="0" indent="-171450" algn="l" defTabSz="914400" rtl="0" eaLnBrk="0" fontAlgn="base" latinLnBrk="0" hangingPunct="0">
+              <a:lnSpc>
+                <a:spcPct val="100000"/>
+              </a:lnSpc>
+              <a:spcBef>
+                <a:spcPct val="0"/>
+              </a:spcBef>
+              <a:spcAft>
+                <a:spcPct val="0"/>
+              </a:spcAft>
+              <a:buClrTx/>
+              <a:buSzTx/>
+              <a:buFont typeface="Arial" panose="020B0604020202020204" pitchFamily="34" charset="0"/>
+              <a:buChar char="•"/>
+              <a:tabLst/>
+            </a:pPr>
+            <a:endParaRPr lang="sv-SE" sz="1200" dirty="0">
+              <a:latin typeface="+mn-lt"/>
+            </a:endParaRPr>
+          </a:p>
+        </p:txBody>
+      </p:sp>
+      <p:pic>
+        <p:nvPicPr>
+          <p:cNvPr id="11" name="Picture 10" descr="A graph showing the average electricity access percentage by cluster&#10;&#10;Description automatically generated">
+            <a:extLst>
+              <a:ext uri="{FF2B5EF4-FFF2-40B4-BE49-F238E27FC236}">
+                <a16:creationId xmlns:a16="http://schemas.microsoft.com/office/drawing/2014/main" id="{0E02907F-B8E6-D9E5-8A50-20DBC3BC22A6}"/>
+              </a:ext>
+            </a:extLst>
+          </p:cNvPr>
+          <p:cNvPicPr>
+            <a:picLocks noChangeAspect="1"/>
+          </p:cNvPicPr>
+          <p:nvPr/>
+        </p:nvPicPr>
+        <p:blipFill>
+          <a:blip r:embed="rId4"/>
+          <a:stretch>
+            <a:fillRect/>
+          </a:stretch>
+        </p:blipFill>
+        <p:spPr>
+          <a:xfrm>
+            <a:off x="6106162" y="2652944"/>
+            <a:ext cx="4768714" cy="2718098"/>
+          </a:xfrm>
+          <a:prstGeom prst="rect">
+            <a:avLst/>
+          </a:prstGeom>
+        </p:spPr>
+      </p:pic>
+      <p:pic>
+        <p:nvPicPr>
+          <p:cNvPr id="14" name="Picture 13" descr="A graph showing the average electricity access percentage by cluster&#10;&#10;Description automatically generated">
+            <a:extLst>
+              <a:ext uri="{FF2B5EF4-FFF2-40B4-BE49-F238E27FC236}">
+                <a16:creationId xmlns:a16="http://schemas.microsoft.com/office/drawing/2014/main" id="{D6C8A37B-DA44-CB09-BC8A-AA8EE7B1C118}"/>
+              </a:ext>
+            </a:extLst>
+          </p:cNvPr>
+          <p:cNvPicPr>
+            <a:picLocks noChangeAspect="1"/>
+          </p:cNvPicPr>
+          <p:nvPr/>
+        </p:nvPicPr>
+        <p:blipFill>
+          <a:blip r:embed="rId5"/>
+          <a:stretch>
+            <a:fillRect/>
+          </a:stretch>
+        </p:blipFill>
+        <p:spPr>
+          <a:xfrm>
+            <a:off x="880529" y="2652944"/>
+            <a:ext cx="4073711" cy="2718101"/>
+          </a:xfrm>
+          <a:prstGeom prst="rect">
+            <a:avLst/>
+          </a:prstGeom>
+        </p:spPr>
+      </p:pic>
     </p:spTree>
     <p:extLst>
       <p:ext uri="{BB962C8B-B14F-4D97-AF65-F5344CB8AC3E}">
-        <p14:creationId xmlns:p14="http://schemas.microsoft.com/office/powerpoint/2010/main" val="3544365122"/>
+        <p14:creationId xmlns:p14="http://schemas.microsoft.com/office/powerpoint/2010/main" val="558321660"/>
       </p:ext>
     </p:extLst>
   </p:cSld>
@@ -6327,6 +10812,14 @@
 </file>
 
 <file path=customXml/item2.xml><?xml version="1.0" encoding="utf-8"?>
+<p:properties xmlns:p="http://schemas.microsoft.com/office/2006/metadata/properties" xmlns:xsi="http://www.w3.org/2001/XMLSchema-instance" xmlns:pc="http://schemas.microsoft.com/office/infopath/2007/PartnerControls">
+  <documentManagement>
+    <_activity xmlns="9162bd5b-4ed9-4da3-b376-05204580ba3f" xsi:nil="true"/>
+  </documentManagement>
+</p:properties>
+</file>
+
+<file path=customXml/item3.xml><?xml version="1.0" encoding="utf-8"?>
 <ct:contentTypeSchema xmlns:ct="http://schemas.microsoft.com/office/2006/metadata/contentType" xmlns:ma="http://schemas.microsoft.com/office/2006/metadata/properties/metaAttributes" ct:_="" ma:_="" ma:contentTypeName="Document" ma:contentTypeID="0x0101000F1872188ABCFC48BECA6C87E8AC3285" ma:contentTypeVersion="15" ma:contentTypeDescription="Create a new document." ma:contentTypeScope="" ma:versionID="7670618c03e54fbae4a17ecb2d0ed10f">
   <xsd:schema xmlns:xsd="http://www.w3.org/2001/XMLSchema" xmlns:xs="http://www.w3.org/2001/XMLSchema" xmlns:p="http://schemas.microsoft.com/office/2006/metadata/properties" xmlns:ns3="9162bd5b-4ed9-4da3-b376-05204580ba3f" xmlns:ns4="c0fa2617-96bd-425d-8578-e93563fe37c5" targetNamespace="http://schemas.microsoft.com/office/2006/metadata/properties" ma:root="true" ma:fieldsID="3d63de1c5a217044e31e0c8b260d3d71" ns3:_="" ns4:_="">
     <xsd:import namespace="9162bd5b-4ed9-4da3-b376-05204580ba3f"/>
@@ -6561,14 +11054,6 @@
 </ct:contentTypeSchema>
 </file>
 
-<file path=customXml/item3.xml><?xml version="1.0" encoding="utf-8"?>
-<p:properties xmlns:p="http://schemas.microsoft.com/office/2006/metadata/properties" xmlns:xsi="http://www.w3.org/2001/XMLSchema-instance" xmlns:pc="http://schemas.microsoft.com/office/infopath/2007/PartnerControls">
-  <documentManagement>
-    <_activity xmlns="9162bd5b-4ed9-4da3-b376-05204580ba3f" xsi:nil="true"/>
-  </documentManagement>
-</p:properties>
-</file>
-
 <file path=customXml/itemProps1.xml><?xml version="1.0" encoding="utf-8"?>
 <ds:datastoreItem xmlns:ds="http://schemas.openxmlformats.org/officeDocument/2006/customXml" ds:itemID="{3706AB80-2608-47D7-8AC8-FA6BC8A9B27C}">
   <ds:schemaRefs>
@@ -6578,6 +11063,23 @@
 </file>
 
 <file path=customXml/itemProps2.xml><?xml version="1.0" encoding="utf-8"?>
+<ds:datastoreItem xmlns:ds="http://schemas.openxmlformats.org/officeDocument/2006/customXml" ds:itemID="{A6559A34-456E-49A1-8157-9E3D18BFAD36}">
+  <ds:schemaRefs>
+    <ds:schemaRef ds:uri="9162bd5b-4ed9-4da3-b376-05204580ba3f"/>
+    <ds:schemaRef ds:uri="c0fa2617-96bd-425d-8578-e93563fe37c5"/>
+    <ds:schemaRef ds:uri="http://purl.org/dc/dcmitype/"/>
+    <ds:schemaRef ds:uri="http://purl.org/dc/elements/1.1/"/>
+    <ds:schemaRef ds:uri="http://purl.org/dc/terms/"/>
+    <ds:schemaRef ds:uri="http://schemas.microsoft.com/office/2006/documentManagement/types"/>
+    <ds:schemaRef ds:uri="http://schemas.microsoft.com/office/2006/metadata/properties"/>
+    <ds:schemaRef ds:uri="http://schemas.microsoft.com/office/infopath/2007/PartnerControls"/>
+    <ds:schemaRef ds:uri="http://schemas.openxmlformats.org/package/2006/metadata/core-properties"/>
+    <ds:schemaRef ds:uri="http://www.w3.org/XML/1998/namespace"/>
+  </ds:schemaRefs>
+</ds:datastoreItem>
+</file>
+
+<file path=customXml/itemProps3.xml><?xml version="1.0" encoding="utf-8"?>
 <ds:datastoreItem xmlns:ds="http://schemas.openxmlformats.org/officeDocument/2006/customXml" ds:itemID="{7D9E5D5E-A365-4A49-8140-C8CC82A61608}">
   <ds:schemaRefs>
     <ds:schemaRef ds:uri="9162bd5b-4ed9-4da3-b376-05204580ba3f"/>
@@ -6594,21 +11096,4 @@
     <ds:schemaRef ds:uri="http://www.w3.org/2001/XMLSchema"/>
   </ds:schemaRefs>
 </ds:datastoreItem>
-</file>
-
-<file path=customXml/itemProps3.xml><?xml version="1.0" encoding="utf-8"?>
-<ds:datastoreItem xmlns:ds="http://schemas.openxmlformats.org/officeDocument/2006/customXml" ds:itemID="{A6559A34-456E-49A1-8157-9E3D18BFAD36}">
-  <ds:schemaRefs>
-    <ds:schemaRef ds:uri="9162bd5b-4ed9-4da3-b376-05204580ba3f"/>
-    <ds:schemaRef ds:uri="c0fa2617-96bd-425d-8578-e93563fe37c5"/>
-    <ds:schemaRef ds:uri="http://purl.org/dc/dcmitype/"/>
-    <ds:schemaRef ds:uri="http://purl.org/dc/elements/1.1/"/>
-    <ds:schemaRef ds:uri="http://purl.org/dc/terms/"/>
-    <ds:schemaRef ds:uri="http://schemas.microsoft.com/office/2006/documentManagement/types"/>
-    <ds:schemaRef ds:uri="http://schemas.microsoft.com/office/2006/metadata/properties"/>
-    <ds:schemaRef ds:uri="http://schemas.microsoft.com/office/infopath/2007/PartnerControls"/>
-    <ds:schemaRef ds:uri="http://schemas.openxmlformats.org/package/2006/metadata/core-properties"/>
-    <ds:schemaRef ds:uri="http://www.w3.org/XML/1998/namespace"/>
-  </ds:schemaRefs>
-</ds:datastoreItem>
 </file>